--- a/poster.pptx
+++ b/poster.pptx
@@ -288,7 +288,8 @@
           <a:p>
             <a:fld id="{5AF0ADCD-25D3-4197-81BB-D190A8F1911B}" type="datetimeFigureOut">
               <a:rPr lang="en-US" smtClean="0"/>
-              <a:t>11/25/2012</a:t>
+              <a:pPr/>
+              <a:t>11/27/2012</a:t>
             </a:fld>
             <a:endParaRPr lang="en-US"/>
           </a:p>
@@ -330,6 +331,7 @@
           <a:p>
             <a:fld id="{136F6824-00F7-4F32-B0D6-3316C82617A0}" type="slidenum">
               <a:rPr lang="en-US" smtClean="0"/>
+              <a:pPr/>
               <a:t>‹#›</a:t>
             </a:fld>
             <a:endParaRPr lang="en-US"/>
@@ -453,7 +455,8 @@
           <a:p>
             <a:fld id="{5AF0ADCD-25D3-4197-81BB-D190A8F1911B}" type="datetimeFigureOut">
               <a:rPr lang="en-US" smtClean="0"/>
-              <a:t>11/25/2012</a:t>
+              <a:pPr/>
+              <a:t>11/27/2012</a:t>
             </a:fld>
             <a:endParaRPr lang="en-US"/>
           </a:p>
@@ -495,6 +498,7 @@
           <a:p>
             <a:fld id="{136F6824-00F7-4F32-B0D6-3316C82617A0}" type="slidenum">
               <a:rPr lang="en-US" smtClean="0"/>
+              <a:pPr/>
               <a:t>‹#›</a:t>
             </a:fld>
             <a:endParaRPr lang="en-US"/>
@@ -628,7 +632,8 @@
           <a:p>
             <a:fld id="{5AF0ADCD-25D3-4197-81BB-D190A8F1911B}" type="datetimeFigureOut">
               <a:rPr lang="en-US" smtClean="0"/>
-              <a:t>11/25/2012</a:t>
+              <a:pPr/>
+              <a:t>11/27/2012</a:t>
             </a:fld>
             <a:endParaRPr lang="en-US"/>
           </a:p>
@@ -670,6 +675,7 @@
           <a:p>
             <a:fld id="{136F6824-00F7-4F32-B0D6-3316C82617A0}" type="slidenum">
               <a:rPr lang="en-US" smtClean="0"/>
+              <a:pPr/>
               <a:t>‹#›</a:t>
             </a:fld>
             <a:endParaRPr lang="en-US"/>
@@ -793,7 +799,8 @@
           <a:p>
             <a:fld id="{5AF0ADCD-25D3-4197-81BB-D190A8F1911B}" type="datetimeFigureOut">
               <a:rPr lang="en-US" smtClean="0"/>
-              <a:t>11/25/2012</a:t>
+              <a:pPr/>
+              <a:t>11/27/2012</a:t>
             </a:fld>
             <a:endParaRPr lang="en-US"/>
           </a:p>
@@ -835,6 +842,7 @@
           <a:p>
             <a:fld id="{136F6824-00F7-4F32-B0D6-3316C82617A0}" type="slidenum">
               <a:rPr lang="en-US" smtClean="0"/>
+              <a:pPr/>
               <a:t>‹#›</a:t>
             </a:fld>
             <a:endParaRPr lang="en-US"/>
@@ -1034,7 +1042,8 @@
           <a:p>
             <a:fld id="{5AF0ADCD-25D3-4197-81BB-D190A8F1911B}" type="datetimeFigureOut">
               <a:rPr lang="en-US" smtClean="0"/>
-              <a:t>11/25/2012</a:t>
+              <a:pPr/>
+              <a:t>11/27/2012</a:t>
             </a:fld>
             <a:endParaRPr lang="en-US"/>
           </a:p>
@@ -1076,6 +1085,7 @@
           <a:p>
             <a:fld id="{136F6824-00F7-4F32-B0D6-3316C82617A0}" type="slidenum">
               <a:rPr lang="en-US" smtClean="0"/>
+              <a:pPr/>
               <a:t>‹#›</a:t>
             </a:fld>
             <a:endParaRPr lang="en-US"/>
@@ -1317,7 +1327,8 @@
           <a:p>
             <a:fld id="{5AF0ADCD-25D3-4197-81BB-D190A8F1911B}" type="datetimeFigureOut">
               <a:rPr lang="en-US" smtClean="0"/>
-              <a:t>11/25/2012</a:t>
+              <a:pPr/>
+              <a:t>11/27/2012</a:t>
             </a:fld>
             <a:endParaRPr lang="en-US"/>
           </a:p>
@@ -1359,6 +1370,7 @@
           <a:p>
             <a:fld id="{136F6824-00F7-4F32-B0D6-3316C82617A0}" type="slidenum">
               <a:rPr lang="en-US" smtClean="0"/>
+              <a:pPr/>
               <a:t>‹#›</a:t>
             </a:fld>
             <a:endParaRPr lang="en-US"/>
@@ -1739,7 +1751,8 @@
           <a:p>
             <a:fld id="{5AF0ADCD-25D3-4197-81BB-D190A8F1911B}" type="datetimeFigureOut">
               <a:rPr lang="en-US" smtClean="0"/>
-              <a:t>11/25/2012</a:t>
+              <a:pPr/>
+              <a:t>11/27/2012</a:t>
             </a:fld>
             <a:endParaRPr lang="en-US"/>
           </a:p>
@@ -1781,6 +1794,7 @@
           <a:p>
             <a:fld id="{136F6824-00F7-4F32-B0D6-3316C82617A0}" type="slidenum">
               <a:rPr lang="en-US" smtClean="0"/>
+              <a:pPr/>
               <a:t>‹#›</a:t>
             </a:fld>
             <a:endParaRPr lang="en-US"/>
@@ -1852,7 +1866,8 @@
           <a:p>
             <a:fld id="{5AF0ADCD-25D3-4197-81BB-D190A8F1911B}" type="datetimeFigureOut">
               <a:rPr lang="en-US" smtClean="0"/>
-              <a:t>11/25/2012</a:t>
+              <a:pPr/>
+              <a:t>11/27/2012</a:t>
             </a:fld>
             <a:endParaRPr lang="en-US"/>
           </a:p>
@@ -1894,6 +1909,7 @@
           <a:p>
             <a:fld id="{136F6824-00F7-4F32-B0D6-3316C82617A0}" type="slidenum">
               <a:rPr lang="en-US" smtClean="0"/>
+              <a:pPr/>
               <a:t>‹#›</a:t>
             </a:fld>
             <a:endParaRPr lang="en-US"/>
@@ -1942,7 +1958,8 @@
           <a:p>
             <a:fld id="{5AF0ADCD-25D3-4197-81BB-D190A8F1911B}" type="datetimeFigureOut">
               <a:rPr lang="en-US" smtClean="0"/>
-              <a:t>11/25/2012</a:t>
+              <a:pPr/>
+              <a:t>11/27/2012</a:t>
             </a:fld>
             <a:endParaRPr lang="en-US"/>
           </a:p>
@@ -1984,6 +2001,7 @@
           <a:p>
             <a:fld id="{136F6824-00F7-4F32-B0D6-3316C82617A0}" type="slidenum">
               <a:rPr lang="en-US" smtClean="0"/>
+              <a:pPr/>
               <a:t>‹#›</a:t>
             </a:fld>
             <a:endParaRPr lang="en-US"/>
@@ -2214,7 +2232,8 @@
           <a:p>
             <a:fld id="{5AF0ADCD-25D3-4197-81BB-D190A8F1911B}" type="datetimeFigureOut">
               <a:rPr lang="en-US" smtClean="0"/>
-              <a:t>11/25/2012</a:t>
+              <a:pPr/>
+              <a:t>11/27/2012</a:t>
             </a:fld>
             <a:endParaRPr lang="en-US"/>
           </a:p>
@@ -2256,6 +2275,7 @@
           <a:p>
             <a:fld id="{136F6824-00F7-4F32-B0D6-3316C82617A0}" type="slidenum">
               <a:rPr lang="en-US" smtClean="0"/>
+              <a:pPr/>
               <a:t>‹#›</a:t>
             </a:fld>
             <a:endParaRPr lang="en-US"/>
@@ -2462,7 +2482,8 @@
           <a:p>
             <a:fld id="{5AF0ADCD-25D3-4197-81BB-D190A8F1911B}" type="datetimeFigureOut">
               <a:rPr lang="en-US" smtClean="0"/>
-              <a:t>11/25/2012</a:t>
+              <a:pPr/>
+              <a:t>11/27/2012</a:t>
             </a:fld>
             <a:endParaRPr lang="en-US"/>
           </a:p>
@@ -2504,6 +2525,7 @@
           <a:p>
             <a:fld id="{136F6824-00F7-4F32-B0D6-3316C82617A0}" type="slidenum">
               <a:rPr lang="en-US" smtClean="0"/>
+              <a:pPr/>
               <a:t>‹#›</a:t>
             </a:fld>
             <a:endParaRPr lang="en-US"/>
@@ -2670,7 +2692,8 @@
           <a:p>
             <a:fld id="{5AF0ADCD-25D3-4197-81BB-D190A8F1911B}" type="datetimeFigureOut">
               <a:rPr lang="en-US" smtClean="0"/>
-              <a:t>11/25/2012</a:t>
+              <a:pPr/>
+              <a:t>11/27/2012</a:t>
             </a:fld>
             <a:endParaRPr lang="en-US"/>
           </a:p>
@@ -2748,6 +2771,7 @@
           <a:p>
             <a:fld id="{136F6824-00F7-4F32-B0D6-3316C82617A0}" type="slidenum">
               <a:rPr lang="en-US" smtClean="0"/>
+              <a:pPr/>
               <a:t>‹#›</a:t>
             </a:fld>
             <a:endParaRPr lang="en-US"/>
@@ -3042,7 +3066,7 @@
       </p:grpSpPr>
       <p:pic>
         <p:nvPicPr>
-          <p:cNvPr id="11268" name="Picture 4" descr="http://human3rror.com/wp-content/uploads/2009/07/portrait-of-an-unknown-document.jpg"/>
+          <p:cNvPr id="1027" name="Picture 3"/>
           <p:cNvPicPr>
             <a:picLocks noChangeAspect="1" noChangeArrowheads="1"/>
           </p:cNvPicPr>
@@ -3050,20 +3074,26 @@
         </p:nvPicPr>
         <p:blipFill>
           <a:blip r:embed="rId2" cstate="print"/>
-          <a:srcRect l="2724" t="2581" r="2960" b="3813"/>
+          <a:srcRect/>
           <a:stretch>
             <a:fillRect/>
           </a:stretch>
         </p:blipFill>
         <p:spPr bwMode="auto">
           <a:xfrm>
-            <a:off x="0" y="6350"/>
-            <a:ext cx="32397700" cy="41681400"/>
+            <a:off x="0" y="0"/>
+            <a:ext cx="32397700" cy="42144950"/>
           </a:xfrm>
           <a:prstGeom prst="rect">
             <a:avLst/>
           </a:prstGeom>
           <a:noFill/>
+          <a:ln w="9525">
+            <a:noFill/>
+            <a:miter lim="800000"/>
+            <a:headEnd/>
+            <a:tailEnd/>
+          </a:ln>
         </p:spPr>
       </p:pic>
       <p:sp>
@@ -3074,8 +3104,8 @@
         </p:nvSpPr>
         <p:spPr>
           <a:xfrm rot="2613103">
-            <a:off x="22974528" y="3453463"/>
-            <a:ext cx="8832739" cy="2400657"/>
+            <a:off x="23154802" y="3376519"/>
+            <a:ext cx="8472191" cy="2554545"/>
           </a:xfrm>
           <a:prstGeom prst="rect">
             <a:avLst/>
@@ -3091,17 +3121,57 @@
         <p:txBody>
           <a:bodyPr wrap="none">
             <a:spAutoFit/>
+            <a:scene3d>
+              <a:camera prst="orthographicFront"/>
+              <a:lightRig rig="flat" dir="tl">
+                <a:rot lat="0" lon="0" rev="6600000"/>
+              </a:lightRig>
+            </a:scene3d>
+            <a:sp3d extrusionH="25400" contourW="8890">
+              <a:bevelT w="38100" h="31750"/>
+              <a:contourClr>
+                <a:schemeClr val="accent2">
+                  <a:shade val="75000"/>
+                </a:schemeClr>
+              </a:contourClr>
+            </a:sp3d>
           </a:bodyPr>
           <a:lstStyle/>
           <a:p>
             <a:r>
-              <a:rPr lang="en-US" sz="15000" dirty="0" smtClean="0">
-                <a:latin typeface="Cooper Black" pitchFamily="18" charset="0"/>
+              <a:rPr lang="en-US" sz="16000" b="1" dirty="0" smtClean="0">
+                <a:ln w="11430"/>
+                <a:solidFill>
+                  <a:schemeClr val="accent6">
+                    <a:lumMod val="75000"/>
+                  </a:schemeClr>
+                </a:solidFill>
+                <a:effectLst>
+                  <a:outerShdw blurRad="50800" dist="39000" dir="5460000" algn="tl">
+                    <a:srgbClr val="000000">
+                      <a:alpha val="38000"/>
+                    </a:srgbClr>
+                  </a:outerShdw>
+                </a:effectLst>
+                <a:latin typeface="Century Gothic" pitchFamily="34" charset="0"/>
               </a:rPr>
               <a:t>Pharmer</a:t>
             </a:r>
-            <a:endParaRPr lang="en-US" sz="15000" dirty="0">
-              <a:latin typeface="Cooper Black" pitchFamily="18" charset="0"/>
+            <a:endParaRPr lang="en-US" sz="16000" b="1" dirty="0">
+              <a:ln w="11430"/>
+              <a:solidFill>
+                <a:schemeClr val="accent6">
+                  <a:lumMod val="75000"/>
+                </a:schemeClr>
+              </a:solidFill>
+              <a:effectLst>
+                <a:outerShdw blurRad="50800" dist="39000" dir="5460000" algn="tl">
+                  <a:srgbClr val="000000">
+                    <a:alpha val="38000"/>
+                  </a:srgbClr>
+                </a:outerShdw>
+              </a:effectLst>
+              <a:latin typeface="Century Gothic" pitchFamily="34" charset="0"/>
             </a:endParaRPr>
           </a:p>
         </p:txBody>
@@ -3122,8 +3192,8 @@
         </p:blipFill>
         <p:spPr>
           <a:xfrm>
-            <a:off x="23347467" y="6178550"/>
-            <a:ext cx="1614383" cy="2286000"/>
+            <a:off x="23347467" y="5315344"/>
+            <a:ext cx="2223983" cy="3149206"/>
           </a:xfrm>
           <a:prstGeom prst="rect">
             <a:avLst/>
@@ -3178,7 +3248,7 @@
         </p:nvSpPr>
         <p:spPr>
           <a:xfrm>
-            <a:off x="16198850" y="12807950"/>
+            <a:off x="16046450" y="12807950"/>
             <a:ext cx="15011400" cy="11734800"/>
           </a:xfrm>
           <a:prstGeom prst="ellipse">
@@ -3311,8 +3381,8 @@
         </p:nvSpPr>
         <p:spPr>
           <a:xfrm>
-            <a:off x="2711450" y="20123150"/>
-            <a:ext cx="12954000" cy="12954000"/>
+            <a:off x="2482850" y="20123150"/>
+            <a:ext cx="13639800" cy="13182600"/>
           </a:xfrm>
           <a:prstGeom prst="ellipse">
             <a:avLst/>
@@ -3354,8 +3424,8 @@
         </p:nvCxnSpPr>
         <p:spPr>
           <a:xfrm flipH="1">
-            <a:off x="15665450" y="22824230"/>
-            <a:ext cx="2731770" cy="3775920"/>
+            <a:off x="16122650" y="22824230"/>
+            <a:ext cx="2122170" cy="3890220"/>
           </a:xfrm>
           <a:prstGeom prst="line">
             <a:avLst/>
@@ -3381,79 +3451,6 @@
           </a:fontRef>
         </p:style>
       </p:cxnSp>
-      <p:pic>
-        <p:nvPicPr>
-          <p:cNvPr id="53" name="Picture 52" descr="ecosys.jpg"/>
-          <p:cNvPicPr>
-            <a:picLocks noChangeAspect="1"/>
-          </p:cNvPicPr>
-          <p:nvPr/>
-        </p:nvPicPr>
-        <p:blipFill>
-          <a:blip r:embed="rId4" cstate="print"/>
-          <a:stretch>
-            <a:fillRect/>
-          </a:stretch>
-        </p:blipFill>
-        <p:spPr>
-          <a:xfrm>
-            <a:off x="16884650" y="27819350"/>
-            <a:ext cx="13716000" cy="10287000"/>
-          </a:xfrm>
-          <a:prstGeom prst="rect">
-            <a:avLst/>
-          </a:prstGeom>
-        </p:spPr>
-      </p:pic>
-      <p:sp>
-        <p:nvSpPr>
-          <p:cNvPr id="11" name="Oval 10"/>
-          <p:cNvSpPr/>
-          <p:nvPr/>
-        </p:nvSpPr>
-        <p:spPr>
-          <a:xfrm>
-            <a:off x="16960850" y="25914350"/>
-            <a:ext cx="13411200" cy="13716000"/>
-          </a:xfrm>
-          <a:prstGeom prst="ellipse">
-            <a:avLst/>
-          </a:prstGeom>
-          <a:noFill/>
-          <a:ln w="127000">
-            <a:solidFill>
-              <a:schemeClr val="tx2">
-                <a:lumMod val="60000"/>
-                <a:lumOff val="40000"/>
-              </a:schemeClr>
-            </a:solidFill>
-          </a:ln>
-        </p:spPr>
-        <p:style>
-          <a:lnRef idx="2">
-            <a:schemeClr val="accent4">
-              <a:shade val="50000"/>
-            </a:schemeClr>
-          </a:lnRef>
-          <a:fillRef idx="1">
-            <a:schemeClr val="accent4"/>
-          </a:fillRef>
-          <a:effectRef idx="0">
-            <a:schemeClr val="accent4"/>
-          </a:effectRef>
-          <a:fontRef idx="minor">
-            <a:schemeClr val="lt1"/>
-          </a:fontRef>
-        </p:style>
-        <p:txBody>
-          <a:bodyPr rtlCol="0" anchor="ctr"/>
-          <a:lstStyle/>
-          <a:p>
-            <a:pPr algn="ctr"/>
-            <a:endParaRPr lang="en-US"/>
-          </a:p>
-        </p:txBody>
-      </p:sp>
       <p:cxnSp>
         <p:nvCxnSpPr>
           <p:cNvPr id="17" name="Straight Connector 16"/>
@@ -3464,8 +3461,8 @@
         </p:nvCxnSpPr>
         <p:spPr>
           <a:xfrm>
-            <a:off x="15055850" y="29267150"/>
-            <a:ext cx="1905000" cy="3505200"/>
+            <a:off x="14522450" y="30486350"/>
+            <a:ext cx="2362200" cy="2324100"/>
           </a:xfrm>
           <a:prstGeom prst="line">
             <a:avLst/>
@@ -3500,15 +3497,15 @@
           <p:nvPr/>
         </p:nvPicPr>
         <p:blipFill>
-          <a:blip r:embed="rId5" cstate="print"/>
+          <a:blip r:embed="rId4" cstate="print"/>
           <a:stretch>
             <a:fillRect/>
           </a:stretch>
         </p:blipFill>
         <p:spPr>
           <a:xfrm>
-            <a:off x="3016250" y="20580350"/>
-            <a:ext cx="12435840" cy="12165214"/>
+            <a:off x="2863850" y="20378536"/>
+            <a:ext cx="13059001" cy="12774814"/>
           </a:xfrm>
           <a:prstGeom prst="ellipse">
             <a:avLst/>
@@ -3588,7 +3585,7 @@
           <p:nvPr/>
         </p:nvPicPr>
         <p:blipFill>
-          <a:blip r:embed="rId6" cstate="print"/>
+          <a:blip r:embed="rId5" cstate="print"/>
           <a:srcRect/>
           <a:stretch>
             <a:fillRect/>
@@ -3613,7 +3610,7 @@
       <p:pic>
         <p:nvPicPr>
           <p:cNvPr id="72" name="Picture 6" descr="plendil">
-            <a:hlinkClick r:id="rId7"/>
+            <a:hlinkClick r:id="rId6"/>
           </p:cNvPr>
           <p:cNvPicPr>
             <a:picLocks noChangeAspect="1" noChangeArrowheads="1"/>
@@ -3621,7 +3618,7 @@
           <p:nvPr/>
         </p:nvPicPr>
         <p:blipFill>
-          <a:blip r:embed="rId8" cstate="print"/>
+          <a:blip r:embed="rId7" cstate="print"/>
           <a:srcRect l="3030" t="3809" r="6061" b="8579"/>
           <a:stretch>
             <a:fillRect/>
@@ -3931,7 +3928,7 @@
           <p:nvPr/>
         </p:nvPicPr>
         <p:blipFill>
-          <a:blip r:embed="rId9" cstate="print"/>
+          <a:blip r:embed="rId8" cstate="print"/>
           <a:stretch>
             <a:fillRect/>
           </a:stretch>
@@ -4037,7 +4034,7 @@
         <p:spPr>
           <a:xfrm>
             <a:off x="12652451" y="11713580"/>
-            <a:ext cx="5744769" cy="2812890"/>
+            <a:ext cx="5592369" cy="2812890"/>
           </a:xfrm>
           <a:prstGeom prst="straightConnector1">
             <a:avLst/>
@@ -4087,6 +4084,11 @@
           <a:p>
             <a:r>
               <a:rPr lang="en-US" sz="4500" b="1" dirty="0" smtClean="0">
+                <a:solidFill>
+                  <a:schemeClr val="accent1">
+                    <a:lumMod val="50000"/>
+                  </a:schemeClr>
+                </a:solidFill>
                 <a:latin typeface="Arial" pitchFamily="34" charset="0"/>
                 <a:cs typeface="Arial" pitchFamily="34" charset="0"/>
               </a:rPr>
@@ -4094,12 +4096,22 @@
             </a:r>
             <a:r>
               <a:rPr lang="en-US" sz="4500" dirty="0" smtClean="0">
+                <a:solidFill>
+                  <a:schemeClr val="accent1">
+                    <a:lumMod val="50000"/>
+                  </a:schemeClr>
+                </a:solidFill>
                 <a:latin typeface="Arial" pitchFamily="34" charset="0"/>
                 <a:cs typeface="Arial" pitchFamily="34" charset="0"/>
               </a:rPr>
               <a:t> Prescription Writer</a:t>
             </a:r>
             <a:endParaRPr lang="en-US" sz="4500" dirty="0">
+              <a:solidFill>
+                <a:schemeClr val="accent1">
+                  <a:lumMod val="50000"/>
+                </a:schemeClr>
+              </a:solidFill>
               <a:latin typeface="Arial" pitchFamily="34" charset="0"/>
               <a:cs typeface="Arial" pitchFamily="34" charset="0"/>
             </a:endParaRPr>
@@ -4337,19 +4349,8 @@
                 <a:latin typeface="Segoe UI Semibold" pitchFamily="34" charset="0"/>
                 <a:cs typeface="Arial" pitchFamily="34" charset="0"/>
               </a:rPr>
-              <a:t>  </a:t>
-            </a:r>
-            <a:r>
-              <a:rPr lang="en-US" sz="4000" dirty="0" smtClean="0">
-                <a:latin typeface="Segoe UI Semibold" pitchFamily="34" charset="0"/>
-                <a:cs typeface="Arial" pitchFamily="34" charset="0"/>
-              </a:rPr>
-              <a:t>  coming from multiple dynamic data sources.</a:t>
-            </a:r>
-            <a:endParaRPr lang="en-US" sz="4000" dirty="0" smtClean="0">
-              <a:latin typeface="Segoe UI Semibold" pitchFamily="34" charset="0"/>
-              <a:cs typeface="Arial" pitchFamily="34" charset="0"/>
-            </a:endParaRPr>
+              <a:t>    coming from multiple dynamic data sources.</a:t>
+            </a:r>
           </a:p>
         </p:txBody>
       </p:sp>
@@ -4410,11 +4411,6 @@
               </a:rPr>
               <a:t>Error free prescriptions.</a:t>
             </a:r>
-            <a:endParaRPr lang="en-US" sz="3500" b="1" dirty="0" smtClean="0">
-              <a:latin typeface="Times New Roman" pitchFamily="18" charset="0"/>
-              <a:cs typeface="Times New Roman" pitchFamily="18" charset="0"/>
-              <a:sym typeface="Wingdings" pitchFamily="2" charset="2"/>
-            </a:endParaRPr>
           </a:p>
         </p:txBody>
       </p:sp>
@@ -4513,11 +4509,6 @@
               </a:rPr>
               <a:t> Machine understandable prescription.</a:t>
             </a:r>
-            <a:endParaRPr lang="en-US" sz="4000" dirty="0" smtClean="0">
-              <a:latin typeface="Segoe UI Semibold" pitchFamily="34" charset="0"/>
-              <a:cs typeface="Arial" pitchFamily="34" charset="0"/>
-              <a:sym typeface="Wingdings" pitchFamily="2" charset="2"/>
-            </a:endParaRPr>
           </a:p>
         </p:txBody>
       </p:sp>
@@ -4556,11 +4547,6 @@
               </a:rPr>
               <a:t> Patient awareness.</a:t>
             </a:r>
-            <a:endParaRPr lang="en-US" sz="4000" dirty="0" smtClean="0">
-              <a:latin typeface="Segoe UI Semibold" pitchFamily="34" charset="0"/>
-              <a:cs typeface="Arial" pitchFamily="34" charset="0"/>
-              <a:sym typeface="Wingdings" pitchFamily="2" charset="2"/>
-            </a:endParaRPr>
           </a:p>
         </p:txBody>
       </p:sp>
@@ -4573,7 +4559,7 @@
           <p:nvPr/>
         </p:nvPicPr>
         <p:blipFill>
-          <a:blip r:embed="rId10" cstate="print"/>
+          <a:blip r:embed="rId9" cstate="print"/>
           <a:stretch>
             <a:fillRect/>
           </a:stretch>
@@ -4591,6 +4577,32 @@
       <p:pic>
         <p:nvPicPr>
           <p:cNvPr id="11270" name="Picture 6" descr="http://www.bitili.com/pharmer/img/ali.png"/>
+          <p:cNvPicPr>
+            <a:picLocks noChangeAspect="1" noChangeArrowheads="1"/>
+          </p:cNvPicPr>
+          <p:nvPr/>
+        </p:nvPicPr>
+        <p:blipFill>
+          <a:blip r:embed="rId10" cstate="print"/>
+          <a:srcRect/>
+          <a:stretch>
+            <a:fillRect/>
+          </a:stretch>
+        </p:blipFill>
+        <p:spPr bwMode="auto">
+          <a:xfrm>
+            <a:off x="1187450" y="41840150"/>
+            <a:ext cx="1600200" cy="1600200"/>
+          </a:xfrm>
+          <a:prstGeom prst="rect">
+            <a:avLst/>
+          </a:prstGeom>
+          <a:noFill/>
+        </p:spPr>
+      </p:pic>
+      <p:pic>
+        <p:nvPicPr>
+          <p:cNvPr id="11272" name="Picture 8" descr="http://www.bitili.com/pharmer/img/bita.png"/>
           <p:cNvPicPr>
             <a:picLocks noChangeAspect="1" noChangeArrowheads="1"/>
           </p:cNvPicPr>
@@ -4605,8 +4617,8 @@
         </p:blipFill>
         <p:spPr bwMode="auto">
           <a:xfrm>
-            <a:off x="1187450" y="41840150"/>
-            <a:ext cx="1600200" cy="1600200"/>
+            <a:off x="9340850" y="41840150"/>
+            <a:ext cx="1828800" cy="1828800"/>
           </a:xfrm>
           <a:prstGeom prst="rect">
             <a:avLst/>
@@ -4614,9 +4626,139 @@
           <a:noFill/>
         </p:spPr>
       </p:pic>
+      <p:sp>
+        <p:nvSpPr>
+          <p:cNvPr id="124" name="TextBox 123"/>
+          <p:cNvSpPr txBox="1"/>
+          <p:nvPr/>
+        </p:nvSpPr>
+        <p:spPr>
+          <a:xfrm>
+            <a:off x="2787650" y="41992550"/>
+            <a:ext cx="5240602" cy="2092881"/>
+          </a:xfrm>
+          <a:prstGeom prst="rect">
+            <a:avLst/>
+          </a:prstGeom>
+          <a:noFill/>
+        </p:spPr>
+        <p:txBody>
+          <a:bodyPr wrap="none" rtlCol="0">
+            <a:spAutoFit/>
+          </a:bodyPr>
+          <a:lstStyle/>
+          <a:p>
+            <a:r>
+              <a:rPr lang="en-US" sz="4000" b="1" dirty="0" smtClean="0"/>
+              <a:t>Ali Khalili</a:t>
+            </a:r>
+          </a:p>
+          <a:p>
+            <a:r>
+              <a:rPr lang="en-US" sz="3000" dirty="0" smtClean="0"/>
+              <a:t>AKSW Research group</a:t>
+            </a:r>
+          </a:p>
+          <a:p>
+            <a:r>
+              <a:rPr lang="en-US" sz="3000" dirty="0" smtClean="0"/>
+              <a:t>Institute of Informatics</a:t>
+            </a:r>
+          </a:p>
+          <a:p>
+            <a:r>
+              <a:rPr lang="en-US" sz="3000" dirty="0" smtClean="0">
+                <a:solidFill>
+                  <a:schemeClr val="bg1">
+                    <a:lumMod val="95000"/>
+                  </a:schemeClr>
+                </a:solidFill>
+              </a:rPr>
+              <a:t>khalili@informatik.uni-leipzig.de</a:t>
+            </a:r>
+            <a:endParaRPr lang="en-US" sz="3000" dirty="0">
+              <a:solidFill>
+                <a:schemeClr val="bg1">
+                  <a:lumMod val="95000"/>
+                </a:schemeClr>
+              </a:solidFill>
+            </a:endParaRPr>
+          </a:p>
+        </p:txBody>
+      </p:sp>
+      <p:sp>
+        <p:nvSpPr>
+          <p:cNvPr id="125" name="TextBox 124"/>
+          <p:cNvSpPr txBox="1"/>
+          <p:nvPr/>
+        </p:nvSpPr>
+        <p:spPr>
+          <a:xfrm>
+            <a:off x="11093449" y="41916350"/>
+            <a:ext cx="7008778" cy="2092881"/>
+          </a:xfrm>
+          <a:prstGeom prst="rect">
+            <a:avLst/>
+          </a:prstGeom>
+          <a:noFill/>
+        </p:spPr>
+        <p:txBody>
+          <a:bodyPr wrap="none" rtlCol="0">
+            <a:spAutoFit/>
+          </a:bodyPr>
+          <a:lstStyle/>
+          <a:p>
+            <a:r>
+              <a:rPr lang="en-US" sz="4000" b="1" dirty="0" smtClean="0"/>
+              <a:t>Bita Sedaghati</a:t>
+            </a:r>
+          </a:p>
+          <a:p>
+            <a:r>
+              <a:rPr lang="en-US" sz="3000" dirty="0" smtClean="0"/>
+              <a:t>Pharmaceutical Technology Research Group</a:t>
+            </a:r>
+          </a:p>
+          <a:p>
+            <a:r>
+              <a:rPr lang="en-US" sz="3000" dirty="0" smtClean="0"/>
+              <a:t>Institute of Pharmacy</a:t>
+            </a:r>
+          </a:p>
+          <a:p>
+            <a:r>
+              <a:rPr lang="en-US" sz="3000" dirty="0">
+                <a:solidFill>
+                  <a:schemeClr val="bg1">
+                    <a:lumMod val="95000"/>
+                  </a:schemeClr>
+                </a:solidFill>
+              </a:rPr>
+              <a:t>b</a:t>
+            </a:r>
+            <a:r>
+              <a:rPr lang="en-US" sz="3000" dirty="0" smtClean="0">
+                <a:solidFill>
+                  <a:schemeClr val="bg1">
+                    <a:lumMod val="95000"/>
+                  </a:schemeClr>
+                </a:solidFill>
+              </a:rPr>
+              <a:t>ita.sedaghati@uni-leipzig.de</a:t>
+            </a:r>
+            <a:endParaRPr lang="en-US" sz="3000" dirty="0">
+              <a:solidFill>
+                <a:schemeClr val="bg1">
+                  <a:lumMod val="95000"/>
+                </a:schemeClr>
+              </a:solidFill>
+            </a:endParaRPr>
+          </a:p>
+        </p:txBody>
+      </p:sp>
       <p:pic>
         <p:nvPicPr>
-          <p:cNvPr id="11272" name="Picture 8" descr="http://www.bitili.com/pharmer/img/bita.png"/>
+          <p:cNvPr id="11274" name="Picture 10" descr="QRCode"/>
           <p:cNvPicPr>
             <a:picLocks noChangeAspect="1" noChangeArrowheads="1"/>
           </p:cNvPicPr>
@@ -4631,8 +4773,8 @@
         </p:blipFill>
         <p:spPr bwMode="auto">
           <a:xfrm>
-            <a:off x="9340850" y="41840150"/>
-            <a:ext cx="1828800" cy="1828800"/>
+            <a:off x="27628850" y="42144950"/>
+            <a:ext cx="3505200" cy="3505200"/>
           </a:xfrm>
           <a:prstGeom prst="rect">
             <a:avLst/>
@@ -4640,139 +4782,9 @@
           <a:noFill/>
         </p:spPr>
       </p:pic>
-      <p:sp>
-        <p:nvSpPr>
-          <p:cNvPr id="124" name="TextBox 123"/>
-          <p:cNvSpPr txBox="1"/>
-          <p:nvPr/>
-        </p:nvSpPr>
-        <p:spPr>
-          <a:xfrm>
-            <a:off x="2787650" y="41992550"/>
-            <a:ext cx="5240602" cy="2092881"/>
-          </a:xfrm>
-          <a:prstGeom prst="rect">
-            <a:avLst/>
-          </a:prstGeom>
-          <a:noFill/>
-        </p:spPr>
-        <p:txBody>
-          <a:bodyPr wrap="none" rtlCol="0">
-            <a:spAutoFit/>
-          </a:bodyPr>
-          <a:lstStyle/>
-          <a:p>
-            <a:r>
-              <a:rPr lang="en-US" sz="4000" b="1" dirty="0" smtClean="0"/>
-              <a:t>Ali Khalili</a:t>
-            </a:r>
-          </a:p>
-          <a:p>
-            <a:r>
-              <a:rPr lang="en-US" sz="3000" dirty="0" smtClean="0"/>
-              <a:t>AKSW Research group</a:t>
-            </a:r>
-          </a:p>
-          <a:p>
-            <a:r>
-              <a:rPr lang="en-US" sz="3000" dirty="0" smtClean="0"/>
-              <a:t>Institute of Informatics</a:t>
-            </a:r>
-          </a:p>
-          <a:p>
-            <a:r>
-              <a:rPr lang="en-US" sz="3000" dirty="0" smtClean="0">
-                <a:solidFill>
-                  <a:schemeClr val="bg1">
-                    <a:lumMod val="95000"/>
-                  </a:schemeClr>
-                </a:solidFill>
-              </a:rPr>
-              <a:t>khalili@informatik.uni-leipzig.de</a:t>
-            </a:r>
-            <a:endParaRPr lang="en-US" sz="3000" dirty="0">
-              <a:solidFill>
-                <a:schemeClr val="bg1">
-                  <a:lumMod val="95000"/>
-                </a:schemeClr>
-              </a:solidFill>
-            </a:endParaRPr>
-          </a:p>
-        </p:txBody>
-      </p:sp>
-      <p:sp>
-        <p:nvSpPr>
-          <p:cNvPr id="125" name="TextBox 124"/>
-          <p:cNvSpPr txBox="1"/>
-          <p:nvPr/>
-        </p:nvSpPr>
-        <p:spPr>
-          <a:xfrm>
-            <a:off x="11093449" y="41916350"/>
-            <a:ext cx="7008778" cy="2092881"/>
-          </a:xfrm>
-          <a:prstGeom prst="rect">
-            <a:avLst/>
-          </a:prstGeom>
-          <a:noFill/>
-        </p:spPr>
-        <p:txBody>
-          <a:bodyPr wrap="none" rtlCol="0">
-            <a:spAutoFit/>
-          </a:bodyPr>
-          <a:lstStyle/>
-          <a:p>
-            <a:r>
-              <a:rPr lang="en-US" sz="4000" b="1" dirty="0" smtClean="0"/>
-              <a:t>Bita Sedaghati</a:t>
-            </a:r>
-          </a:p>
-          <a:p>
-            <a:r>
-              <a:rPr lang="en-US" sz="3000" dirty="0" smtClean="0"/>
-              <a:t>Pharmaceutical Technology Research Group</a:t>
-            </a:r>
-          </a:p>
-          <a:p>
-            <a:r>
-              <a:rPr lang="en-US" sz="3000" dirty="0" smtClean="0"/>
-              <a:t>Institute of Pharmacy</a:t>
-            </a:r>
-          </a:p>
-          <a:p>
-            <a:r>
-              <a:rPr lang="en-US" sz="3000" dirty="0">
-                <a:solidFill>
-                  <a:schemeClr val="bg1">
-                    <a:lumMod val="95000"/>
-                  </a:schemeClr>
-                </a:solidFill>
-              </a:rPr>
-              <a:t>b</a:t>
-            </a:r>
-            <a:r>
-              <a:rPr lang="en-US" sz="3000" dirty="0" smtClean="0">
-                <a:solidFill>
-                  <a:schemeClr val="bg1">
-                    <a:lumMod val="95000"/>
-                  </a:schemeClr>
-                </a:solidFill>
-              </a:rPr>
-              <a:t>ita.sedaghati@uni-leipzig.de</a:t>
-            </a:r>
-            <a:endParaRPr lang="en-US" sz="3000" dirty="0">
-              <a:solidFill>
-                <a:schemeClr val="bg1">
-                  <a:lumMod val="95000"/>
-                </a:schemeClr>
-              </a:solidFill>
-            </a:endParaRPr>
-          </a:p>
-        </p:txBody>
-      </p:sp>
       <p:pic>
         <p:nvPicPr>
-          <p:cNvPr id="11274" name="Picture 10" descr="QRCode"/>
+          <p:cNvPr id="1028" name="Picture 4"/>
           <p:cNvPicPr>
             <a:picLocks noChangeAspect="1" noChangeArrowheads="1"/>
           </p:cNvPicPr>
@@ -4787,13 +4799,18 @@
         </p:blipFill>
         <p:spPr bwMode="auto">
           <a:xfrm>
-            <a:off x="27628850" y="42144950"/>
-            <a:ext cx="3505200" cy="3505200"/>
-          </a:xfrm>
-          <a:prstGeom prst="rect">
+            <a:off x="16884650" y="25838150"/>
+            <a:ext cx="13944600" cy="13944600"/>
+          </a:xfrm>
+          <a:prstGeom prst="ellipse">
             <a:avLst/>
           </a:prstGeom>
-          <a:noFill/>
+          <a:ln>
+            <a:noFill/>
+          </a:ln>
+          <a:effectLst>
+            <a:softEdge rad="112500"/>
+          </a:effectLst>
         </p:spPr>
       </p:pic>
       <p:sp>
@@ -4930,10 +4947,55 @@
               </a:rPr>
               <a:t> Automatic Drug Annotation.</a:t>
             </a:r>
-            <a:endParaRPr lang="en-US" sz="4500" dirty="0" smtClean="0">
-              <a:latin typeface="Arial" pitchFamily="34" charset="0"/>
-              <a:cs typeface="Arial" pitchFamily="34" charset="0"/>
-            </a:endParaRPr>
+          </a:p>
+        </p:txBody>
+      </p:sp>
+      <p:sp>
+        <p:nvSpPr>
+          <p:cNvPr id="11" name="Oval 10"/>
+          <p:cNvSpPr/>
+          <p:nvPr/>
+        </p:nvSpPr>
+        <p:spPr>
+          <a:xfrm>
+            <a:off x="16884650" y="26371550"/>
+            <a:ext cx="13944600" cy="12877800"/>
+          </a:xfrm>
+          <a:prstGeom prst="ellipse">
+            <a:avLst/>
+          </a:prstGeom>
+          <a:noFill/>
+          <a:ln w="127000">
+            <a:solidFill>
+              <a:schemeClr val="tx2">
+                <a:lumMod val="60000"/>
+                <a:lumOff val="40000"/>
+              </a:schemeClr>
+            </a:solidFill>
+          </a:ln>
+        </p:spPr>
+        <p:style>
+          <a:lnRef idx="2">
+            <a:schemeClr val="accent4">
+              <a:shade val="50000"/>
+            </a:schemeClr>
+          </a:lnRef>
+          <a:fillRef idx="1">
+            <a:schemeClr val="accent4"/>
+          </a:fillRef>
+          <a:effectRef idx="0">
+            <a:schemeClr val="accent4"/>
+          </a:effectRef>
+          <a:fontRef idx="minor">
+            <a:schemeClr val="lt1"/>
+          </a:fontRef>
+        </p:style>
+        <p:txBody>
+          <a:bodyPr rtlCol="0" anchor="ctr"/>
+          <a:lstStyle/>
+          <a:p>
+            <a:pPr algn="ctr"/>
+            <a:endParaRPr lang="en-US"/>
           </a:p>
         </p:txBody>
       </p:sp>

--- a/poster.pptx
+++ b/poster.pptx
@@ -289,7 +289,7 @@
             <a:fld id="{5AF0ADCD-25D3-4197-81BB-D190A8F1911B}" type="datetimeFigureOut">
               <a:rPr lang="en-US" smtClean="0"/>
               <a:pPr/>
-              <a:t>11/27/2012</a:t>
+              <a:t>11/28/2012</a:t>
             </a:fld>
             <a:endParaRPr lang="en-US"/>
           </a:p>
@@ -456,7 +456,7 @@
             <a:fld id="{5AF0ADCD-25D3-4197-81BB-D190A8F1911B}" type="datetimeFigureOut">
               <a:rPr lang="en-US" smtClean="0"/>
               <a:pPr/>
-              <a:t>11/27/2012</a:t>
+              <a:t>11/28/2012</a:t>
             </a:fld>
             <a:endParaRPr lang="en-US"/>
           </a:p>
@@ -633,7 +633,7 @@
             <a:fld id="{5AF0ADCD-25D3-4197-81BB-D190A8F1911B}" type="datetimeFigureOut">
               <a:rPr lang="en-US" smtClean="0"/>
               <a:pPr/>
-              <a:t>11/27/2012</a:t>
+              <a:t>11/28/2012</a:t>
             </a:fld>
             <a:endParaRPr lang="en-US"/>
           </a:p>
@@ -800,7 +800,7 @@
             <a:fld id="{5AF0ADCD-25D3-4197-81BB-D190A8F1911B}" type="datetimeFigureOut">
               <a:rPr lang="en-US" smtClean="0"/>
               <a:pPr/>
-              <a:t>11/27/2012</a:t>
+              <a:t>11/28/2012</a:t>
             </a:fld>
             <a:endParaRPr lang="en-US"/>
           </a:p>
@@ -1043,7 +1043,7 @@
             <a:fld id="{5AF0ADCD-25D3-4197-81BB-D190A8F1911B}" type="datetimeFigureOut">
               <a:rPr lang="en-US" smtClean="0"/>
               <a:pPr/>
-              <a:t>11/27/2012</a:t>
+              <a:t>11/28/2012</a:t>
             </a:fld>
             <a:endParaRPr lang="en-US"/>
           </a:p>
@@ -1328,7 +1328,7 @@
             <a:fld id="{5AF0ADCD-25D3-4197-81BB-D190A8F1911B}" type="datetimeFigureOut">
               <a:rPr lang="en-US" smtClean="0"/>
               <a:pPr/>
-              <a:t>11/27/2012</a:t>
+              <a:t>11/28/2012</a:t>
             </a:fld>
             <a:endParaRPr lang="en-US"/>
           </a:p>
@@ -1752,7 +1752,7 @@
             <a:fld id="{5AF0ADCD-25D3-4197-81BB-D190A8F1911B}" type="datetimeFigureOut">
               <a:rPr lang="en-US" smtClean="0"/>
               <a:pPr/>
-              <a:t>11/27/2012</a:t>
+              <a:t>11/28/2012</a:t>
             </a:fld>
             <a:endParaRPr lang="en-US"/>
           </a:p>
@@ -1867,7 +1867,7 @@
             <a:fld id="{5AF0ADCD-25D3-4197-81BB-D190A8F1911B}" type="datetimeFigureOut">
               <a:rPr lang="en-US" smtClean="0"/>
               <a:pPr/>
-              <a:t>11/27/2012</a:t>
+              <a:t>11/28/2012</a:t>
             </a:fld>
             <a:endParaRPr lang="en-US"/>
           </a:p>
@@ -1959,7 +1959,7 @@
             <a:fld id="{5AF0ADCD-25D3-4197-81BB-D190A8F1911B}" type="datetimeFigureOut">
               <a:rPr lang="en-US" smtClean="0"/>
               <a:pPr/>
-              <a:t>11/27/2012</a:t>
+              <a:t>11/28/2012</a:t>
             </a:fld>
             <a:endParaRPr lang="en-US"/>
           </a:p>
@@ -2233,7 +2233,7 @@
             <a:fld id="{5AF0ADCD-25D3-4197-81BB-D190A8F1911B}" type="datetimeFigureOut">
               <a:rPr lang="en-US" smtClean="0"/>
               <a:pPr/>
-              <a:t>11/27/2012</a:t>
+              <a:t>11/28/2012</a:t>
             </a:fld>
             <a:endParaRPr lang="en-US"/>
           </a:p>
@@ -2483,7 +2483,7 @@
             <a:fld id="{5AF0ADCD-25D3-4197-81BB-D190A8F1911B}" type="datetimeFigureOut">
               <a:rPr lang="en-US" smtClean="0"/>
               <a:pPr/>
-              <a:t>11/27/2012</a:t>
+              <a:t>11/28/2012</a:t>
             </a:fld>
             <a:endParaRPr lang="en-US"/>
           </a:p>
@@ -2693,7 +2693,7 @@
             <a:fld id="{5AF0ADCD-25D3-4197-81BB-D190A8F1911B}" type="datetimeFigureOut">
               <a:rPr lang="en-US" smtClean="0"/>
               <a:pPr/>
-              <a:t>11/27/2012</a:t>
+              <a:t>11/28/2012</a:t>
             </a:fld>
             <a:endParaRPr lang="en-US"/>
           </a:p>
@@ -3286,7 +3286,14 @@
                 <a:latin typeface="Arial" pitchFamily="34" charset="0"/>
                 <a:cs typeface="Arial" pitchFamily="34" charset="0"/>
               </a:rPr>
-              <a:t>Semantic Prescriptions </a:t>
+              <a:t>Semantic Prescriptions</a:t>
+            </a:r>
+            <a:r>
+              <a:rPr lang="en-US" sz="4000" b="1" dirty="0" smtClean="0">
+                <a:latin typeface="Arial" pitchFamily="34" charset="0"/>
+                <a:cs typeface="Arial" pitchFamily="34" charset="0"/>
+              </a:rPr>
+              <a:t> </a:t>
             </a:r>
             <a:r>
               <a:rPr lang="en-US" sz="4000" dirty="0" smtClean="0">

--- a/poster.pptx
+++ b/poster.pptx
@@ -4598,7 +4598,7 @@
         </p:blipFill>
         <p:spPr bwMode="auto">
           <a:xfrm>
-            <a:off x="1187450" y="41840150"/>
+            <a:off x="1187450" y="42261869"/>
             <a:ext cx="1600200" cy="1600200"/>
           </a:xfrm>
           <a:prstGeom prst="rect">
@@ -4624,7 +4624,7 @@
         </p:blipFill>
         <p:spPr bwMode="auto">
           <a:xfrm>
-            <a:off x="9340850" y="41840150"/>
+            <a:off x="9340850" y="42261869"/>
             <a:ext cx="1828800" cy="1828800"/>
           </a:xfrm>
           <a:prstGeom prst="rect">
@@ -4641,7 +4641,7 @@
         </p:nvSpPr>
         <p:spPr>
           <a:xfrm>
-            <a:off x="2787650" y="41992550"/>
+            <a:off x="2787650" y="42414269"/>
             <a:ext cx="5240602" cy="2092881"/>
           </a:xfrm>
           <a:prstGeom prst="rect">
@@ -4701,8 +4701,8 @@
         </p:nvSpPr>
         <p:spPr>
           <a:xfrm>
-            <a:off x="11093449" y="41916350"/>
-            <a:ext cx="7008778" cy="2092881"/>
+            <a:off x="11093449" y="42338069"/>
+            <a:ext cx="7008778" cy="2554545"/>
           </a:xfrm>
           <a:prstGeom prst="rect">
             <a:avLst/>
@@ -4733,16 +4733,6 @@
             </a:r>
           </a:p>
           <a:p>
-            <a:r>
-              <a:rPr lang="en-US" sz="3000" dirty="0">
-                <a:solidFill>
-                  <a:schemeClr val="bg1">
-                    <a:lumMod val="95000"/>
-                  </a:schemeClr>
-                </a:solidFill>
-              </a:rPr>
-              <a:t>b</a:t>
-            </a:r>
             <a:r>
               <a:rPr lang="en-US" sz="3000" dirty="0" smtClean="0">
                 <a:solidFill>
@@ -4751,8 +4741,11 @@
                   </a:schemeClr>
                 </a:solidFill>
               </a:rPr>
-              <a:t>ita.sedaghati@uni-leipzig.de</a:t>
-            </a:r>
+              <a:t>bita.sedaghati@uni-leipzig.de</a:t>
+            </a:r>
+            <a:endParaRPr lang="en-US" sz="3200" dirty="0" smtClean="0"/>
+          </a:p>
+          <a:p>
             <a:endParaRPr lang="en-US" sz="3000" dirty="0">
               <a:solidFill>
                 <a:schemeClr val="bg1">
@@ -4786,7 +4779,20 @@
           <a:prstGeom prst="rect">
             <a:avLst/>
           </a:prstGeom>
-          <a:noFill/>
+          <a:ln w="38100" cap="sq">
+            <a:solidFill>
+              <a:srgbClr val="000000"/>
+            </a:solidFill>
+            <a:prstDash val="solid"/>
+            <a:miter lim="800000"/>
+          </a:ln>
+          <a:effectLst>
+            <a:outerShdw blurRad="50800" dist="38100" dir="2700000" algn="tl" rotWithShape="0">
+              <a:srgbClr val="000000">
+                <a:alpha val="43000"/>
+              </a:srgbClr>
+            </a:outerShdw>
+          </a:effectLst>
         </p:spPr>
       </p:pic>
       <p:pic>
@@ -5003,6 +5009,66 @@
           <a:p>
             <a:pPr algn="ctr"/>
             <a:endParaRPr lang="en-US"/>
+          </a:p>
+        </p:txBody>
+      </p:sp>
+      <p:pic>
+        <p:nvPicPr>
+          <p:cNvPr id="42" name="Picture 41" descr="AKSW_Logo_rgb.jpg"/>
+          <p:cNvPicPr>
+            <a:picLocks noChangeAspect="1"/>
+          </p:cNvPicPr>
+          <p:nvPr/>
+        </p:nvPicPr>
+        <p:blipFill>
+          <a:blip r:embed="rId14" cstate="print"/>
+          <a:srcRect b="35570"/>
+          <a:stretch>
+            <a:fillRect/>
+          </a:stretch>
+        </p:blipFill>
+        <p:spPr>
+          <a:xfrm>
+            <a:off x="21075650" y="42373550"/>
+            <a:ext cx="4343400" cy="1219200"/>
+          </a:xfrm>
+          <a:prstGeom prst="rect">
+            <a:avLst/>
+          </a:prstGeom>
+          <a:ln>
+            <a:noFill/>
+          </a:ln>
+          <a:effectLst>
+            <a:softEdge rad="112500"/>
+          </a:effectLst>
+        </p:spPr>
+      </p:pic>
+      <p:sp>
+        <p:nvSpPr>
+          <p:cNvPr id="43" name="Rectangle 42"/>
+          <p:cNvSpPr/>
+          <p:nvPr/>
+        </p:nvSpPr>
+        <p:spPr>
+          <a:xfrm>
+            <a:off x="21035233" y="43668950"/>
+            <a:ext cx="4612417" cy="707886"/>
+          </a:xfrm>
+          <a:prstGeom prst="rect">
+            <a:avLst/>
+          </a:prstGeom>
+        </p:spPr>
+        <p:txBody>
+          <a:bodyPr wrap="none">
+            <a:spAutoFit/>
+          </a:bodyPr>
+          <a:lstStyle/>
+          <a:p>
+            <a:r>
+              <a:rPr lang="en-US" sz="4000" dirty="0" smtClean="0"/>
+              <a:t>http://www.aksw.org</a:t>
+            </a:r>
+            <a:endParaRPr lang="en-US" sz="4000" dirty="0"/>
           </a:p>
         </p:txBody>
       </p:sp>

--- a/poster.pptx
+++ b/poster.pptx
@@ -4,17 +4,20 @@
   <p:sldMasterIdLst>
     <p:sldMasterId id="2147483648" r:id="rId1"/>
   </p:sldMasterIdLst>
+  <p:notesMasterIdLst>
+    <p:notesMasterId r:id="rId3"/>
+  </p:notesMasterIdLst>
   <p:sldIdLst>
     <p:sldId id="256" r:id="rId2"/>
   </p:sldIdLst>
-  <p:sldSz cx="32397700" cy="46799500"/>
+  <p:sldSz cx="30267275" cy="42794238"/>
   <p:notesSz cx="6858000" cy="9144000"/>
   <p:defaultTextStyle>
     <a:defPPr>
       <a:defRPr lang="en-US"/>
     </a:defPPr>
-    <a:lvl1pPr marL="0" algn="l" defTabSz="4754420" rtl="0" eaLnBrk="1" latinLnBrk="0" hangingPunct="1">
-      <a:defRPr sz="9400" kern="1200">
+    <a:lvl1pPr marL="0" algn="l" defTabSz="4174876" rtl="0" eaLnBrk="1" latinLnBrk="0" hangingPunct="1">
+      <a:defRPr sz="8200" kern="1200">
         <a:solidFill>
           <a:schemeClr val="tx1"/>
         </a:solidFill>
@@ -23,8 +26,8 @@
         <a:cs typeface="+mn-cs"/>
       </a:defRPr>
     </a:lvl1pPr>
-    <a:lvl2pPr marL="2377210" algn="l" defTabSz="4754420" rtl="0" eaLnBrk="1" latinLnBrk="0" hangingPunct="1">
-      <a:defRPr sz="9400" kern="1200">
+    <a:lvl2pPr marL="2087438" algn="l" defTabSz="4174876" rtl="0" eaLnBrk="1" latinLnBrk="0" hangingPunct="1">
+      <a:defRPr sz="8200" kern="1200">
         <a:solidFill>
           <a:schemeClr val="tx1"/>
         </a:solidFill>
@@ -33,8 +36,8 @@
         <a:cs typeface="+mn-cs"/>
       </a:defRPr>
     </a:lvl2pPr>
-    <a:lvl3pPr marL="4754420" algn="l" defTabSz="4754420" rtl="0" eaLnBrk="1" latinLnBrk="0" hangingPunct="1">
-      <a:defRPr sz="9400" kern="1200">
+    <a:lvl3pPr marL="4174876" algn="l" defTabSz="4174876" rtl="0" eaLnBrk="1" latinLnBrk="0" hangingPunct="1">
+      <a:defRPr sz="8200" kern="1200">
         <a:solidFill>
           <a:schemeClr val="tx1"/>
         </a:solidFill>
@@ -43,8 +46,8 @@
         <a:cs typeface="+mn-cs"/>
       </a:defRPr>
     </a:lvl3pPr>
-    <a:lvl4pPr marL="7131630" algn="l" defTabSz="4754420" rtl="0" eaLnBrk="1" latinLnBrk="0" hangingPunct="1">
-      <a:defRPr sz="9400" kern="1200">
+    <a:lvl4pPr marL="6262314" algn="l" defTabSz="4174876" rtl="0" eaLnBrk="1" latinLnBrk="0" hangingPunct="1">
+      <a:defRPr sz="8200" kern="1200">
         <a:solidFill>
           <a:schemeClr val="tx1"/>
         </a:solidFill>
@@ -53,8 +56,8 @@
         <a:cs typeface="+mn-cs"/>
       </a:defRPr>
     </a:lvl4pPr>
-    <a:lvl5pPr marL="9508842" algn="l" defTabSz="4754420" rtl="0" eaLnBrk="1" latinLnBrk="0" hangingPunct="1">
-      <a:defRPr sz="9400" kern="1200">
+    <a:lvl5pPr marL="8349752" algn="l" defTabSz="4174876" rtl="0" eaLnBrk="1" latinLnBrk="0" hangingPunct="1">
+      <a:defRPr sz="8200" kern="1200">
         <a:solidFill>
           <a:schemeClr val="tx1"/>
         </a:solidFill>
@@ -63,8 +66,8 @@
         <a:cs typeface="+mn-cs"/>
       </a:defRPr>
     </a:lvl5pPr>
-    <a:lvl6pPr marL="11886052" algn="l" defTabSz="4754420" rtl="0" eaLnBrk="1" latinLnBrk="0" hangingPunct="1">
-      <a:defRPr sz="9400" kern="1200">
+    <a:lvl6pPr marL="10437190" algn="l" defTabSz="4174876" rtl="0" eaLnBrk="1" latinLnBrk="0" hangingPunct="1">
+      <a:defRPr sz="8200" kern="1200">
         <a:solidFill>
           <a:schemeClr val="tx1"/>
         </a:solidFill>
@@ -73,8 +76,8 @@
         <a:cs typeface="+mn-cs"/>
       </a:defRPr>
     </a:lvl6pPr>
-    <a:lvl7pPr marL="14263262" algn="l" defTabSz="4754420" rtl="0" eaLnBrk="1" latinLnBrk="0" hangingPunct="1">
-      <a:defRPr sz="9400" kern="1200">
+    <a:lvl7pPr marL="12524628" algn="l" defTabSz="4174876" rtl="0" eaLnBrk="1" latinLnBrk="0" hangingPunct="1">
+      <a:defRPr sz="8200" kern="1200">
         <a:solidFill>
           <a:schemeClr val="tx1"/>
         </a:solidFill>
@@ -83,8 +86,8 @@
         <a:cs typeface="+mn-cs"/>
       </a:defRPr>
     </a:lvl7pPr>
-    <a:lvl8pPr marL="16640472" algn="l" defTabSz="4754420" rtl="0" eaLnBrk="1" latinLnBrk="0" hangingPunct="1">
-      <a:defRPr sz="9400" kern="1200">
+    <a:lvl8pPr marL="14612066" algn="l" defTabSz="4174876" rtl="0" eaLnBrk="1" latinLnBrk="0" hangingPunct="1">
+      <a:defRPr sz="8200" kern="1200">
         <a:solidFill>
           <a:schemeClr val="tx1"/>
         </a:solidFill>
@@ -93,8 +96,8 @@
         <a:cs typeface="+mn-cs"/>
       </a:defRPr>
     </a:lvl8pPr>
-    <a:lvl9pPr marL="19017682" algn="l" defTabSz="4754420" rtl="0" eaLnBrk="1" latinLnBrk="0" hangingPunct="1">
-      <a:defRPr sz="9400" kern="1200">
+    <a:lvl9pPr marL="16699504" algn="l" defTabSz="4174876" rtl="0" eaLnBrk="1" latinLnBrk="0" hangingPunct="1">
+      <a:defRPr sz="8200" kern="1200">
         <a:solidFill>
           <a:schemeClr val="tx1"/>
         </a:solidFill>
@@ -105,6 +108,434 @@
     </a:lvl9pPr>
   </p:defaultTextStyle>
 </p:presentation>
+</file>
+
+<file path=ppt/notesMasters/notesMaster1.xml><?xml version="1.0" encoding="utf-8"?>
+<p:notesMaster xmlns:a="http://schemas.openxmlformats.org/drawingml/2006/main" xmlns:r="http://schemas.openxmlformats.org/officeDocument/2006/relationships" xmlns:p="http://schemas.openxmlformats.org/presentationml/2006/main">
+  <p:cSld>
+    <p:bg>
+      <p:bgRef idx="1001">
+        <a:schemeClr val="bg1"/>
+      </p:bgRef>
+    </p:bg>
+    <p:spTree>
+      <p:nvGrpSpPr>
+        <p:cNvPr id="1" name=""/>
+        <p:cNvGrpSpPr/>
+        <p:nvPr/>
+      </p:nvGrpSpPr>
+      <p:grpSpPr>
+        <a:xfrm>
+          <a:off x="0" y="0"/>
+          <a:ext cx="0" cy="0"/>
+          <a:chOff x="0" y="0"/>
+          <a:chExt cx="0" cy="0"/>
+        </a:xfrm>
+      </p:grpSpPr>
+      <p:sp>
+        <p:nvSpPr>
+          <p:cNvPr id="2" name="Header Placeholder 1"/>
+          <p:cNvSpPr>
+            <a:spLocks noGrp="1"/>
+          </p:cNvSpPr>
+          <p:nvPr>
+            <p:ph type="hdr" sz="quarter"/>
+          </p:nvPr>
+        </p:nvSpPr>
+        <p:spPr>
+          <a:xfrm>
+            <a:off x="0" y="0"/>
+            <a:ext cx="2971800" cy="457200"/>
+          </a:xfrm>
+          <a:prstGeom prst="rect">
+            <a:avLst/>
+          </a:prstGeom>
+        </p:spPr>
+        <p:txBody>
+          <a:bodyPr vert="horz" lIns="91440" tIns="45720" rIns="91440" bIns="45720" rtlCol="0"/>
+          <a:lstStyle>
+            <a:lvl1pPr algn="l">
+              <a:defRPr sz="1200"/>
+            </a:lvl1pPr>
+          </a:lstStyle>
+          <a:p>
+            <a:endParaRPr lang="en-US"/>
+          </a:p>
+        </p:txBody>
+      </p:sp>
+      <p:sp>
+        <p:nvSpPr>
+          <p:cNvPr id="3" name="Date Placeholder 2"/>
+          <p:cNvSpPr>
+            <a:spLocks noGrp="1"/>
+          </p:cNvSpPr>
+          <p:nvPr>
+            <p:ph type="dt" idx="1"/>
+          </p:nvPr>
+        </p:nvSpPr>
+        <p:spPr>
+          <a:xfrm>
+            <a:off x="3884613" y="0"/>
+            <a:ext cx="2971800" cy="457200"/>
+          </a:xfrm>
+          <a:prstGeom prst="rect">
+            <a:avLst/>
+          </a:prstGeom>
+        </p:spPr>
+        <p:txBody>
+          <a:bodyPr vert="horz" lIns="91440" tIns="45720" rIns="91440" bIns="45720" rtlCol="0"/>
+          <a:lstStyle>
+            <a:lvl1pPr algn="r">
+              <a:defRPr sz="1200"/>
+            </a:lvl1pPr>
+          </a:lstStyle>
+          <a:p>
+            <a:fld id="{6354BDD9-E806-4A8E-BA19-E409DF7CF83C}" type="datetimeFigureOut">
+              <a:rPr lang="en-US" smtClean="0"/>
+              <a:t>11/30/2012</a:t>
+            </a:fld>
+            <a:endParaRPr lang="en-US"/>
+          </a:p>
+        </p:txBody>
+      </p:sp>
+      <p:sp>
+        <p:nvSpPr>
+          <p:cNvPr id="4" name="Slide Image Placeholder 3"/>
+          <p:cNvSpPr>
+            <a:spLocks noGrp="1" noRot="1" noChangeAspect="1"/>
+          </p:cNvSpPr>
+          <p:nvPr>
+            <p:ph type="sldImg" idx="2"/>
+          </p:nvPr>
+        </p:nvSpPr>
+        <p:spPr>
+          <a:xfrm>
+            <a:off x="2216150" y="685800"/>
+            <a:ext cx="2425700" cy="3429000"/>
+          </a:xfrm>
+          <a:prstGeom prst="rect">
+            <a:avLst/>
+          </a:prstGeom>
+          <a:noFill/>
+          <a:ln w="12700">
+            <a:solidFill>
+              <a:prstClr val="black"/>
+            </a:solidFill>
+          </a:ln>
+        </p:spPr>
+        <p:txBody>
+          <a:bodyPr vert="horz" lIns="91440" tIns="45720" rIns="91440" bIns="45720" rtlCol="0" anchor="ctr"/>
+          <a:lstStyle/>
+          <a:p>
+            <a:endParaRPr lang="en-US"/>
+          </a:p>
+        </p:txBody>
+      </p:sp>
+      <p:sp>
+        <p:nvSpPr>
+          <p:cNvPr id="5" name="Notes Placeholder 4"/>
+          <p:cNvSpPr>
+            <a:spLocks noGrp="1"/>
+          </p:cNvSpPr>
+          <p:nvPr>
+            <p:ph type="body" sz="quarter" idx="3"/>
+          </p:nvPr>
+        </p:nvSpPr>
+        <p:spPr>
+          <a:xfrm>
+            <a:off x="685800" y="4343400"/>
+            <a:ext cx="5486400" cy="4114800"/>
+          </a:xfrm>
+          <a:prstGeom prst="rect">
+            <a:avLst/>
+          </a:prstGeom>
+        </p:spPr>
+        <p:txBody>
+          <a:bodyPr vert="horz" lIns="91440" tIns="45720" rIns="91440" bIns="45720" rtlCol="0">
+            <a:normAutofit/>
+          </a:bodyPr>
+          <a:lstStyle/>
+          <a:p>
+            <a:pPr lvl="0"/>
+            <a:r>
+              <a:rPr lang="en-US" smtClean="0"/>
+              <a:t>Click to edit Master text styles</a:t>
+            </a:r>
+          </a:p>
+          <a:p>
+            <a:pPr lvl="1"/>
+            <a:r>
+              <a:rPr lang="en-US" smtClean="0"/>
+              <a:t>Second level</a:t>
+            </a:r>
+          </a:p>
+          <a:p>
+            <a:pPr lvl="2"/>
+            <a:r>
+              <a:rPr lang="en-US" smtClean="0"/>
+              <a:t>Third level</a:t>
+            </a:r>
+          </a:p>
+          <a:p>
+            <a:pPr lvl="3"/>
+            <a:r>
+              <a:rPr lang="en-US" smtClean="0"/>
+              <a:t>Fourth level</a:t>
+            </a:r>
+          </a:p>
+          <a:p>
+            <a:pPr lvl="4"/>
+            <a:r>
+              <a:rPr lang="en-US" smtClean="0"/>
+              <a:t>Fifth level</a:t>
+            </a:r>
+            <a:endParaRPr lang="en-US"/>
+          </a:p>
+        </p:txBody>
+      </p:sp>
+      <p:sp>
+        <p:nvSpPr>
+          <p:cNvPr id="6" name="Footer Placeholder 5"/>
+          <p:cNvSpPr>
+            <a:spLocks noGrp="1"/>
+          </p:cNvSpPr>
+          <p:nvPr>
+            <p:ph type="ftr" sz="quarter" idx="4"/>
+          </p:nvPr>
+        </p:nvSpPr>
+        <p:spPr>
+          <a:xfrm>
+            <a:off x="0" y="8685213"/>
+            <a:ext cx="2971800" cy="457200"/>
+          </a:xfrm>
+          <a:prstGeom prst="rect">
+            <a:avLst/>
+          </a:prstGeom>
+        </p:spPr>
+        <p:txBody>
+          <a:bodyPr vert="horz" lIns="91440" tIns="45720" rIns="91440" bIns="45720" rtlCol="0" anchor="b"/>
+          <a:lstStyle>
+            <a:lvl1pPr algn="l">
+              <a:defRPr sz="1200"/>
+            </a:lvl1pPr>
+          </a:lstStyle>
+          <a:p>
+            <a:endParaRPr lang="en-US"/>
+          </a:p>
+        </p:txBody>
+      </p:sp>
+      <p:sp>
+        <p:nvSpPr>
+          <p:cNvPr id="7" name="Slide Number Placeholder 6"/>
+          <p:cNvSpPr>
+            <a:spLocks noGrp="1"/>
+          </p:cNvSpPr>
+          <p:nvPr>
+            <p:ph type="sldNum" sz="quarter" idx="5"/>
+          </p:nvPr>
+        </p:nvSpPr>
+        <p:spPr>
+          <a:xfrm>
+            <a:off x="3884613" y="8685213"/>
+            <a:ext cx="2971800" cy="457200"/>
+          </a:xfrm>
+          <a:prstGeom prst="rect">
+            <a:avLst/>
+          </a:prstGeom>
+        </p:spPr>
+        <p:txBody>
+          <a:bodyPr vert="horz" lIns="91440" tIns="45720" rIns="91440" bIns="45720" rtlCol="0" anchor="b"/>
+          <a:lstStyle>
+            <a:lvl1pPr algn="r">
+              <a:defRPr sz="1200"/>
+            </a:lvl1pPr>
+          </a:lstStyle>
+          <a:p>
+            <a:fld id="{09C5A09C-BC9A-48B6-9FDE-E3AF4955EE18}" type="slidenum">
+              <a:rPr lang="en-US" smtClean="0"/>
+              <a:t>‹#›</a:t>
+            </a:fld>
+            <a:endParaRPr lang="en-US"/>
+          </a:p>
+        </p:txBody>
+      </p:sp>
+    </p:spTree>
+  </p:cSld>
+  <p:clrMap bg1="lt1" tx1="dk1" bg2="lt2" tx2="dk2" accent1="accent1" accent2="accent2" accent3="accent3" accent4="accent4" accent5="accent5" accent6="accent6" hlink="hlink" folHlink="folHlink"/>
+  <p:notesStyle>
+    <a:lvl1pPr marL="0" algn="l" defTabSz="4174876" rtl="0" eaLnBrk="1" latinLnBrk="0" hangingPunct="1">
+      <a:defRPr sz="5500" kern="1200">
+        <a:solidFill>
+          <a:schemeClr val="tx1"/>
+        </a:solidFill>
+        <a:latin typeface="+mn-lt"/>
+        <a:ea typeface="+mn-ea"/>
+        <a:cs typeface="+mn-cs"/>
+      </a:defRPr>
+    </a:lvl1pPr>
+    <a:lvl2pPr marL="2087438" algn="l" defTabSz="4174876" rtl="0" eaLnBrk="1" latinLnBrk="0" hangingPunct="1">
+      <a:defRPr sz="5500" kern="1200">
+        <a:solidFill>
+          <a:schemeClr val="tx1"/>
+        </a:solidFill>
+        <a:latin typeface="+mn-lt"/>
+        <a:ea typeface="+mn-ea"/>
+        <a:cs typeface="+mn-cs"/>
+      </a:defRPr>
+    </a:lvl2pPr>
+    <a:lvl3pPr marL="4174876" algn="l" defTabSz="4174876" rtl="0" eaLnBrk="1" latinLnBrk="0" hangingPunct="1">
+      <a:defRPr sz="5500" kern="1200">
+        <a:solidFill>
+          <a:schemeClr val="tx1"/>
+        </a:solidFill>
+        <a:latin typeface="+mn-lt"/>
+        <a:ea typeface="+mn-ea"/>
+        <a:cs typeface="+mn-cs"/>
+      </a:defRPr>
+    </a:lvl3pPr>
+    <a:lvl4pPr marL="6262314" algn="l" defTabSz="4174876" rtl="0" eaLnBrk="1" latinLnBrk="0" hangingPunct="1">
+      <a:defRPr sz="5500" kern="1200">
+        <a:solidFill>
+          <a:schemeClr val="tx1"/>
+        </a:solidFill>
+        <a:latin typeface="+mn-lt"/>
+        <a:ea typeface="+mn-ea"/>
+        <a:cs typeface="+mn-cs"/>
+      </a:defRPr>
+    </a:lvl4pPr>
+    <a:lvl5pPr marL="8349752" algn="l" defTabSz="4174876" rtl="0" eaLnBrk="1" latinLnBrk="0" hangingPunct="1">
+      <a:defRPr sz="5500" kern="1200">
+        <a:solidFill>
+          <a:schemeClr val="tx1"/>
+        </a:solidFill>
+        <a:latin typeface="+mn-lt"/>
+        <a:ea typeface="+mn-ea"/>
+        <a:cs typeface="+mn-cs"/>
+      </a:defRPr>
+    </a:lvl5pPr>
+    <a:lvl6pPr marL="10437190" algn="l" defTabSz="4174876" rtl="0" eaLnBrk="1" latinLnBrk="0" hangingPunct="1">
+      <a:defRPr sz="5500" kern="1200">
+        <a:solidFill>
+          <a:schemeClr val="tx1"/>
+        </a:solidFill>
+        <a:latin typeface="+mn-lt"/>
+        <a:ea typeface="+mn-ea"/>
+        <a:cs typeface="+mn-cs"/>
+      </a:defRPr>
+    </a:lvl6pPr>
+    <a:lvl7pPr marL="12524628" algn="l" defTabSz="4174876" rtl="0" eaLnBrk="1" latinLnBrk="0" hangingPunct="1">
+      <a:defRPr sz="5500" kern="1200">
+        <a:solidFill>
+          <a:schemeClr val="tx1"/>
+        </a:solidFill>
+        <a:latin typeface="+mn-lt"/>
+        <a:ea typeface="+mn-ea"/>
+        <a:cs typeface="+mn-cs"/>
+      </a:defRPr>
+    </a:lvl7pPr>
+    <a:lvl8pPr marL="14612066" algn="l" defTabSz="4174876" rtl="0" eaLnBrk="1" latinLnBrk="0" hangingPunct="1">
+      <a:defRPr sz="5500" kern="1200">
+        <a:solidFill>
+          <a:schemeClr val="tx1"/>
+        </a:solidFill>
+        <a:latin typeface="+mn-lt"/>
+        <a:ea typeface="+mn-ea"/>
+        <a:cs typeface="+mn-cs"/>
+      </a:defRPr>
+    </a:lvl8pPr>
+    <a:lvl9pPr marL="16699504" algn="l" defTabSz="4174876" rtl="0" eaLnBrk="1" latinLnBrk="0" hangingPunct="1">
+      <a:defRPr sz="5500" kern="1200">
+        <a:solidFill>
+          <a:schemeClr val="tx1"/>
+        </a:solidFill>
+        <a:latin typeface="+mn-lt"/>
+        <a:ea typeface="+mn-ea"/>
+        <a:cs typeface="+mn-cs"/>
+      </a:defRPr>
+    </a:lvl9pPr>
+  </p:notesStyle>
+</p:notesMaster>
+</file>
+
+<file path=ppt/notesSlides/notesSlide1.xml><?xml version="1.0" encoding="utf-8"?>
+<p:notes xmlns:a="http://schemas.openxmlformats.org/drawingml/2006/main" xmlns:r="http://schemas.openxmlformats.org/officeDocument/2006/relationships" xmlns:p="http://schemas.openxmlformats.org/presentationml/2006/main">
+  <p:cSld>
+    <p:spTree>
+      <p:nvGrpSpPr>
+        <p:cNvPr id="1" name=""/>
+        <p:cNvGrpSpPr/>
+        <p:nvPr/>
+      </p:nvGrpSpPr>
+      <p:grpSpPr>
+        <a:xfrm>
+          <a:off x="0" y="0"/>
+          <a:ext cx="0" cy="0"/>
+          <a:chOff x="0" y="0"/>
+          <a:chExt cx="0" cy="0"/>
+        </a:xfrm>
+      </p:grpSpPr>
+      <p:sp>
+        <p:nvSpPr>
+          <p:cNvPr id="2" name="Slide Image Placeholder 1"/>
+          <p:cNvSpPr>
+            <a:spLocks noGrp="1" noRot="1" noChangeAspect="1"/>
+          </p:cNvSpPr>
+          <p:nvPr>
+            <p:ph type="sldImg"/>
+          </p:nvPr>
+        </p:nvSpPr>
+        <p:spPr/>
+      </p:sp>
+      <p:sp>
+        <p:nvSpPr>
+          <p:cNvPr id="3" name="Notes Placeholder 2"/>
+          <p:cNvSpPr>
+            <a:spLocks noGrp="1"/>
+          </p:cNvSpPr>
+          <p:nvPr>
+            <p:ph type="body" idx="1"/>
+          </p:nvPr>
+        </p:nvSpPr>
+        <p:spPr/>
+        <p:txBody>
+          <a:bodyPr>
+            <a:normAutofit/>
+          </a:bodyPr>
+          <a:lstStyle/>
+          <a:p>
+            <a:endParaRPr lang="en-US" dirty="0"/>
+          </a:p>
+        </p:txBody>
+      </p:sp>
+      <p:sp>
+        <p:nvSpPr>
+          <p:cNvPr id="4" name="Slide Number Placeholder 3"/>
+          <p:cNvSpPr>
+            <a:spLocks noGrp="1"/>
+          </p:cNvSpPr>
+          <p:nvPr>
+            <p:ph type="sldNum" sz="quarter" idx="10"/>
+          </p:nvPr>
+        </p:nvSpPr>
+        <p:spPr/>
+        <p:txBody>
+          <a:bodyPr/>
+          <a:lstStyle/>
+          <a:p>
+            <a:fld id="{09C5A09C-BC9A-48B6-9FDE-E3AF4955EE18}" type="slidenum">
+              <a:rPr lang="en-US" smtClean="0"/>
+              <a:t>1</a:t>
+            </a:fld>
+            <a:endParaRPr lang="en-US"/>
+          </a:p>
+        </p:txBody>
+      </p:sp>
+    </p:spTree>
+  </p:cSld>
+  <p:clrMapOvr>
+    <a:masterClrMapping/>
+  </p:clrMapOvr>
+</p:notes>
 </file>
 
 <file path=ppt/slideLayouts/slideLayout1.xml><?xml version="1.0" encoding="utf-8"?>
@@ -136,8 +567,8 @@
         </p:nvSpPr>
         <p:spPr>
           <a:xfrm>
-            <a:off x="2429829" y="14538182"/>
-            <a:ext cx="27538045" cy="10031559"/>
+            <a:off x="2270046" y="13293953"/>
+            <a:ext cx="25727184" cy="9173024"/>
           </a:xfrm>
         </p:spPr>
         <p:txBody>
@@ -164,8 +595,8 @@
         </p:nvSpPr>
         <p:spPr>
           <a:xfrm>
-            <a:off x="4859656" y="26519717"/>
-            <a:ext cx="22678391" cy="11959872"/>
+            <a:off x="4540092" y="24250068"/>
+            <a:ext cx="21187093" cy="10936305"/>
           </a:xfrm>
         </p:spPr>
         <p:txBody>
@@ -181,7 +612,7 @@
                 </a:solidFill>
               </a:defRPr>
             </a:lvl1pPr>
-            <a:lvl2pPr marL="2377210" indent="0" algn="ctr">
+            <a:lvl2pPr marL="2087438" indent="0" algn="ctr">
               <a:buNone/>
               <a:defRPr>
                 <a:solidFill>
@@ -191,7 +622,7 @@
                 </a:solidFill>
               </a:defRPr>
             </a:lvl2pPr>
-            <a:lvl3pPr marL="4754420" indent="0" algn="ctr">
+            <a:lvl3pPr marL="4174876" indent="0" algn="ctr">
               <a:buNone/>
               <a:defRPr>
                 <a:solidFill>
@@ -201,7 +632,7 @@
                 </a:solidFill>
               </a:defRPr>
             </a:lvl3pPr>
-            <a:lvl4pPr marL="7131630" indent="0" algn="ctr">
+            <a:lvl4pPr marL="6262314" indent="0" algn="ctr">
               <a:buNone/>
               <a:defRPr>
                 <a:solidFill>
@@ -211,7 +642,7 @@
                 </a:solidFill>
               </a:defRPr>
             </a:lvl4pPr>
-            <a:lvl5pPr marL="9508842" indent="0" algn="ctr">
+            <a:lvl5pPr marL="8349752" indent="0" algn="ctr">
               <a:buNone/>
               <a:defRPr>
                 <a:solidFill>
@@ -221,7 +652,7 @@
                 </a:solidFill>
               </a:defRPr>
             </a:lvl5pPr>
-            <a:lvl6pPr marL="11886052" indent="0" algn="ctr">
+            <a:lvl6pPr marL="10437190" indent="0" algn="ctr">
               <a:buNone/>
               <a:defRPr>
                 <a:solidFill>
@@ -231,7 +662,7 @@
                 </a:solidFill>
               </a:defRPr>
             </a:lvl6pPr>
-            <a:lvl7pPr marL="14263262" indent="0" algn="ctr">
+            <a:lvl7pPr marL="12524628" indent="0" algn="ctr">
               <a:buNone/>
               <a:defRPr>
                 <a:solidFill>
@@ -241,7 +672,7 @@
                 </a:solidFill>
               </a:defRPr>
             </a:lvl7pPr>
-            <a:lvl8pPr marL="16640472" indent="0" algn="ctr">
+            <a:lvl8pPr marL="14612066" indent="0" algn="ctr">
               <a:buNone/>
               <a:defRPr>
                 <a:solidFill>
@@ -251,7 +682,7 @@
                 </a:solidFill>
               </a:defRPr>
             </a:lvl8pPr>
-            <a:lvl9pPr marL="19017682" indent="0" algn="ctr">
+            <a:lvl9pPr marL="16699504" indent="0" algn="ctr">
               <a:buNone/>
               <a:defRPr>
                 <a:solidFill>
@@ -286,10 +717,9 @@
           <a:bodyPr/>
           <a:lstStyle/>
           <a:p>
-            <a:fld id="{5AF0ADCD-25D3-4197-81BB-D190A8F1911B}" type="datetimeFigureOut">
-              <a:rPr lang="en-US" smtClean="0"/>
-              <a:pPr/>
-              <a:t>11/28/2012</a:t>
+            <a:fld id="{F0D5B36F-293B-473C-8DBA-B4E5C591472A}" type="datetimeFigureOut">
+              <a:rPr lang="en-US" smtClean="0"/>
+              <a:t>11/30/2012</a:t>
             </a:fld>
             <a:endParaRPr lang="en-US"/>
           </a:p>
@@ -329,9 +759,8 @@
           <a:bodyPr/>
           <a:lstStyle/>
           <a:p>
-            <a:fld id="{136F6824-00F7-4F32-B0D6-3316C82617A0}" type="slidenum">
-              <a:rPr lang="en-US" smtClean="0"/>
-              <a:pPr/>
+            <a:fld id="{8495C114-3D33-41E1-81BD-7B9ACCD1CF9B}" type="slidenum">
+              <a:rPr lang="en-US" smtClean="0"/>
               <a:t>‹#›</a:t>
             </a:fld>
             <a:endParaRPr lang="en-US"/>
@@ -453,10 +882,9 @@
           <a:bodyPr/>
           <a:lstStyle/>
           <a:p>
-            <a:fld id="{5AF0ADCD-25D3-4197-81BB-D190A8F1911B}" type="datetimeFigureOut">
-              <a:rPr lang="en-US" smtClean="0"/>
-              <a:pPr/>
-              <a:t>11/28/2012</a:t>
+            <a:fld id="{F0D5B36F-293B-473C-8DBA-B4E5C591472A}" type="datetimeFigureOut">
+              <a:rPr lang="en-US" smtClean="0"/>
+              <a:t>11/30/2012</a:t>
             </a:fld>
             <a:endParaRPr lang="en-US"/>
           </a:p>
@@ -496,9 +924,8 @@
           <a:bodyPr/>
           <a:lstStyle/>
           <a:p>
-            <a:fld id="{136F6824-00F7-4F32-B0D6-3316C82617A0}" type="slidenum">
-              <a:rPr lang="en-US" smtClean="0"/>
-              <a:pPr/>
+            <a:fld id="{8495C114-3D33-41E1-81BD-7B9ACCD1CF9B}" type="slidenum">
+              <a:rPr lang="en-US" smtClean="0"/>
               <a:t>‹#›</a:t>
             </a:fld>
             <a:endParaRPr lang="en-US"/>
@@ -542,8 +969,8 @@
         </p:nvSpPr>
         <p:spPr>
           <a:xfrm>
-            <a:off x="82209164" y="13996520"/>
-            <a:ext cx="25513188" cy="298151815"/>
+            <a:off x="102698546" y="7568244"/>
+            <a:ext cx="31869971" cy="161142102"/>
           </a:xfrm>
         </p:spPr>
         <p:txBody>
@@ -570,8 +997,8 @@
         </p:nvSpPr>
         <p:spPr>
           <a:xfrm>
-            <a:off x="5669597" y="13996520"/>
-            <a:ext cx="75999605" cy="298151815"/>
+            <a:off x="7083384" y="7568244"/>
+            <a:ext cx="95110708" cy="161142102"/>
           </a:xfrm>
         </p:spPr>
         <p:txBody>
@@ -630,10 +1057,9 @@
           <a:bodyPr/>
           <a:lstStyle/>
           <a:p>
-            <a:fld id="{5AF0ADCD-25D3-4197-81BB-D190A8F1911B}" type="datetimeFigureOut">
-              <a:rPr lang="en-US" smtClean="0"/>
-              <a:pPr/>
-              <a:t>11/28/2012</a:t>
+            <a:fld id="{F0D5B36F-293B-473C-8DBA-B4E5C591472A}" type="datetimeFigureOut">
+              <a:rPr lang="en-US" smtClean="0"/>
+              <a:t>11/30/2012</a:t>
             </a:fld>
             <a:endParaRPr lang="en-US"/>
           </a:p>
@@ -673,9 +1099,8 @@
           <a:bodyPr/>
           <a:lstStyle/>
           <a:p>
-            <a:fld id="{136F6824-00F7-4F32-B0D6-3316C82617A0}" type="slidenum">
-              <a:rPr lang="en-US" smtClean="0"/>
-              <a:pPr/>
+            <a:fld id="{8495C114-3D33-41E1-81BD-7B9ACCD1CF9B}" type="slidenum">
+              <a:rPr lang="en-US" smtClean="0"/>
               <a:t>‹#›</a:t>
             </a:fld>
             <a:endParaRPr lang="en-US"/>
@@ -797,10 +1222,9 @@
           <a:bodyPr/>
           <a:lstStyle/>
           <a:p>
-            <a:fld id="{5AF0ADCD-25D3-4197-81BB-D190A8F1911B}" type="datetimeFigureOut">
-              <a:rPr lang="en-US" smtClean="0"/>
-              <a:pPr/>
-              <a:t>11/28/2012</a:t>
+            <a:fld id="{F0D5B36F-293B-473C-8DBA-B4E5C591472A}" type="datetimeFigureOut">
+              <a:rPr lang="en-US" smtClean="0"/>
+              <a:t>11/30/2012</a:t>
             </a:fld>
             <a:endParaRPr lang="en-US"/>
           </a:p>
@@ -840,9 +1264,8 @@
           <a:bodyPr/>
           <a:lstStyle/>
           <a:p>
-            <a:fld id="{136F6824-00F7-4F32-B0D6-3316C82617A0}" type="slidenum">
-              <a:rPr lang="en-US" smtClean="0"/>
-              <a:pPr/>
+            <a:fld id="{8495C114-3D33-41E1-81BD-7B9ACCD1CF9B}" type="slidenum">
+              <a:rPr lang="en-US" smtClean="0"/>
               <a:t>‹#›</a:t>
             </a:fld>
             <a:endParaRPr lang="en-US"/>
@@ -886,15 +1309,15 @@
         </p:nvSpPr>
         <p:spPr>
           <a:xfrm>
-            <a:off x="2559196" y="30073016"/>
-            <a:ext cx="27538045" cy="9294901"/>
+            <a:off x="2390906" y="27499264"/>
+            <a:ext cx="25727184" cy="8499411"/>
           </a:xfrm>
         </p:spPr>
         <p:txBody>
           <a:bodyPr anchor="t"/>
           <a:lstStyle>
             <a:lvl1pPr algn="l">
-              <a:defRPr sz="20800" b="1" cap="all"/>
+              <a:defRPr sz="18300" b="1" cap="all"/>
             </a:lvl1pPr>
           </a:lstStyle>
           <a:p>
@@ -918,8 +1341,8 @@
         </p:nvSpPr>
         <p:spPr>
           <a:xfrm>
-            <a:off x="2559196" y="19835629"/>
-            <a:ext cx="27538045" cy="10237387"/>
+            <a:off x="2390906" y="18138027"/>
+            <a:ext cx="25727184" cy="9361236"/>
           </a:xfrm>
         </p:spPr>
         <p:txBody>
@@ -927,7 +1350,7 @@
           <a:lstStyle>
             <a:lvl1pPr marL="0" indent="0">
               <a:buNone/>
-              <a:defRPr sz="10400">
+              <a:defRPr sz="9100">
                 <a:solidFill>
                   <a:schemeClr val="tx1">
                     <a:tint val="75000"/>
@@ -935,9 +1358,9 @@
                 </a:solidFill>
               </a:defRPr>
             </a:lvl1pPr>
-            <a:lvl2pPr marL="2377210" indent="0">
-              <a:buNone/>
-              <a:defRPr sz="9400">
+            <a:lvl2pPr marL="2087438" indent="0">
+              <a:buNone/>
+              <a:defRPr sz="8200">
                 <a:solidFill>
                   <a:schemeClr val="tx1">
                     <a:tint val="75000"/>
@@ -945,9 +1368,9 @@
                 </a:solidFill>
               </a:defRPr>
             </a:lvl2pPr>
-            <a:lvl3pPr marL="4754420" indent="0">
-              <a:buNone/>
-              <a:defRPr sz="8300">
+            <a:lvl3pPr marL="4174876" indent="0">
+              <a:buNone/>
+              <a:defRPr sz="7300">
                 <a:solidFill>
                   <a:schemeClr val="tx1">
                     <a:tint val="75000"/>
@@ -955,9 +1378,9 @@
                 </a:solidFill>
               </a:defRPr>
             </a:lvl3pPr>
-            <a:lvl4pPr marL="7131630" indent="0">
-              <a:buNone/>
-              <a:defRPr sz="7300">
+            <a:lvl4pPr marL="6262314" indent="0">
+              <a:buNone/>
+              <a:defRPr sz="6400">
                 <a:solidFill>
                   <a:schemeClr val="tx1">
                     <a:tint val="75000"/>
@@ -965,9 +1388,9 @@
                 </a:solidFill>
               </a:defRPr>
             </a:lvl4pPr>
-            <a:lvl5pPr marL="9508842" indent="0">
-              <a:buNone/>
-              <a:defRPr sz="7300">
+            <a:lvl5pPr marL="8349752" indent="0">
+              <a:buNone/>
+              <a:defRPr sz="6400">
                 <a:solidFill>
                   <a:schemeClr val="tx1">
                     <a:tint val="75000"/>
@@ -975,9 +1398,9 @@
                 </a:solidFill>
               </a:defRPr>
             </a:lvl5pPr>
-            <a:lvl6pPr marL="11886052" indent="0">
-              <a:buNone/>
-              <a:defRPr sz="7300">
+            <a:lvl6pPr marL="10437190" indent="0">
+              <a:buNone/>
+              <a:defRPr sz="6400">
                 <a:solidFill>
                   <a:schemeClr val="tx1">
                     <a:tint val="75000"/>
@@ -985,9 +1408,9 @@
                 </a:solidFill>
               </a:defRPr>
             </a:lvl6pPr>
-            <a:lvl7pPr marL="14263262" indent="0">
-              <a:buNone/>
-              <a:defRPr sz="7300">
+            <a:lvl7pPr marL="12524628" indent="0">
+              <a:buNone/>
+              <a:defRPr sz="6400">
                 <a:solidFill>
                   <a:schemeClr val="tx1">
                     <a:tint val="75000"/>
@@ -995,9 +1418,9 @@
                 </a:solidFill>
               </a:defRPr>
             </a:lvl7pPr>
-            <a:lvl8pPr marL="16640472" indent="0">
-              <a:buNone/>
-              <a:defRPr sz="7300">
+            <a:lvl8pPr marL="14612066" indent="0">
+              <a:buNone/>
+              <a:defRPr sz="6400">
                 <a:solidFill>
                   <a:schemeClr val="tx1">
                     <a:tint val="75000"/>
@@ -1005,9 +1428,9 @@
                 </a:solidFill>
               </a:defRPr>
             </a:lvl8pPr>
-            <a:lvl9pPr marL="19017682" indent="0">
-              <a:buNone/>
-              <a:defRPr sz="7300">
+            <a:lvl9pPr marL="16699504" indent="0">
+              <a:buNone/>
+              <a:defRPr sz="6400">
                 <a:solidFill>
                   <a:schemeClr val="tx1">
                     <a:tint val="75000"/>
@@ -1040,10 +1463,9 @@
           <a:bodyPr/>
           <a:lstStyle/>
           <a:p>
-            <a:fld id="{5AF0ADCD-25D3-4197-81BB-D190A8F1911B}" type="datetimeFigureOut">
-              <a:rPr lang="en-US" smtClean="0"/>
-              <a:pPr/>
-              <a:t>11/28/2012</a:t>
+            <a:fld id="{F0D5B36F-293B-473C-8DBA-B4E5C591472A}" type="datetimeFigureOut">
+              <a:rPr lang="en-US" smtClean="0"/>
+              <a:t>11/30/2012</a:t>
             </a:fld>
             <a:endParaRPr lang="en-US"/>
           </a:p>
@@ -1083,9 +1505,8 @@
           <a:bodyPr/>
           <a:lstStyle/>
           <a:p>
-            <a:fld id="{136F6824-00F7-4F32-B0D6-3316C82617A0}" type="slidenum">
-              <a:rPr lang="en-US" smtClean="0"/>
-              <a:pPr/>
+            <a:fld id="{8495C114-3D33-41E1-81BD-7B9ACCD1CF9B}" type="slidenum">
+              <a:rPr lang="en-US" smtClean="0"/>
               <a:t>‹#›</a:t>
             </a:fld>
             <a:endParaRPr lang="en-US"/>
@@ -1152,39 +1573,39 @@
         </p:nvSpPr>
         <p:spPr>
           <a:xfrm>
-            <a:off x="5669598" y="81530796"/>
-            <a:ext cx="50756397" cy="230617536"/>
+            <a:off x="7083385" y="44072128"/>
+            <a:ext cx="63487711" cy="124638218"/>
           </a:xfrm>
         </p:spPr>
         <p:txBody>
           <a:bodyPr/>
           <a:lstStyle>
             <a:lvl1pPr>
-              <a:defRPr sz="14600"/>
+              <a:defRPr sz="12800"/>
             </a:lvl1pPr>
             <a:lvl2pPr>
-              <a:defRPr sz="12500"/>
+              <a:defRPr sz="11000"/>
             </a:lvl2pPr>
             <a:lvl3pPr>
-              <a:defRPr sz="10400"/>
+              <a:defRPr sz="9100"/>
             </a:lvl3pPr>
             <a:lvl4pPr>
-              <a:defRPr sz="9400"/>
+              <a:defRPr sz="8200"/>
             </a:lvl4pPr>
             <a:lvl5pPr>
-              <a:defRPr sz="9400"/>
+              <a:defRPr sz="8200"/>
             </a:lvl5pPr>
             <a:lvl6pPr>
-              <a:defRPr sz="9400"/>
+              <a:defRPr sz="8200"/>
             </a:lvl6pPr>
             <a:lvl7pPr>
-              <a:defRPr sz="9400"/>
+              <a:defRPr sz="8200"/>
             </a:lvl7pPr>
             <a:lvl8pPr>
-              <a:defRPr sz="9400"/>
+              <a:defRPr sz="8200"/>
             </a:lvl8pPr>
             <a:lvl9pPr>
-              <a:defRPr sz="9400"/>
+              <a:defRPr sz="8200"/>
             </a:lvl9pPr>
           </a:lstStyle>
           <a:p>
@@ -1237,39 +1658,39 @@
         </p:nvSpPr>
         <p:spPr>
           <a:xfrm>
-            <a:off x="56965958" y="81530796"/>
-            <a:ext cx="50756397" cy="230617536"/>
+            <a:off x="71075550" y="44072128"/>
+            <a:ext cx="63492968" cy="124638218"/>
           </a:xfrm>
         </p:spPr>
         <p:txBody>
           <a:bodyPr/>
           <a:lstStyle>
             <a:lvl1pPr>
-              <a:defRPr sz="14600"/>
+              <a:defRPr sz="12800"/>
             </a:lvl1pPr>
             <a:lvl2pPr>
-              <a:defRPr sz="12500"/>
+              <a:defRPr sz="11000"/>
             </a:lvl2pPr>
             <a:lvl3pPr>
-              <a:defRPr sz="10400"/>
+              <a:defRPr sz="9100"/>
             </a:lvl3pPr>
             <a:lvl4pPr>
-              <a:defRPr sz="9400"/>
+              <a:defRPr sz="8200"/>
             </a:lvl4pPr>
             <a:lvl5pPr>
-              <a:defRPr sz="9400"/>
+              <a:defRPr sz="8200"/>
             </a:lvl5pPr>
             <a:lvl6pPr>
-              <a:defRPr sz="9400"/>
+              <a:defRPr sz="8200"/>
             </a:lvl6pPr>
             <a:lvl7pPr>
-              <a:defRPr sz="9400"/>
+              <a:defRPr sz="8200"/>
             </a:lvl7pPr>
             <a:lvl8pPr>
-              <a:defRPr sz="9400"/>
+              <a:defRPr sz="8200"/>
             </a:lvl8pPr>
             <a:lvl9pPr>
-              <a:defRPr sz="9400"/>
+              <a:defRPr sz="8200"/>
             </a:lvl9pPr>
           </a:lstStyle>
           <a:p>
@@ -1325,10 +1746,9 @@
           <a:bodyPr/>
           <a:lstStyle/>
           <a:p>
-            <a:fld id="{5AF0ADCD-25D3-4197-81BB-D190A8F1911B}" type="datetimeFigureOut">
-              <a:rPr lang="en-US" smtClean="0"/>
-              <a:pPr/>
-              <a:t>11/28/2012</a:t>
+            <a:fld id="{F0D5B36F-293B-473C-8DBA-B4E5C591472A}" type="datetimeFigureOut">
+              <a:rPr lang="en-US" smtClean="0"/>
+              <a:t>11/30/2012</a:t>
             </a:fld>
             <a:endParaRPr lang="en-US"/>
           </a:p>
@@ -1368,9 +1788,8 @@
           <a:bodyPr/>
           <a:lstStyle/>
           <a:p>
-            <a:fld id="{136F6824-00F7-4F32-B0D6-3316C82617A0}" type="slidenum">
-              <a:rPr lang="en-US" smtClean="0"/>
-              <a:pPr/>
+            <a:fld id="{8495C114-3D33-41E1-81BD-7B9ACCD1CF9B}" type="slidenum">
+              <a:rPr lang="en-US" smtClean="0"/>
               <a:t>‹#›</a:t>
             </a:fld>
             <a:endParaRPr lang="en-US"/>
@@ -1414,8 +1833,8 @@
         </p:nvSpPr>
         <p:spPr>
           <a:xfrm>
-            <a:off x="1619886" y="1874150"/>
-            <a:ext cx="29157931" cy="7799917"/>
+            <a:off x="1513364" y="1713753"/>
+            <a:ext cx="27240547" cy="7132373"/>
           </a:xfrm>
         </p:spPr>
         <p:txBody>
@@ -1446,8 +1865,8 @@
         </p:nvSpPr>
         <p:spPr>
           <a:xfrm>
-            <a:off x="1619885" y="10475725"/>
-            <a:ext cx="14314610" cy="4365784"/>
+            <a:off x="1513364" y="9579177"/>
+            <a:ext cx="13373303" cy="3992144"/>
           </a:xfrm>
         </p:spPr>
         <p:txBody>
@@ -1455,39 +1874,39 @@
           <a:lstStyle>
             <a:lvl1pPr marL="0" indent="0">
               <a:buNone/>
-              <a:defRPr sz="12500" b="1"/>
+              <a:defRPr sz="11000" b="1"/>
             </a:lvl1pPr>
-            <a:lvl2pPr marL="2377210" indent="0">
-              <a:buNone/>
-              <a:defRPr sz="10400" b="1"/>
+            <a:lvl2pPr marL="2087438" indent="0">
+              <a:buNone/>
+              <a:defRPr sz="9100" b="1"/>
             </a:lvl2pPr>
-            <a:lvl3pPr marL="4754420" indent="0">
-              <a:buNone/>
-              <a:defRPr sz="9400" b="1"/>
+            <a:lvl3pPr marL="4174876" indent="0">
+              <a:buNone/>
+              <a:defRPr sz="8200" b="1"/>
             </a:lvl3pPr>
-            <a:lvl4pPr marL="7131630" indent="0">
-              <a:buNone/>
-              <a:defRPr sz="8300" b="1"/>
+            <a:lvl4pPr marL="6262314" indent="0">
+              <a:buNone/>
+              <a:defRPr sz="7300" b="1"/>
             </a:lvl4pPr>
-            <a:lvl5pPr marL="9508842" indent="0">
-              <a:buNone/>
-              <a:defRPr sz="8300" b="1"/>
+            <a:lvl5pPr marL="8349752" indent="0">
+              <a:buNone/>
+              <a:defRPr sz="7300" b="1"/>
             </a:lvl5pPr>
-            <a:lvl6pPr marL="11886052" indent="0">
-              <a:buNone/>
-              <a:defRPr sz="8300" b="1"/>
+            <a:lvl6pPr marL="10437190" indent="0">
+              <a:buNone/>
+              <a:defRPr sz="7300" b="1"/>
             </a:lvl6pPr>
-            <a:lvl7pPr marL="14263262" indent="0">
-              <a:buNone/>
-              <a:defRPr sz="8300" b="1"/>
+            <a:lvl7pPr marL="12524628" indent="0">
+              <a:buNone/>
+              <a:defRPr sz="7300" b="1"/>
             </a:lvl7pPr>
-            <a:lvl8pPr marL="16640472" indent="0">
-              <a:buNone/>
-              <a:defRPr sz="8300" b="1"/>
+            <a:lvl8pPr marL="14612066" indent="0">
+              <a:buNone/>
+              <a:defRPr sz="7300" b="1"/>
             </a:lvl8pPr>
-            <a:lvl9pPr marL="19017682" indent="0">
-              <a:buNone/>
-              <a:defRPr sz="8300" b="1"/>
+            <a:lvl9pPr marL="16699504" indent="0">
+              <a:buNone/>
+              <a:defRPr sz="7300" b="1"/>
             </a:lvl9pPr>
           </a:lstStyle>
           <a:p>
@@ -1511,39 +1930,39 @@
         </p:nvSpPr>
         <p:spPr>
           <a:xfrm>
-            <a:off x="1619885" y="14841508"/>
-            <a:ext cx="14314610" cy="26963882"/>
+            <a:off x="1513364" y="13571322"/>
+            <a:ext cx="13373303" cy="24656220"/>
           </a:xfrm>
         </p:spPr>
         <p:txBody>
           <a:bodyPr/>
           <a:lstStyle>
             <a:lvl1pPr>
-              <a:defRPr sz="12500"/>
+              <a:defRPr sz="11000"/>
             </a:lvl1pPr>
             <a:lvl2pPr>
-              <a:defRPr sz="10400"/>
+              <a:defRPr sz="9100"/>
             </a:lvl2pPr>
             <a:lvl3pPr>
-              <a:defRPr sz="9400"/>
+              <a:defRPr sz="8200"/>
             </a:lvl3pPr>
             <a:lvl4pPr>
-              <a:defRPr sz="8300"/>
+              <a:defRPr sz="7300"/>
             </a:lvl4pPr>
             <a:lvl5pPr>
-              <a:defRPr sz="8300"/>
+              <a:defRPr sz="7300"/>
             </a:lvl5pPr>
             <a:lvl6pPr>
-              <a:defRPr sz="8300"/>
+              <a:defRPr sz="7300"/>
             </a:lvl6pPr>
             <a:lvl7pPr>
-              <a:defRPr sz="8300"/>
+              <a:defRPr sz="7300"/>
             </a:lvl7pPr>
             <a:lvl8pPr>
-              <a:defRPr sz="8300"/>
+              <a:defRPr sz="7300"/>
             </a:lvl8pPr>
             <a:lvl9pPr>
-              <a:defRPr sz="8300"/>
+              <a:defRPr sz="7300"/>
             </a:lvl9pPr>
           </a:lstStyle>
           <a:p>
@@ -1596,8 +2015,8 @@
         </p:nvSpPr>
         <p:spPr>
           <a:xfrm>
-            <a:off x="16457585" y="10475725"/>
-            <a:ext cx="14320235" cy="4365784"/>
+            <a:off x="15375357" y="9579177"/>
+            <a:ext cx="13378556" cy="3992144"/>
           </a:xfrm>
         </p:spPr>
         <p:txBody>
@@ -1605,39 +2024,39 @@
           <a:lstStyle>
             <a:lvl1pPr marL="0" indent="0">
               <a:buNone/>
-              <a:defRPr sz="12500" b="1"/>
+              <a:defRPr sz="11000" b="1"/>
             </a:lvl1pPr>
-            <a:lvl2pPr marL="2377210" indent="0">
-              <a:buNone/>
-              <a:defRPr sz="10400" b="1"/>
+            <a:lvl2pPr marL="2087438" indent="0">
+              <a:buNone/>
+              <a:defRPr sz="9100" b="1"/>
             </a:lvl2pPr>
-            <a:lvl3pPr marL="4754420" indent="0">
-              <a:buNone/>
-              <a:defRPr sz="9400" b="1"/>
+            <a:lvl3pPr marL="4174876" indent="0">
+              <a:buNone/>
+              <a:defRPr sz="8200" b="1"/>
             </a:lvl3pPr>
-            <a:lvl4pPr marL="7131630" indent="0">
-              <a:buNone/>
-              <a:defRPr sz="8300" b="1"/>
+            <a:lvl4pPr marL="6262314" indent="0">
+              <a:buNone/>
+              <a:defRPr sz="7300" b="1"/>
             </a:lvl4pPr>
-            <a:lvl5pPr marL="9508842" indent="0">
-              <a:buNone/>
-              <a:defRPr sz="8300" b="1"/>
+            <a:lvl5pPr marL="8349752" indent="0">
+              <a:buNone/>
+              <a:defRPr sz="7300" b="1"/>
             </a:lvl5pPr>
-            <a:lvl6pPr marL="11886052" indent="0">
-              <a:buNone/>
-              <a:defRPr sz="8300" b="1"/>
+            <a:lvl6pPr marL="10437190" indent="0">
+              <a:buNone/>
+              <a:defRPr sz="7300" b="1"/>
             </a:lvl6pPr>
-            <a:lvl7pPr marL="14263262" indent="0">
-              <a:buNone/>
-              <a:defRPr sz="8300" b="1"/>
+            <a:lvl7pPr marL="12524628" indent="0">
+              <a:buNone/>
+              <a:defRPr sz="7300" b="1"/>
             </a:lvl7pPr>
-            <a:lvl8pPr marL="16640472" indent="0">
-              <a:buNone/>
-              <a:defRPr sz="8300" b="1"/>
+            <a:lvl8pPr marL="14612066" indent="0">
+              <a:buNone/>
+              <a:defRPr sz="7300" b="1"/>
             </a:lvl8pPr>
-            <a:lvl9pPr marL="19017682" indent="0">
-              <a:buNone/>
-              <a:defRPr sz="8300" b="1"/>
+            <a:lvl9pPr marL="16699504" indent="0">
+              <a:buNone/>
+              <a:defRPr sz="7300" b="1"/>
             </a:lvl9pPr>
           </a:lstStyle>
           <a:p>
@@ -1661,39 +2080,39 @@
         </p:nvSpPr>
         <p:spPr>
           <a:xfrm>
-            <a:off x="16457585" y="14841508"/>
-            <a:ext cx="14320235" cy="26963882"/>
+            <a:off x="15375357" y="13571322"/>
+            <a:ext cx="13378556" cy="24656220"/>
           </a:xfrm>
         </p:spPr>
         <p:txBody>
           <a:bodyPr/>
           <a:lstStyle>
             <a:lvl1pPr>
-              <a:defRPr sz="12500"/>
+              <a:defRPr sz="11000"/>
             </a:lvl1pPr>
             <a:lvl2pPr>
-              <a:defRPr sz="10400"/>
+              <a:defRPr sz="9100"/>
             </a:lvl2pPr>
             <a:lvl3pPr>
-              <a:defRPr sz="9400"/>
+              <a:defRPr sz="8200"/>
             </a:lvl3pPr>
             <a:lvl4pPr>
-              <a:defRPr sz="8300"/>
+              <a:defRPr sz="7300"/>
             </a:lvl4pPr>
             <a:lvl5pPr>
-              <a:defRPr sz="8300"/>
+              <a:defRPr sz="7300"/>
             </a:lvl5pPr>
             <a:lvl6pPr>
-              <a:defRPr sz="8300"/>
+              <a:defRPr sz="7300"/>
             </a:lvl6pPr>
             <a:lvl7pPr>
-              <a:defRPr sz="8300"/>
+              <a:defRPr sz="7300"/>
             </a:lvl7pPr>
             <a:lvl8pPr>
-              <a:defRPr sz="8300"/>
+              <a:defRPr sz="7300"/>
             </a:lvl8pPr>
             <a:lvl9pPr>
-              <a:defRPr sz="8300"/>
+              <a:defRPr sz="7300"/>
             </a:lvl9pPr>
           </a:lstStyle>
           <a:p>
@@ -1749,10 +2168,9 @@
           <a:bodyPr/>
           <a:lstStyle/>
           <a:p>
-            <a:fld id="{5AF0ADCD-25D3-4197-81BB-D190A8F1911B}" type="datetimeFigureOut">
-              <a:rPr lang="en-US" smtClean="0"/>
-              <a:pPr/>
-              <a:t>11/28/2012</a:t>
+            <a:fld id="{F0D5B36F-293B-473C-8DBA-B4E5C591472A}" type="datetimeFigureOut">
+              <a:rPr lang="en-US" smtClean="0"/>
+              <a:t>11/30/2012</a:t>
             </a:fld>
             <a:endParaRPr lang="en-US"/>
           </a:p>
@@ -1792,9 +2210,8 @@
           <a:bodyPr/>
           <a:lstStyle/>
           <a:p>
-            <a:fld id="{136F6824-00F7-4F32-B0D6-3316C82617A0}" type="slidenum">
-              <a:rPr lang="en-US" smtClean="0"/>
-              <a:pPr/>
+            <a:fld id="{8495C114-3D33-41E1-81BD-7B9ACCD1CF9B}" type="slidenum">
+              <a:rPr lang="en-US" smtClean="0"/>
               <a:t>‹#›</a:t>
             </a:fld>
             <a:endParaRPr lang="en-US"/>
@@ -1864,10 +2281,9 @@
           <a:bodyPr/>
           <a:lstStyle/>
           <a:p>
-            <a:fld id="{5AF0ADCD-25D3-4197-81BB-D190A8F1911B}" type="datetimeFigureOut">
-              <a:rPr lang="en-US" smtClean="0"/>
-              <a:pPr/>
-              <a:t>11/28/2012</a:t>
+            <a:fld id="{F0D5B36F-293B-473C-8DBA-B4E5C591472A}" type="datetimeFigureOut">
+              <a:rPr lang="en-US" smtClean="0"/>
+              <a:t>11/30/2012</a:t>
             </a:fld>
             <a:endParaRPr lang="en-US"/>
           </a:p>
@@ -1907,9 +2323,8 @@
           <a:bodyPr/>
           <a:lstStyle/>
           <a:p>
-            <a:fld id="{136F6824-00F7-4F32-B0D6-3316C82617A0}" type="slidenum">
-              <a:rPr lang="en-US" smtClean="0"/>
-              <a:pPr/>
+            <a:fld id="{8495C114-3D33-41E1-81BD-7B9ACCD1CF9B}" type="slidenum">
+              <a:rPr lang="en-US" smtClean="0"/>
               <a:t>‹#›</a:t>
             </a:fld>
             <a:endParaRPr lang="en-US"/>
@@ -1956,10 +2371,9 @@
           <a:bodyPr/>
           <a:lstStyle/>
           <a:p>
-            <a:fld id="{5AF0ADCD-25D3-4197-81BB-D190A8F1911B}" type="datetimeFigureOut">
-              <a:rPr lang="en-US" smtClean="0"/>
-              <a:pPr/>
-              <a:t>11/28/2012</a:t>
+            <a:fld id="{F0D5B36F-293B-473C-8DBA-B4E5C591472A}" type="datetimeFigureOut">
+              <a:rPr lang="en-US" smtClean="0"/>
+              <a:t>11/30/2012</a:t>
             </a:fld>
             <a:endParaRPr lang="en-US"/>
           </a:p>
@@ -1999,9 +2413,8 @@
           <a:bodyPr/>
           <a:lstStyle/>
           <a:p>
-            <a:fld id="{136F6824-00F7-4F32-B0D6-3316C82617A0}" type="slidenum">
-              <a:rPr lang="en-US" smtClean="0"/>
-              <a:pPr/>
+            <a:fld id="{8495C114-3D33-41E1-81BD-7B9ACCD1CF9B}" type="slidenum">
+              <a:rPr lang="en-US" smtClean="0"/>
               <a:t>‹#›</a:t>
             </a:fld>
             <a:endParaRPr lang="en-US"/>
@@ -2045,15 +2458,15 @@
         </p:nvSpPr>
         <p:spPr>
           <a:xfrm>
-            <a:off x="1619889" y="1863313"/>
-            <a:ext cx="10658621" cy="7929915"/>
+            <a:off x="1513365" y="1703845"/>
+            <a:ext cx="9957725" cy="7251246"/>
           </a:xfrm>
         </p:spPr>
         <p:txBody>
           <a:bodyPr anchor="b"/>
           <a:lstStyle>
             <a:lvl1pPr algn="l">
-              <a:defRPr sz="10400" b="1"/>
+              <a:defRPr sz="9100" b="1"/>
             </a:lvl1pPr>
           </a:lstStyle>
           <a:p>
@@ -2077,39 +2490,39 @@
         </p:nvSpPr>
         <p:spPr>
           <a:xfrm>
-            <a:off x="12666601" y="1863317"/>
-            <a:ext cx="18111214" cy="39942077"/>
+            <a:off x="11833663" y="1703848"/>
+            <a:ext cx="16920248" cy="36523697"/>
           </a:xfrm>
         </p:spPr>
         <p:txBody>
           <a:bodyPr/>
           <a:lstStyle>
             <a:lvl1pPr>
-              <a:defRPr sz="16600"/>
+              <a:defRPr sz="14600"/>
             </a:lvl1pPr>
             <a:lvl2pPr>
-              <a:defRPr sz="14600"/>
+              <a:defRPr sz="12800"/>
             </a:lvl2pPr>
             <a:lvl3pPr>
-              <a:defRPr sz="12500"/>
+              <a:defRPr sz="11000"/>
             </a:lvl3pPr>
             <a:lvl4pPr>
-              <a:defRPr sz="10400"/>
+              <a:defRPr sz="9100"/>
             </a:lvl4pPr>
             <a:lvl5pPr>
-              <a:defRPr sz="10400"/>
+              <a:defRPr sz="9100"/>
             </a:lvl5pPr>
             <a:lvl6pPr>
-              <a:defRPr sz="10400"/>
+              <a:defRPr sz="9100"/>
             </a:lvl6pPr>
             <a:lvl7pPr>
-              <a:defRPr sz="10400"/>
+              <a:defRPr sz="9100"/>
             </a:lvl7pPr>
             <a:lvl8pPr>
-              <a:defRPr sz="10400"/>
+              <a:defRPr sz="9100"/>
             </a:lvl8pPr>
             <a:lvl9pPr>
-              <a:defRPr sz="10400"/>
+              <a:defRPr sz="9100"/>
             </a:lvl9pPr>
           </a:lstStyle>
           <a:p>
@@ -2162,8 +2575,8 @@
         </p:nvSpPr>
         <p:spPr>
           <a:xfrm>
-            <a:off x="1619889" y="9793232"/>
-            <a:ext cx="10658621" cy="32012162"/>
+            <a:off x="1513365" y="8955094"/>
+            <a:ext cx="9957725" cy="29272451"/>
           </a:xfrm>
         </p:spPr>
         <p:txBody>
@@ -2171,39 +2584,39 @@
           <a:lstStyle>
             <a:lvl1pPr marL="0" indent="0">
               <a:buNone/>
-              <a:defRPr sz="7300"/>
+              <a:defRPr sz="6400"/>
             </a:lvl1pPr>
-            <a:lvl2pPr marL="2377210" indent="0">
-              <a:buNone/>
-              <a:defRPr sz="6200"/>
+            <a:lvl2pPr marL="2087438" indent="0">
+              <a:buNone/>
+              <a:defRPr sz="5500"/>
             </a:lvl2pPr>
-            <a:lvl3pPr marL="4754420" indent="0">
-              <a:buNone/>
-              <a:defRPr sz="5200"/>
+            <a:lvl3pPr marL="4174876" indent="0">
+              <a:buNone/>
+              <a:defRPr sz="4600"/>
             </a:lvl3pPr>
-            <a:lvl4pPr marL="7131630" indent="0">
-              <a:buNone/>
-              <a:defRPr sz="4700"/>
+            <a:lvl4pPr marL="6262314" indent="0">
+              <a:buNone/>
+              <a:defRPr sz="4100"/>
             </a:lvl4pPr>
-            <a:lvl5pPr marL="9508842" indent="0">
-              <a:buNone/>
-              <a:defRPr sz="4700"/>
+            <a:lvl5pPr marL="8349752" indent="0">
+              <a:buNone/>
+              <a:defRPr sz="4100"/>
             </a:lvl5pPr>
-            <a:lvl6pPr marL="11886052" indent="0">
-              <a:buNone/>
-              <a:defRPr sz="4700"/>
+            <a:lvl6pPr marL="10437190" indent="0">
+              <a:buNone/>
+              <a:defRPr sz="4100"/>
             </a:lvl6pPr>
-            <a:lvl7pPr marL="14263262" indent="0">
-              <a:buNone/>
-              <a:defRPr sz="4700"/>
+            <a:lvl7pPr marL="12524628" indent="0">
+              <a:buNone/>
+              <a:defRPr sz="4100"/>
             </a:lvl7pPr>
-            <a:lvl8pPr marL="16640472" indent="0">
-              <a:buNone/>
-              <a:defRPr sz="4700"/>
+            <a:lvl8pPr marL="14612066" indent="0">
+              <a:buNone/>
+              <a:defRPr sz="4100"/>
             </a:lvl8pPr>
-            <a:lvl9pPr marL="19017682" indent="0">
-              <a:buNone/>
-              <a:defRPr sz="4700"/>
+            <a:lvl9pPr marL="16699504" indent="0">
+              <a:buNone/>
+              <a:defRPr sz="4100"/>
             </a:lvl9pPr>
           </a:lstStyle>
           <a:p>
@@ -2230,10 +2643,9 @@
           <a:bodyPr/>
           <a:lstStyle/>
           <a:p>
-            <a:fld id="{5AF0ADCD-25D3-4197-81BB-D190A8F1911B}" type="datetimeFigureOut">
-              <a:rPr lang="en-US" smtClean="0"/>
-              <a:pPr/>
-              <a:t>11/28/2012</a:t>
+            <a:fld id="{F0D5B36F-293B-473C-8DBA-B4E5C591472A}" type="datetimeFigureOut">
+              <a:rPr lang="en-US" smtClean="0"/>
+              <a:t>11/30/2012</a:t>
             </a:fld>
             <a:endParaRPr lang="en-US"/>
           </a:p>
@@ -2273,9 +2685,8 @@
           <a:bodyPr/>
           <a:lstStyle/>
           <a:p>
-            <a:fld id="{136F6824-00F7-4F32-B0D6-3316C82617A0}" type="slidenum">
-              <a:rPr lang="en-US" smtClean="0"/>
-              <a:pPr/>
+            <a:fld id="{8495C114-3D33-41E1-81BD-7B9ACCD1CF9B}" type="slidenum">
+              <a:rPr lang="en-US" smtClean="0"/>
               <a:t>‹#›</a:t>
             </a:fld>
             <a:endParaRPr lang="en-US"/>
@@ -2319,15 +2730,15 @@
         </p:nvSpPr>
         <p:spPr>
           <a:xfrm>
-            <a:off x="6350177" y="32759651"/>
-            <a:ext cx="19438620" cy="3867462"/>
+            <a:off x="5932598" y="29955967"/>
+            <a:ext cx="18160365" cy="3536471"/>
           </a:xfrm>
         </p:spPr>
         <p:txBody>
           <a:bodyPr anchor="b"/>
           <a:lstStyle>
             <a:lvl1pPr algn="l">
-              <a:defRPr sz="10400" b="1"/>
+              <a:defRPr sz="9100" b="1"/>
             </a:lvl1pPr>
           </a:lstStyle>
           <a:p>
@@ -2351,8 +2762,8 @@
         </p:nvSpPr>
         <p:spPr>
           <a:xfrm>
-            <a:off x="6350177" y="4181623"/>
-            <a:ext cx="19438620" cy="28079700"/>
+            <a:off x="5932598" y="3823745"/>
+            <a:ext cx="18160365" cy="25676543"/>
           </a:xfrm>
         </p:spPr>
         <p:txBody>
@@ -2360,39 +2771,39 @@
           <a:lstStyle>
             <a:lvl1pPr marL="0" indent="0">
               <a:buNone/>
-              <a:defRPr sz="16600"/>
+              <a:defRPr sz="14600"/>
             </a:lvl1pPr>
-            <a:lvl2pPr marL="2377210" indent="0">
-              <a:buNone/>
-              <a:defRPr sz="14600"/>
+            <a:lvl2pPr marL="2087438" indent="0">
+              <a:buNone/>
+              <a:defRPr sz="12800"/>
             </a:lvl2pPr>
-            <a:lvl3pPr marL="4754420" indent="0">
-              <a:buNone/>
-              <a:defRPr sz="12500"/>
+            <a:lvl3pPr marL="4174876" indent="0">
+              <a:buNone/>
+              <a:defRPr sz="11000"/>
             </a:lvl3pPr>
-            <a:lvl4pPr marL="7131630" indent="0">
-              <a:buNone/>
-              <a:defRPr sz="10400"/>
+            <a:lvl4pPr marL="6262314" indent="0">
+              <a:buNone/>
+              <a:defRPr sz="9100"/>
             </a:lvl4pPr>
-            <a:lvl5pPr marL="9508842" indent="0">
-              <a:buNone/>
-              <a:defRPr sz="10400"/>
+            <a:lvl5pPr marL="8349752" indent="0">
+              <a:buNone/>
+              <a:defRPr sz="9100"/>
             </a:lvl5pPr>
-            <a:lvl6pPr marL="11886052" indent="0">
-              <a:buNone/>
-              <a:defRPr sz="10400"/>
+            <a:lvl6pPr marL="10437190" indent="0">
+              <a:buNone/>
+              <a:defRPr sz="9100"/>
             </a:lvl6pPr>
-            <a:lvl7pPr marL="14263262" indent="0">
-              <a:buNone/>
-              <a:defRPr sz="10400"/>
+            <a:lvl7pPr marL="12524628" indent="0">
+              <a:buNone/>
+              <a:defRPr sz="9100"/>
             </a:lvl7pPr>
-            <a:lvl8pPr marL="16640472" indent="0">
-              <a:buNone/>
-              <a:defRPr sz="10400"/>
+            <a:lvl8pPr marL="14612066" indent="0">
+              <a:buNone/>
+              <a:defRPr sz="9100"/>
             </a:lvl8pPr>
-            <a:lvl9pPr marL="19017682" indent="0">
-              <a:buNone/>
-              <a:defRPr sz="10400"/>
+            <a:lvl9pPr marL="16699504" indent="0">
+              <a:buNone/>
+              <a:defRPr sz="9100"/>
             </a:lvl9pPr>
           </a:lstStyle>
           <a:p>
@@ -2412,8 +2823,8 @@
         </p:nvSpPr>
         <p:spPr>
           <a:xfrm>
-            <a:off x="6350177" y="36627112"/>
-            <a:ext cx="19438620" cy="5492438"/>
+            <a:off x="5932598" y="33492439"/>
+            <a:ext cx="18160365" cy="5022376"/>
           </a:xfrm>
         </p:spPr>
         <p:txBody>
@@ -2421,39 +2832,39 @@
           <a:lstStyle>
             <a:lvl1pPr marL="0" indent="0">
               <a:buNone/>
-              <a:defRPr sz="7300"/>
+              <a:defRPr sz="6400"/>
             </a:lvl1pPr>
-            <a:lvl2pPr marL="2377210" indent="0">
-              <a:buNone/>
-              <a:defRPr sz="6200"/>
+            <a:lvl2pPr marL="2087438" indent="0">
+              <a:buNone/>
+              <a:defRPr sz="5500"/>
             </a:lvl2pPr>
-            <a:lvl3pPr marL="4754420" indent="0">
-              <a:buNone/>
-              <a:defRPr sz="5200"/>
+            <a:lvl3pPr marL="4174876" indent="0">
+              <a:buNone/>
+              <a:defRPr sz="4600"/>
             </a:lvl3pPr>
-            <a:lvl4pPr marL="7131630" indent="0">
-              <a:buNone/>
-              <a:defRPr sz="4700"/>
+            <a:lvl4pPr marL="6262314" indent="0">
+              <a:buNone/>
+              <a:defRPr sz="4100"/>
             </a:lvl4pPr>
-            <a:lvl5pPr marL="9508842" indent="0">
-              <a:buNone/>
-              <a:defRPr sz="4700"/>
+            <a:lvl5pPr marL="8349752" indent="0">
+              <a:buNone/>
+              <a:defRPr sz="4100"/>
             </a:lvl5pPr>
-            <a:lvl6pPr marL="11886052" indent="0">
-              <a:buNone/>
-              <a:defRPr sz="4700"/>
+            <a:lvl6pPr marL="10437190" indent="0">
+              <a:buNone/>
+              <a:defRPr sz="4100"/>
             </a:lvl6pPr>
-            <a:lvl7pPr marL="14263262" indent="0">
-              <a:buNone/>
-              <a:defRPr sz="4700"/>
+            <a:lvl7pPr marL="12524628" indent="0">
+              <a:buNone/>
+              <a:defRPr sz="4100"/>
             </a:lvl7pPr>
-            <a:lvl8pPr marL="16640472" indent="0">
-              <a:buNone/>
-              <a:defRPr sz="4700"/>
+            <a:lvl8pPr marL="14612066" indent="0">
+              <a:buNone/>
+              <a:defRPr sz="4100"/>
             </a:lvl8pPr>
-            <a:lvl9pPr marL="19017682" indent="0">
-              <a:buNone/>
-              <a:defRPr sz="4700"/>
+            <a:lvl9pPr marL="16699504" indent="0">
+              <a:buNone/>
+              <a:defRPr sz="4100"/>
             </a:lvl9pPr>
           </a:lstStyle>
           <a:p>
@@ -2480,10 +2891,9 @@
           <a:bodyPr/>
           <a:lstStyle/>
           <a:p>
-            <a:fld id="{5AF0ADCD-25D3-4197-81BB-D190A8F1911B}" type="datetimeFigureOut">
-              <a:rPr lang="en-US" smtClean="0"/>
-              <a:pPr/>
-              <a:t>11/28/2012</a:t>
+            <a:fld id="{F0D5B36F-293B-473C-8DBA-B4E5C591472A}" type="datetimeFigureOut">
+              <a:rPr lang="en-US" smtClean="0"/>
+              <a:t>11/30/2012</a:t>
             </a:fld>
             <a:endParaRPr lang="en-US"/>
           </a:p>
@@ -2523,9 +2933,8 @@
           <a:bodyPr/>
           <a:lstStyle/>
           <a:p>
-            <a:fld id="{136F6824-00F7-4F32-B0D6-3316C82617A0}" type="slidenum">
-              <a:rPr lang="en-US" smtClean="0"/>
-              <a:pPr/>
+            <a:fld id="{8495C114-3D33-41E1-81BD-7B9ACCD1CF9B}" type="slidenum">
+              <a:rPr lang="en-US" smtClean="0"/>
               <a:t>‹#›</a:t>
             </a:fld>
             <a:endParaRPr lang="en-US"/>
@@ -2574,15 +2983,15 @@
         </p:nvSpPr>
         <p:spPr>
           <a:xfrm>
-            <a:off x="1619886" y="1874150"/>
-            <a:ext cx="29157931" cy="7799917"/>
+            <a:off x="1513364" y="1713753"/>
+            <a:ext cx="27240547" cy="7132373"/>
           </a:xfrm>
           <a:prstGeom prst="rect">
             <a:avLst/>
           </a:prstGeom>
         </p:spPr>
         <p:txBody>
-          <a:bodyPr vert="horz" lIns="475443" tIns="237721" rIns="475443" bIns="237721" rtlCol="0" anchor="ctr">
+          <a:bodyPr vert="horz" lIns="417488" tIns="208744" rIns="417488" bIns="208744" rtlCol="0" anchor="ctr">
             <a:normAutofit/>
           </a:bodyPr>
           <a:lstStyle/>
@@ -2607,15 +3016,15 @@
         </p:nvSpPr>
         <p:spPr>
           <a:xfrm>
-            <a:off x="1619886" y="10919887"/>
-            <a:ext cx="29157931" cy="30885507"/>
+            <a:off x="1513364" y="9985326"/>
+            <a:ext cx="27240547" cy="28242218"/>
           </a:xfrm>
           <a:prstGeom prst="rect">
             <a:avLst/>
           </a:prstGeom>
         </p:spPr>
         <p:txBody>
-          <a:bodyPr vert="horz" lIns="475443" tIns="237721" rIns="475443" bIns="237721" rtlCol="0">
+          <a:bodyPr vert="horz" lIns="417488" tIns="208744" rIns="417488" bIns="208744" rtlCol="0">
             <a:normAutofit/>
           </a:bodyPr>
           <a:lstStyle/>
@@ -2669,18 +3078,18 @@
         </p:nvSpPr>
         <p:spPr>
           <a:xfrm>
-            <a:off x="1619885" y="43376208"/>
-            <a:ext cx="7559463" cy="2491640"/>
+            <a:off x="1513364" y="39663922"/>
+            <a:ext cx="7062364" cy="2278397"/>
           </a:xfrm>
           <a:prstGeom prst="rect">
             <a:avLst/>
           </a:prstGeom>
         </p:spPr>
         <p:txBody>
-          <a:bodyPr vert="horz" lIns="475443" tIns="237721" rIns="475443" bIns="237721" rtlCol="0" anchor="ctr"/>
+          <a:bodyPr vert="horz" lIns="417488" tIns="208744" rIns="417488" bIns="208744" rtlCol="0" anchor="ctr"/>
           <a:lstStyle>
             <a:lvl1pPr algn="l">
-              <a:defRPr sz="6200">
+              <a:defRPr sz="5500">
                 <a:solidFill>
                   <a:schemeClr val="tx1">
                     <a:tint val="75000"/>
@@ -2690,10 +3099,9 @@
             </a:lvl1pPr>
           </a:lstStyle>
           <a:p>
-            <a:fld id="{5AF0ADCD-25D3-4197-81BB-D190A8F1911B}" type="datetimeFigureOut">
-              <a:rPr lang="en-US" smtClean="0"/>
-              <a:pPr/>
-              <a:t>11/28/2012</a:t>
+            <a:fld id="{F0D5B36F-293B-473C-8DBA-B4E5C591472A}" type="datetimeFigureOut">
+              <a:rPr lang="en-US" smtClean="0"/>
+              <a:t>11/30/2012</a:t>
             </a:fld>
             <a:endParaRPr lang="en-US"/>
           </a:p>
@@ -2711,18 +3119,18 @@
         </p:nvSpPr>
         <p:spPr>
           <a:xfrm>
-            <a:off x="11069215" y="43376208"/>
-            <a:ext cx="10259272" cy="2491640"/>
+            <a:off x="10341320" y="39663922"/>
+            <a:ext cx="9584637" cy="2278397"/>
           </a:xfrm>
           <a:prstGeom prst="rect">
             <a:avLst/>
           </a:prstGeom>
         </p:spPr>
         <p:txBody>
-          <a:bodyPr vert="horz" lIns="475443" tIns="237721" rIns="475443" bIns="237721" rtlCol="0" anchor="ctr"/>
+          <a:bodyPr vert="horz" lIns="417488" tIns="208744" rIns="417488" bIns="208744" rtlCol="0" anchor="ctr"/>
           <a:lstStyle>
             <a:lvl1pPr algn="ctr">
-              <a:defRPr sz="6200">
+              <a:defRPr sz="5500">
                 <a:solidFill>
                   <a:schemeClr val="tx1">
                     <a:tint val="75000"/>
@@ -2748,18 +3156,18 @@
         </p:nvSpPr>
         <p:spPr>
           <a:xfrm>
-            <a:off x="23218352" y="43376208"/>
-            <a:ext cx="7559463" cy="2491640"/>
+            <a:off x="21691547" y="39663922"/>
+            <a:ext cx="7062364" cy="2278397"/>
           </a:xfrm>
           <a:prstGeom prst="rect">
             <a:avLst/>
           </a:prstGeom>
         </p:spPr>
         <p:txBody>
-          <a:bodyPr vert="horz" lIns="475443" tIns="237721" rIns="475443" bIns="237721" rtlCol="0" anchor="ctr"/>
+          <a:bodyPr vert="horz" lIns="417488" tIns="208744" rIns="417488" bIns="208744" rtlCol="0" anchor="ctr"/>
           <a:lstStyle>
             <a:lvl1pPr algn="r">
-              <a:defRPr sz="6200">
+              <a:defRPr sz="5500">
                 <a:solidFill>
                   <a:schemeClr val="tx1">
                     <a:tint val="75000"/>
@@ -2769,9 +3177,8 @@
             </a:lvl1pPr>
           </a:lstStyle>
           <a:p>
-            <a:fld id="{136F6824-00F7-4F32-B0D6-3316C82617A0}" type="slidenum">
-              <a:rPr lang="en-US" smtClean="0"/>
-              <a:pPr/>
+            <a:fld id="{8495C114-3D33-41E1-81BD-7B9ACCD1CF9B}" type="slidenum">
+              <a:rPr lang="en-US" smtClean="0"/>
               <a:t>‹#›</a:t>
             </a:fld>
             <a:endParaRPr lang="en-US"/>
@@ -2796,12 +3203,12 @@
   </p:sldLayoutIdLst>
   <p:txStyles>
     <p:titleStyle>
-      <a:lvl1pPr algn="ctr" defTabSz="4754420" rtl="0" eaLnBrk="1" latinLnBrk="0" hangingPunct="1">
+      <a:lvl1pPr algn="ctr" defTabSz="4174876" rtl="0" eaLnBrk="1" latinLnBrk="0" hangingPunct="1">
         <a:spcBef>
           <a:spcPct val="0"/>
         </a:spcBef>
         <a:buNone/>
-        <a:defRPr sz="22900" kern="1200">
+        <a:defRPr sz="20100" kern="1200">
           <a:solidFill>
             <a:schemeClr val="tx1"/>
           </a:solidFill>
@@ -2812,13 +3219,13 @@
       </a:lvl1pPr>
     </p:titleStyle>
     <p:bodyStyle>
-      <a:lvl1pPr marL="1782908" indent="-1782908" algn="l" defTabSz="4754420" rtl="0" eaLnBrk="1" latinLnBrk="0" hangingPunct="1">
+      <a:lvl1pPr marL="1565579" indent="-1565579" algn="l" defTabSz="4174876" rtl="0" eaLnBrk="1" latinLnBrk="0" hangingPunct="1">
         <a:spcBef>
           <a:spcPct val="20000"/>
         </a:spcBef>
         <a:buFont typeface="Arial" pitchFamily="34" charset="0"/>
         <a:buChar char="•"/>
-        <a:defRPr sz="16600" kern="1200">
+        <a:defRPr sz="14600" kern="1200">
           <a:solidFill>
             <a:schemeClr val="tx1"/>
           </a:solidFill>
@@ -2827,13 +3234,13 @@
           <a:cs typeface="+mn-cs"/>
         </a:defRPr>
       </a:lvl1pPr>
-      <a:lvl2pPr marL="3862966" indent="-1485756" algn="l" defTabSz="4754420" rtl="0" eaLnBrk="1" latinLnBrk="0" hangingPunct="1">
+      <a:lvl2pPr marL="3392087" indent="-1304649" algn="l" defTabSz="4174876" rtl="0" eaLnBrk="1" latinLnBrk="0" hangingPunct="1">
         <a:spcBef>
           <a:spcPct val="20000"/>
         </a:spcBef>
         <a:buFont typeface="Arial" pitchFamily="34" charset="0"/>
         <a:buChar char="–"/>
-        <a:defRPr sz="14600" kern="1200">
+        <a:defRPr sz="12800" kern="1200">
           <a:solidFill>
             <a:schemeClr val="tx1"/>
           </a:solidFill>
@@ -2842,13 +3249,13 @@
           <a:cs typeface="+mn-cs"/>
         </a:defRPr>
       </a:lvl2pPr>
-      <a:lvl3pPr marL="5943025" indent="-1188605" algn="l" defTabSz="4754420" rtl="0" eaLnBrk="1" latinLnBrk="0" hangingPunct="1">
+      <a:lvl3pPr marL="5218595" indent="-1043719" algn="l" defTabSz="4174876" rtl="0" eaLnBrk="1" latinLnBrk="0" hangingPunct="1">
         <a:spcBef>
           <a:spcPct val="20000"/>
         </a:spcBef>
         <a:buFont typeface="Arial" pitchFamily="34" charset="0"/>
         <a:buChar char="•"/>
-        <a:defRPr sz="12500" kern="1200">
+        <a:defRPr sz="11000" kern="1200">
           <a:solidFill>
             <a:schemeClr val="tx1"/>
           </a:solidFill>
@@ -2857,13 +3264,13 @@
           <a:cs typeface="+mn-cs"/>
         </a:defRPr>
       </a:lvl3pPr>
-      <a:lvl4pPr marL="8320236" indent="-1188605" algn="l" defTabSz="4754420" rtl="0" eaLnBrk="1" latinLnBrk="0" hangingPunct="1">
+      <a:lvl4pPr marL="7306033" indent="-1043719" algn="l" defTabSz="4174876" rtl="0" eaLnBrk="1" latinLnBrk="0" hangingPunct="1">
         <a:spcBef>
           <a:spcPct val="20000"/>
         </a:spcBef>
         <a:buFont typeface="Arial" pitchFamily="34" charset="0"/>
         <a:buChar char="–"/>
-        <a:defRPr sz="10400" kern="1200">
+        <a:defRPr sz="9100" kern="1200">
           <a:solidFill>
             <a:schemeClr val="tx1"/>
           </a:solidFill>
@@ -2872,13 +3279,13 @@
           <a:cs typeface="+mn-cs"/>
         </a:defRPr>
       </a:lvl4pPr>
-      <a:lvl5pPr marL="10697447" indent="-1188605" algn="l" defTabSz="4754420" rtl="0" eaLnBrk="1" latinLnBrk="0" hangingPunct="1">
+      <a:lvl5pPr marL="9393471" indent="-1043719" algn="l" defTabSz="4174876" rtl="0" eaLnBrk="1" latinLnBrk="0" hangingPunct="1">
         <a:spcBef>
           <a:spcPct val="20000"/>
         </a:spcBef>
         <a:buFont typeface="Arial" pitchFamily="34" charset="0"/>
         <a:buChar char="»"/>
-        <a:defRPr sz="10400" kern="1200">
+        <a:defRPr sz="9100" kern="1200">
           <a:solidFill>
             <a:schemeClr val="tx1"/>
           </a:solidFill>
@@ -2887,13 +3294,13 @@
           <a:cs typeface="+mn-cs"/>
         </a:defRPr>
       </a:lvl5pPr>
-      <a:lvl6pPr marL="13074657" indent="-1188605" algn="l" defTabSz="4754420" rtl="0" eaLnBrk="1" latinLnBrk="0" hangingPunct="1">
+      <a:lvl6pPr marL="11480909" indent="-1043719" algn="l" defTabSz="4174876" rtl="0" eaLnBrk="1" latinLnBrk="0" hangingPunct="1">
         <a:spcBef>
           <a:spcPct val="20000"/>
         </a:spcBef>
         <a:buFont typeface="Arial" pitchFamily="34" charset="0"/>
         <a:buChar char="•"/>
-        <a:defRPr sz="10400" kern="1200">
+        <a:defRPr sz="9100" kern="1200">
           <a:solidFill>
             <a:schemeClr val="tx1"/>
           </a:solidFill>
@@ -2902,13 +3309,13 @@
           <a:cs typeface="+mn-cs"/>
         </a:defRPr>
       </a:lvl6pPr>
-      <a:lvl7pPr marL="15451867" indent="-1188605" algn="l" defTabSz="4754420" rtl="0" eaLnBrk="1" latinLnBrk="0" hangingPunct="1">
+      <a:lvl7pPr marL="13568347" indent="-1043719" algn="l" defTabSz="4174876" rtl="0" eaLnBrk="1" latinLnBrk="0" hangingPunct="1">
         <a:spcBef>
           <a:spcPct val="20000"/>
         </a:spcBef>
         <a:buFont typeface="Arial" pitchFamily="34" charset="0"/>
         <a:buChar char="•"/>
-        <a:defRPr sz="10400" kern="1200">
+        <a:defRPr sz="9100" kern="1200">
           <a:solidFill>
             <a:schemeClr val="tx1"/>
           </a:solidFill>
@@ -2917,13 +3324,13 @@
           <a:cs typeface="+mn-cs"/>
         </a:defRPr>
       </a:lvl7pPr>
-      <a:lvl8pPr marL="17829077" indent="-1188605" algn="l" defTabSz="4754420" rtl="0" eaLnBrk="1" latinLnBrk="0" hangingPunct="1">
+      <a:lvl8pPr marL="15655785" indent="-1043719" algn="l" defTabSz="4174876" rtl="0" eaLnBrk="1" latinLnBrk="0" hangingPunct="1">
         <a:spcBef>
           <a:spcPct val="20000"/>
         </a:spcBef>
         <a:buFont typeface="Arial" pitchFamily="34" charset="0"/>
         <a:buChar char="•"/>
-        <a:defRPr sz="10400" kern="1200">
+        <a:defRPr sz="9100" kern="1200">
           <a:solidFill>
             <a:schemeClr val="tx1"/>
           </a:solidFill>
@@ -2932,13 +3339,13 @@
           <a:cs typeface="+mn-cs"/>
         </a:defRPr>
       </a:lvl8pPr>
-      <a:lvl9pPr marL="20206287" indent="-1188605" algn="l" defTabSz="4754420" rtl="0" eaLnBrk="1" latinLnBrk="0" hangingPunct="1">
+      <a:lvl9pPr marL="17743223" indent="-1043719" algn="l" defTabSz="4174876" rtl="0" eaLnBrk="1" latinLnBrk="0" hangingPunct="1">
         <a:spcBef>
           <a:spcPct val="20000"/>
         </a:spcBef>
         <a:buFont typeface="Arial" pitchFamily="34" charset="0"/>
         <a:buChar char="•"/>
-        <a:defRPr sz="10400" kern="1200">
+        <a:defRPr sz="9100" kern="1200">
           <a:solidFill>
             <a:schemeClr val="tx1"/>
           </a:solidFill>
@@ -2952,8 +3359,8 @@
       <a:defPPr>
         <a:defRPr lang="en-US"/>
       </a:defPPr>
-      <a:lvl1pPr marL="0" algn="l" defTabSz="4754420" rtl="0" eaLnBrk="1" latinLnBrk="0" hangingPunct="1">
-        <a:defRPr sz="9400" kern="1200">
+      <a:lvl1pPr marL="0" algn="l" defTabSz="4174876" rtl="0" eaLnBrk="1" latinLnBrk="0" hangingPunct="1">
+        <a:defRPr sz="8200" kern="1200">
           <a:solidFill>
             <a:schemeClr val="tx1"/>
           </a:solidFill>
@@ -2962,8 +3369,8 @@
           <a:cs typeface="+mn-cs"/>
         </a:defRPr>
       </a:lvl1pPr>
-      <a:lvl2pPr marL="2377210" algn="l" defTabSz="4754420" rtl="0" eaLnBrk="1" latinLnBrk="0" hangingPunct="1">
-        <a:defRPr sz="9400" kern="1200">
+      <a:lvl2pPr marL="2087438" algn="l" defTabSz="4174876" rtl="0" eaLnBrk="1" latinLnBrk="0" hangingPunct="1">
+        <a:defRPr sz="8200" kern="1200">
           <a:solidFill>
             <a:schemeClr val="tx1"/>
           </a:solidFill>
@@ -2972,8 +3379,8 @@
           <a:cs typeface="+mn-cs"/>
         </a:defRPr>
       </a:lvl2pPr>
-      <a:lvl3pPr marL="4754420" algn="l" defTabSz="4754420" rtl="0" eaLnBrk="1" latinLnBrk="0" hangingPunct="1">
-        <a:defRPr sz="9400" kern="1200">
+      <a:lvl3pPr marL="4174876" algn="l" defTabSz="4174876" rtl="0" eaLnBrk="1" latinLnBrk="0" hangingPunct="1">
+        <a:defRPr sz="8200" kern="1200">
           <a:solidFill>
             <a:schemeClr val="tx1"/>
           </a:solidFill>
@@ -2982,8 +3389,8 @@
           <a:cs typeface="+mn-cs"/>
         </a:defRPr>
       </a:lvl3pPr>
-      <a:lvl4pPr marL="7131630" algn="l" defTabSz="4754420" rtl="0" eaLnBrk="1" latinLnBrk="0" hangingPunct="1">
-        <a:defRPr sz="9400" kern="1200">
+      <a:lvl4pPr marL="6262314" algn="l" defTabSz="4174876" rtl="0" eaLnBrk="1" latinLnBrk="0" hangingPunct="1">
+        <a:defRPr sz="8200" kern="1200">
           <a:solidFill>
             <a:schemeClr val="tx1"/>
           </a:solidFill>
@@ -2992,8 +3399,8 @@
           <a:cs typeface="+mn-cs"/>
         </a:defRPr>
       </a:lvl4pPr>
-      <a:lvl5pPr marL="9508842" algn="l" defTabSz="4754420" rtl="0" eaLnBrk="1" latinLnBrk="0" hangingPunct="1">
-        <a:defRPr sz="9400" kern="1200">
+      <a:lvl5pPr marL="8349752" algn="l" defTabSz="4174876" rtl="0" eaLnBrk="1" latinLnBrk="0" hangingPunct="1">
+        <a:defRPr sz="8200" kern="1200">
           <a:solidFill>
             <a:schemeClr val="tx1"/>
           </a:solidFill>
@@ -3002,8 +3409,8 @@
           <a:cs typeface="+mn-cs"/>
         </a:defRPr>
       </a:lvl5pPr>
-      <a:lvl6pPr marL="11886052" algn="l" defTabSz="4754420" rtl="0" eaLnBrk="1" latinLnBrk="0" hangingPunct="1">
-        <a:defRPr sz="9400" kern="1200">
+      <a:lvl6pPr marL="10437190" algn="l" defTabSz="4174876" rtl="0" eaLnBrk="1" latinLnBrk="0" hangingPunct="1">
+        <a:defRPr sz="8200" kern="1200">
           <a:solidFill>
             <a:schemeClr val="tx1"/>
           </a:solidFill>
@@ -3012,8 +3419,8 @@
           <a:cs typeface="+mn-cs"/>
         </a:defRPr>
       </a:lvl6pPr>
-      <a:lvl7pPr marL="14263262" algn="l" defTabSz="4754420" rtl="0" eaLnBrk="1" latinLnBrk="0" hangingPunct="1">
-        <a:defRPr sz="9400" kern="1200">
+      <a:lvl7pPr marL="12524628" algn="l" defTabSz="4174876" rtl="0" eaLnBrk="1" latinLnBrk="0" hangingPunct="1">
+        <a:defRPr sz="8200" kern="1200">
           <a:solidFill>
             <a:schemeClr val="tx1"/>
           </a:solidFill>
@@ -3022,8 +3429,8 @@
           <a:cs typeface="+mn-cs"/>
         </a:defRPr>
       </a:lvl7pPr>
-      <a:lvl8pPr marL="16640472" algn="l" defTabSz="4754420" rtl="0" eaLnBrk="1" latinLnBrk="0" hangingPunct="1">
-        <a:defRPr sz="9400" kern="1200">
+      <a:lvl8pPr marL="14612066" algn="l" defTabSz="4174876" rtl="0" eaLnBrk="1" latinLnBrk="0" hangingPunct="1">
+        <a:defRPr sz="8200" kern="1200">
           <a:solidFill>
             <a:schemeClr val="tx1"/>
           </a:solidFill>
@@ -3032,8 +3439,8 @@
           <a:cs typeface="+mn-cs"/>
         </a:defRPr>
       </a:lvl8pPr>
-      <a:lvl9pPr marL="19017682" algn="l" defTabSz="4754420" rtl="0" eaLnBrk="1" latinLnBrk="0" hangingPunct="1">
-        <a:defRPr sz="9400" kern="1200">
+      <a:lvl9pPr marL="16699504" algn="l" defTabSz="4174876" rtl="0" eaLnBrk="1" latinLnBrk="0" hangingPunct="1">
+        <a:defRPr sz="8200" kern="1200">
           <a:solidFill>
             <a:schemeClr val="tx1"/>
           </a:solidFill>
@@ -3050,6 +3457,20 @@
 <file path=ppt/slides/slide1.xml><?xml version="1.0" encoding="utf-8"?>
 <p:sld xmlns:a="http://schemas.openxmlformats.org/drawingml/2006/main" xmlns:r="http://schemas.openxmlformats.org/officeDocument/2006/relationships" xmlns:p="http://schemas.openxmlformats.org/presentationml/2006/main">
   <p:cSld>
+    <p:bg>
+      <p:bgPr>
+        <a:blipFill dpi="0" rotWithShape="1">
+          <a:blip r:embed="rId3" cstate="print">
+            <a:lum/>
+          </a:blip>
+          <a:srcRect/>
+          <a:stretch>
+            <a:fillRect l="-1000" r="-1000" b="7000"/>
+          </a:stretch>
+        </a:blipFill>
+        <a:effectLst/>
+      </p:bgPr>
+    </p:bg>
     <p:spTree>
       <p:nvGrpSpPr>
         <p:cNvPr id="1" name=""/>
@@ -3066,14 +3487,14 @@
       </p:grpSpPr>
       <p:pic>
         <p:nvPicPr>
-          <p:cNvPr id="1027" name="Picture 3"/>
+          <p:cNvPr id="36" name="Picture 4"/>
           <p:cNvPicPr>
             <a:picLocks noChangeAspect="1" noChangeArrowheads="1"/>
           </p:cNvPicPr>
           <p:nvPr/>
         </p:nvPicPr>
         <p:blipFill>
-          <a:blip r:embed="rId2" cstate="print"/>
+          <a:blip r:embed="rId4" cstate="print"/>
           <a:srcRect/>
           <a:stretch>
             <a:fillRect/>
@@ -3081,30 +3502,703 @@
         </p:blipFill>
         <p:spPr bwMode="auto">
           <a:xfrm>
-            <a:off x="0" y="0"/>
-            <a:ext cx="32397700" cy="42144950"/>
+            <a:off x="15209837" y="23987919"/>
+            <a:ext cx="13944600" cy="13944600"/>
+          </a:xfrm>
+          <a:prstGeom prst="ellipse">
+            <a:avLst/>
+          </a:prstGeom>
+          <a:ln>
+            <a:noFill/>
+          </a:ln>
+          <a:effectLst>
+            <a:softEdge rad="112500"/>
+          </a:effectLst>
+        </p:spPr>
+      </p:pic>
+      <p:sp>
+        <p:nvSpPr>
+          <p:cNvPr id="35" name="Rectangle 34"/>
+          <p:cNvSpPr/>
+          <p:nvPr/>
+        </p:nvSpPr>
+        <p:spPr>
+          <a:xfrm>
+            <a:off x="2408237" y="20787519"/>
+            <a:ext cx="12115800" cy="9372600"/>
+          </a:xfrm>
+          <a:prstGeom prst="rect">
+            <a:avLst/>
+          </a:prstGeom>
+          <a:solidFill>
+            <a:schemeClr val="accent1">
+              <a:lumMod val="20000"/>
+              <a:lumOff val="80000"/>
+              <a:alpha val="43000"/>
+            </a:schemeClr>
+          </a:solidFill>
+          <a:ln>
+            <a:solidFill>
+              <a:schemeClr val="accent1">
+                <a:lumMod val="60000"/>
+                <a:lumOff val="40000"/>
+              </a:schemeClr>
+            </a:solidFill>
+          </a:ln>
+        </p:spPr>
+        <p:style>
+          <a:lnRef idx="2">
+            <a:schemeClr val="accent1">
+              <a:shade val="50000"/>
+            </a:schemeClr>
+          </a:lnRef>
+          <a:fillRef idx="1">
+            <a:schemeClr val="accent1"/>
+          </a:fillRef>
+          <a:effectRef idx="0">
+            <a:schemeClr val="accent1"/>
+          </a:effectRef>
+          <a:fontRef idx="minor">
+            <a:schemeClr val="lt1"/>
+          </a:fontRef>
+        </p:style>
+        <p:txBody>
+          <a:bodyPr rtlCol="0" anchor="ctr"/>
+          <a:lstStyle/>
+          <a:p>
+            <a:pPr algn="ctr"/>
+            <a:endParaRPr lang="en-US"/>
+          </a:p>
+        </p:txBody>
+      </p:sp>
+      <p:sp>
+        <p:nvSpPr>
+          <p:cNvPr id="28" name="Rectangle 27"/>
+          <p:cNvSpPr/>
+          <p:nvPr/>
+        </p:nvSpPr>
+        <p:spPr>
+          <a:xfrm rot="751615">
+            <a:off x="3650811" y="1554081"/>
+            <a:ext cx="8356221" cy="15694624"/>
+          </a:xfrm>
+          <a:prstGeom prst="rect">
+            <a:avLst/>
+          </a:prstGeom>
+          <a:solidFill>
+            <a:schemeClr val="accent1">
+              <a:alpha val="10000"/>
+            </a:schemeClr>
+          </a:solidFill>
+          <a:ln>
+            <a:prstDash val="sysDash"/>
+          </a:ln>
+        </p:spPr>
+        <p:style>
+          <a:lnRef idx="2">
+            <a:schemeClr val="accent1">
+              <a:shade val="50000"/>
+            </a:schemeClr>
+          </a:lnRef>
+          <a:fillRef idx="1">
+            <a:schemeClr val="accent1"/>
+          </a:fillRef>
+          <a:effectRef idx="0">
+            <a:schemeClr val="accent1"/>
+          </a:effectRef>
+          <a:fontRef idx="minor">
+            <a:schemeClr val="lt1"/>
+          </a:fontRef>
+        </p:style>
+        <p:txBody>
+          <a:bodyPr rtlCol="0" anchor="ctr"/>
+          <a:lstStyle/>
+          <a:p>
+            <a:pPr algn="ctr"/>
+            <a:endParaRPr lang="en-US"/>
+          </a:p>
+        </p:txBody>
+      </p:sp>
+      <p:sp>
+        <p:nvSpPr>
+          <p:cNvPr id="27" name="Oval 26"/>
+          <p:cNvSpPr/>
+          <p:nvPr/>
+        </p:nvSpPr>
+        <p:spPr>
+          <a:xfrm>
+            <a:off x="3398837" y="9140467"/>
+            <a:ext cx="7924800" cy="5334000"/>
+          </a:xfrm>
+          <a:prstGeom prst="ellipse">
+            <a:avLst/>
+          </a:prstGeom>
+          <a:solidFill>
+            <a:schemeClr val="accent2">
+              <a:lumMod val="20000"/>
+              <a:lumOff val="80000"/>
+            </a:schemeClr>
+          </a:solidFill>
+        </p:spPr>
+        <p:style>
+          <a:lnRef idx="2">
+            <a:schemeClr val="accent1">
+              <a:shade val="50000"/>
+            </a:schemeClr>
+          </a:lnRef>
+          <a:fillRef idx="1">
+            <a:schemeClr val="accent1"/>
+          </a:fillRef>
+          <a:effectRef idx="0">
+            <a:schemeClr val="accent1"/>
+          </a:effectRef>
+          <a:fontRef idx="minor">
+            <a:schemeClr val="lt1"/>
+          </a:fontRef>
+        </p:style>
+        <p:txBody>
+          <a:bodyPr rtlCol="0" anchor="ctr"/>
+          <a:lstStyle/>
+          <a:p>
+            <a:pPr algn="ctr"/>
+            <a:endParaRPr lang="en-US"/>
+          </a:p>
+        </p:txBody>
+      </p:sp>
+      <p:sp>
+        <p:nvSpPr>
+          <p:cNvPr id="26" name="Oval 25"/>
+          <p:cNvSpPr/>
+          <p:nvPr/>
+        </p:nvSpPr>
+        <p:spPr>
+          <a:xfrm>
+            <a:off x="5532437" y="2892067"/>
+            <a:ext cx="6781800" cy="4495800"/>
+          </a:xfrm>
+          <a:prstGeom prst="ellipse">
+            <a:avLst/>
+          </a:prstGeom>
+        </p:spPr>
+        <p:style>
+          <a:lnRef idx="2">
+            <a:schemeClr val="accent3">
+              <a:shade val="50000"/>
+            </a:schemeClr>
+          </a:lnRef>
+          <a:fillRef idx="1">
+            <a:schemeClr val="accent3"/>
+          </a:fillRef>
+          <a:effectRef idx="0">
+            <a:schemeClr val="accent3"/>
+          </a:effectRef>
+          <a:fontRef idx="minor">
+            <a:schemeClr val="lt1"/>
+          </a:fontRef>
+        </p:style>
+        <p:txBody>
+          <a:bodyPr rtlCol="0" anchor="ctr"/>
+          <a:lstStyle/>
+          <a:p>
+            <a:pPr algn="ctr"/>
+            <a:endParaRPr lang="en-US" dirty="0"/>
+          </a:p>
+        </p:txBody>
+      </p:sp>
+      <p:sp>
+        <p:nvSpPr>
+          <p:cNvPr id="4" name="Rectangle 3"/>
+          <p:cNvSpPr/>
+          <p:nvPr/>
+        </p:nvSpPr>
+        <p:spPr>
+          <a:xfrm>
+            <a:off x="0" y="39151718"/>
+            <a:ext cx="30267275" cy="3642519"/>
+          </a:xfrm>
+          <a:prstGeom prst="rect">
+            <a:avLst/>
+          </a:prstGeom>
+        </p:spPr>
+        <p:style>
+          <a:lnRef idx="2">
+            <a:schemeClr val="accent1">
+              <a:shade val="50000"/>
+            </a:schemeClr>
+          </a:lnRef>
+          <a:fillRef idx="1">
+            <a:schemeClr val="accent1"/>
+          </a:fillRef>
+          <a:effectRef idx="0">
+            <a:schemeClr val="accent1"/>
+          </a:effectRef>
+          <a:fontRef idx="minor">
+            <a:schemeClr val="lt1"/>
+          </a:fontRef>
+        </p:style>
+        <p:txBody>
+          <a:bodyPr rtlCol="0" anchor="ctr"/>
+          <a:lstStyle/>
+          <a:p>
+            <a:pPr algn="ctr"/>
+            <a:endParaRPr lang="en-US" dirty="0"/>
+          </a:p>
+        </p:txBody>
+      </p:sp>
+      <p:pic>
+        <p:nvPicPr>
+          <p:cNvPr id="5" name="Picture 4" descr="23  uni_logo.tif"/>
+          <p:cNvPicPr>
+            <a:picLocks noChangeAspect="1"/>
+          </p:cNvPicPr>
+          <p:nvPr/>
+        </p:nvPicPr>
+        <p:blipFill>
+          <a:blip r:embed="rId5" cstate="print"/>
+          <a:stretch>
+            <a:fillRect/>
+          </a:stretch>
+        </p:blipFill>
+        <p:spPr>
+          <a:xfrm>
+            <a:off x="18869697" y="39532719"/>
+            <a:ext cx="7236740" cy="1143000"/>
+          </a:xfrm>
+          <a:prstGeom prst="rect">
+            <a:avLst/>
+          </a:prstGeom>
+        </p:spPr>
+      </p:pic>
+      <p:pic>
+        <p:nvPicPr>
+          <p:cNvPr id="6" name="Picture 6" descr="http://www.bitili.com/pharmer/img/ali.png"/>
+          <p:cNvPicPr>
+            <a:picLocks noChangeAspect="1" noChangeArrowheads="1"/>
+          </p:cNvPicPr>
+          <p:nvPr/>
+        </p:nvPicPr>
+        <p:blipFill>
+          <a:blip r:embed="rId6" cstate="print"/>
+          <a:srcRect/>
+          <a:stretch>
+            <a:fillRect/>
+          </a:stretch>
+        </p:blipFill>
+        <p:spPr bwMode="auto">
+          <a:xfrm>
+            <a:off x="1036637" y="39532719"/>
+            <a:ext cx="1600200" cy="1600200"/>
           </a:xfrm>
           <a:prstGeom prst="rect">
             <a:avLst/>
           </a:prstGeom>
           <a:noFill/>
-          <a:ln w="9525">
+        </p:spPr>
+      </p:pic>
+      <p:pic>
+        <p:nvPicPr>
+          <p:cNvPr id="7" name="Picture 8" descr="http://www.bitili.com/pharmer/img/bita.png"/>
+          <p:cNvPicPr>
+            <a:picLocks noChangeAspect="1" noChangeArrowheads="1"/>
+          </p:cNvPicPr>
+          <p:nvPr/>
+        </p:nvPicPr>
+        <p:blipFill>
+          <a:blip r:embed="rId7" cstate="print"/>
+          <a:srcRect/>
+          <a:stretch>
+            <a:fillRect/>
+          </a:stretch>
+        </p:blipFill>
+        <p:spPr bwMode="auto">
+          <a:xfrm>
+            <a:off x="9190037" y="39532719"/>
+            <a:ext cx="1828800" cy="1828800"/>
+          </a:xfrm>
+          <a:prstGeom prst="rect">
+            <a:avLst/>
+          </a:prstGeom>
+          <a:noFill/>
+        </p:spPr>
+      </p:pic>
+      <p:sp>
+        <p:nvSpPr>
+          <p:cNvPr id="8" name="TextBox 7"/>
+          <p:cNvSpPr txBox="1"/>
+          <p:nvPr/>
+        </p:nvSpPr>
+        <p:spPr>
+          <a:xfrm>
+            <a:off x="2636837" y="39685119"/>
+            <a:ext cx="5240602" cy="2092881"/>
+          </a:xfrm>
+          <a:prstGeom prst="rect">
+            <a:avLst/>
+          </a:prstGeom>
+          <a:noFill/>
+        </p:spPr>
+        <p:txBody>
+          <a:bodyPr wrap="none" rtlCol="0">
+            <a:spAutoFit/>
+          </a:bodyPr>
+          <a:lstStyle/>
+          <a:p>
+            <a:r>
+              <a:rPr lang="en-US" sz="4000" b="1" dirty="0" smtClean="0"/>
+              <a:t>Ali Khalili</a:t>
+            </a:r>
+          </a:p>
+          <a:p>
+            <a:r>
+              <a:rPr lang="en-US" sz="3000" dirty="0" smtClean="0"/>
+              <a:t>AKSW Research group</a:t>
+            </a:r>
+          </a:p>
+          <a:p>
+            <a:r>
+              <a:rPr lang="en-US" sz="3000" dirty="0" smtClean="0"/>
+              <a:t>Institute of Informatics</a:t>
+            </a:r>
+          </a:p>
+          <a:p>
+            <a:r>
+              <a:rPr lang="en-US" sz="3000" dirty="0" smtClean="0">
+                <a:solidFill>
+                  <a:schemeClr val="bg1">
+                    <a:lumMod val="95000"/>
+                  </a:schemeClr>
+                </a:solidFill>
+              </a:rPr>
+              <a:t>khalili@informatik.uni-leipzig.de</a:t>
+            </a:r>
+            <a:endParaRPr lang="en-US" sz="3000" dirty="0">
+              <a:solidFill>
+                <a:schemeClr val="bg1">
+                  <a:lumMod val="95000"/>
+                </a:schemeClr>
+              </a:solidFill>
+            </a:endParaRPr>
+          </a:p>
+        </p:txBody>
+      </p:sp>
+      <p:sp>
+        <p:nvSpPr>
+          <p:cNvPr id="9" name="TextBox 8"/>
+          <p:cNvSpPr txBox="1"/>
+          <p:nvPr/>
+        </p:nvSpPr>
+        <p:spPr>
+          <a:xfrm>
+            <a:off x="10942636" y="39608919"/>
+            <a:ext cx="7008778" cy="2554545"/>
+          </a:xfrm>
+          <a:prstGeom prst="rect">
+            <a:avLst/>
+          </a:prstGeom>
+          <a:noFill/>
+        </p:spPr>
+        <p:txBody>
+          <a:bodyPr wrap="none" rtlCol="0">
+            <a:spAutoFit/>
+          </a:bodyPr>
+          <a:lstStyle/>
+          <a:p>
+            <a:r>
+              <a:rPr lang="en-US" sz="4000" b="1" dirty="0" smtClean="0"/>
+              <a:t>Bita Sedaghati</a:t>
+            </a:r>
+          </a:p>
+          <a:p>
+            <a:r>
+              <a:rPr lang="en-US" sz="3000" dirty="0" smtClean="0"/>
+              <a:t>Pharmaceutical Technology Research Group</a:t>
+            </a:r>
+          </a:p>
+          <a:p>
+            <a:r>
+              <a:rPr lang="en-US" sz="3000" dirty="0" smtClean="0"/>
+              <a:t>Institute of Pharmacy</a:t>
+            </a:r>
+          </a:p>
+          <a:p>
+            <a:r>
+              <a:rPr lang="en-US" sz="3000" dirty="0" smtClean="0">
+                <a:solidFill>
+                  <a:schemeClr val="bg1">
+                    <a:lumMod val="95000"/>
+                  </a:schemeClr>
+                </a:solidFill>
+              </a:rPr>
+              <a:t>bita.sedaghati@uni-leipzig.de</a:t>
+            </a:r>
+            <a:endParaRPr lang="en-US" sz="3200" dirty="0" smtClean="0"/>
+          </a:p>
+          <a:p>
+            <a:endParaRPr lang="en-US" sz="3000" dirty="0">
+              <a:solidFill>
+                <a:schemeClr val="bg1">
+                  <a:lumMod val="95000"/>
+                </a:schemeClr>
+              </a:solidFill>
+            </a:endParaRPr>
+          </a:p>
+        </p:txBody>
+      </p:sp>
+      <p:pic>
+        <p:nvPicPr>
+          <p:cNvPr id="10" name="Picture 10" descr="QRCode"/>
+          <p:cNvPicPr>
+            <a:picLocks noChangeAspect="1" noChangeArrowheads="1"/>
+          </p:cNvPicPr>
+          <p:nvPr/>
+        </p:nvPicPr>
+        <p:blipFill>
+          <a:blip r:embed="rId8" cstate="print"/>
+          <a:srcRect/>
+          <a:stretch>
+            <a:fillRect/>
+          </a:stretch>
+        </p:blipFill>
+        <p:spPr bwMode="auto">
+          <a:xfrm>
+            <a:off x="26563637" y="39456519"/>
+            <a:ext cx="3124200" cy="3124200"/>
+          </a:xfrm>
+          <a:prstGeom prst="rect">
+            <a:avLst/>
+          </a:prstGeom>
+          <a:ln w="38100" cap="sq">
+            <a:solidFill>
+              <a:srgbClr val="000000"/>
+            </a:solidFill>
+            <a:prstDash val="solid"/>
+            <a:miter lim="800000"/>
+          </a:ln>
+          <a:effectLst>
+            <a:outerShdw blurRad="50800" dist="38100" dir="2700000" algn="tl" rotWithShape="0">
+              <a:srgbClr val="000000">
+                <a:alpha val="43000"/>
+              </a:srgbClr>
+            </a:outerShdw>
+          </a:effectLst>
+        </p:spPr>
+      </p:pic>
+      <p:pic>
+        <p:nvPicPr>
+          <p:cNvPr id="11" name="Picture 10" descr="AKSW_Logo_rgb.jpg"/>
+          <p:cNvPicPr>
+            <a:picLocks noChangeAspect="1"/>
+          </p:cNvPicPr>
+          <p:nvPr/>
+        </p:nvPicPr>
+        <p:blipFill>
+          <a:blip r:embed="rId9" cstate="print"/>
+          <a:srcRect b="35570"/>
+          <a:stretch>
+            <a:fillRect/>
+          </a:stretch>
+        </p:blipFill>
+        <p:spPr>
+          <a:xfrm>
+            <a:off x="20366503" y="40828119"/>
+            <a:ext cx="4343400" cy="1219200"/>
+          </a:xfrm>
+          <a:prstGeom prst="rect">
+            <a:avLst/>
+          </a:prstGeom>
+          <a:ln>
             <a:noFill/>
-            <a:miter lim="800000"/>
-            <a:headEnd/>
-            <a:tailEnd/>
           </a:ln>
+          <a:effectLst>
+            <a:softEdge rad="112500"/>
+          </a:effectLst>
         </p:spPr>
       </p:pic>
       <p:sp>
         <p:nvSpPr>
-          <p:cNvPr id="5" name="Rectangle 4"/>
+          <p:cNvPr id="12" name="Rectangle 11"/>
           <p:cNvSpPr/>
           <p:nvPr/>
         </p:nvSpPr>
         <p:spPr>
+          <a:xfrm>
+            <a:off x="20239037" y="42025233"/>
+            <a:ext cx="4775666" cy="707886"/>
+          </a:xfrm>
+          <a:prstGeom prst="rect">
+            <a:avLst/>
+          </a:prstGeom>
+        </p:spPr>
+        <p:txBody>
+          <a:bodyPr wrap="none">
+            <a:spAutoFit/>
+          </a:bodyPr>
+          <a:lstStyle/>
+          <a:p>
+            <a:r>
+              <a:rPr lang="en-US" sz="4000" dirty="0" smtClean="0">
+                <a:ln w="18415" cmpd="sng">
+                  <a:solidFill>
+                    <a:srgbClr val="FFFFFF"/>
+                  </a:solidFill>
+                  <a:prstDash val="solid"/>
+                </a:ln>
+                <a:solidFill>
+                  <a:srgbClr val="FFFFFF"/>
+                </a:solidFill>
+                <a:effectLst>
+                  <a:outerShdw blurRad="63500" dir="3600000" algn="tl" rotWithShape="0">
+                    <a:srgbClr val="000000">
+                      <a:alpha val="70000"/>
+                    </a:srgbClr>
+                  </a:outerShdw>
+                </a:effectLst>
+                <a:latin typeface="Arial Unicode MS" pitchFamily="34" charset="-128"/>
+                <a:ea typeface="Arial Unicode MS" pitchFamily="34" charset="-128"/>
+                <a:cs typeface="Arial Unicode MS" pitchFamily="34" charset="-128"/>
+              </a:rPr>
+              <a:t>http://www.aksw.org</a:t>
+            </a:r>
+            <a:endParaRPr lang="en-US" sz="4000" dirty="0">
+              <a:ln w="18415" cmpd="sng">
+                <a:solidFill>
+                  <a:srgbClr val="FFFFFF"/>
+                </a:solidFill>
+                <a:prstDash val="solid"/>
+              </a:ln>
+              <a:solidFill>
+                <a:srgbClr val="FFFFFF"/>
+              </a:solidFill>
+              <a:effectLst>
+                <a:outerShdw blurRad="63500" dir="3600000" algn="tl" rotWithShape="0">
+                  <a:srgbClr val="000000">
+                    <a:alpha val="70000"/>
+                  </a:srgbClr>
+                </a:outerShdw>
+              </a:effectLst>
+              <a:latin typeface="Arial Unicode MS" pitchFamily="34" charset="-128"/>
+              <a:ea typeface="Arial Unicode MS" pitchFamily="34" charset="-128"/>
+              <a:cs typeface="Arial Unicode MS" pitchFamily="34" charset="-128"/>
+            </a:endParaRPr>
+          </a:p>
+        </p:txBody>
+      </p:sp>
+      <p:sp>
+        <p:nvSpPr>
+          <p:cNvPr id="14" name="Rectangle 13"/>
+          <p:cNvSpPr/>
+          <p:nvPr/>
+        </p:nvSpPr>
+        <p:spPr>
+          <a:xfrm>
+            <a:off x="5303837" y="42047319"/>
+            <a:ext cx="8480424" cy="646331"/>
+          </a:xfrm>
+          <a:prstGeom prst="rect">
+            <a:avLst/>
+          </a:prstGeom>
+        </p:spPr>
+        <p:txBody>
+          <a:bodyPr wrap="square">
+            <a:spAutoFit/>
+          </a:bodyPr>
+          <a:lstStyle/>
+          <a:p>
+            <a:pPr algn="ctr"/>
+            <a:r>
+              <a:rPr lang="en-US" sz="3600" dirty="0" smtClean="0">
+                <a:solidFill>
+                  <a:schemeClr val="accent6">
+                    <a:lumMod val="60000"/>
+                    <a:lumOff val="40000"/>
+                  </a:schemeClr>
+                </a:solidFill>
+                <a:effectLst>
+                  <a:outerShdw blurRad="50800" dist="38100" dir="5400000" algn="t" rotWithShape="0">
+                    <a:prstClr val="black">
+                      <a:alpha val="40000"/>
+                    </a:prstClr>
+                  </a:outerShdw>
+                </a:effectLst>
+                <a:latin typeface="Arial Narrow" pitchFamily="34" charset="0"/>
+                <a:cs typeface="Arial" pitchFamily="34" charset="0"/>
+                <a:sym typeface="Wingdings"/>
+              </a:rPr>
+              <a:t></a:t>
+            </a:r>
+            <a:r>
+              <a:rPr lang="en-US" sz="3600" dirty="0" smtClean="0">
+                <a:solidFill>
+                  <a:schemeClr val="accent6">
+                    <a:lumMod val="60000"/>
+                    <a:lumOff val="40000"/>
+                  </a:schemeClr>
+                </a:solidFill>
+                <a:effectLst>
+                  <a:outerShdw blurRad="50800" dist="38100" dir="5400000" algn="t" rotWithShape="0">
+                    <a:prstClr val="black">
+                      <a:alpha val="40000"/>
+                    </a:prstClr>
+                  </a:outerShdw>
+                </a:effectLst>
+                <a:latin typeface="Arial Narrow" pitchFamily="34" charset="0"/>
+                <a:cs typeface="Arial" pitchFamily="34" charset="0"/>
+              </a:rPr>
+              <a:t>Printed by Universitätsrechenzentrum Leipzig</a:t>
+            </a:r>
+            <a:endParaRPr lang="en-US" sz="3600" dirty="0">
+              <a:solidFill>
+                <a:schemeClr val="accent6">
+                  <a:lumMod val="60000"/>
+                  <a:lumOff val="40000"/>
+                </a:schemeClr>
+              </a:solidFill>
+              <a:effectLst>
+                <a:outerShdw blurRad="50800" dist="38100" dir="5400000" algn="t" rotWithShape="0">
+                  <a:prstClr val="black">
+                    <a:alpha val="40000"/>
+                  </a:prstClr>
+                </a:outerShdw>
+              </a:effectLst>
+              <a:latin typeface="Arial Narrow" pitchFamily="34" charset="0"/>
+              <a:cs typeface="Arial" pitchFamily="34" charset="0"/>
+            </a:endParaRPr>
+          </a:p>
+        </p:txBody>
+      </p:sp>
+      <p:pic>
+        <p:nvPicPr>
+          <p:cNvPr id="16" name="Picture 15" descr="new logo.png"/>
+          <p:cNvPicPr>
+            <a:picLocks noChangeAspect="1"/>
+          </p:cNvPicPr>
+          <p:nvPr/>
+        </p:nvPicPr>
+        <p:blipFill>
+          <a:blip r:embed="rId10" cstate="print"/>
+          <a:stretch>
+            <a:fillRect/>
+          </a:stretch>
+        </p:blipFill>
+        <p:spPr>
+          <a:xfrm>
+            <a:off x="21763037" y="5014119"/>
+            <a:ext cx="2223983" cy="3149206"/>
+          </a:xfrm>
+          <a:prstGeom prst="rect">
+            <a:avLst/>
+          </a:prstGeom>
+        </p:spPr>
+      </p:pic>
+      <p:sp>
+        <p:nvSpPr>
+          <p:cNvPr id="17" name="Rectangle 16"/>
+          <p:cNvSpPr/>
+          <p:nvPr/>
+        </p:nvSpPr>
+        <p:spPr>
           <a:xfrm rot="2613103">
-            <a:off x="23154802" y="3376519"/>
+            <a:off x="21934316" y="3161662"/>
             <a:ext cx="8472191" cy="2554545"/>
           </a:xfrm>
           <a:prstGeom prst="rect">
@@ -3178,421 +4272,14 @@
       </p:sp>
       <p:pic>
         <p:nvPicPr>
-          <p:cNvPr id="7" name="Picture 6" descr="new logo.png"/>
-          <p:cNvPicPr>
-            <a:picLocks noChangeAspect="1"/>
-          </p:cNvPicPr>
-          <p:nvPr/>
-        </p:nvPicPr>
-        <p:blipFill>
-          <a:blip r:embed="rId3" cstate="print"/>
-          <a:stretch>
-            <a:fillRect/>
-          </a:stretch>
-        </p:blipFill>
-        <p:spPr>
-          <a:xfrm>
-            <a:off x="23347467" y="5315344"/>
-            <a:ext cx="2223983" cy="3149206"/>
-          </a:xfrm>
-          <a:prstGeom prst="rect">
-            <a:avLst/>
-          </a:prstGeom>
-        </p:spPr>
-      </p:pic>
-      <p:sp>
-        <p:nvSpPr>
-          <p:cNvPr id="8" name="Oval 7"/>
-          <p:cNvSpPr/>
-          <p:nvPr/>
-        </p:nvSpPr>
-        <p:spPr>
-          <a:xfrm>
-            <a:off x="5835650" y="4578350"/>
-            <a:ext cx="6781800" cy="4495800"/>
-          </a:xfrm>
-          <a:prstGeom prst="ellipse">
-            <a:avLst/>
-          </a:prstGeom>
-        </p:spPr>
-        <p:style>
-          <a:lnRef idx="2">
-            <a:schemeClr val="accent3">
-              <a:shade val="50000"/>
-            </a:schemeClr>
-          </a:lnRef>
-          <a:fillRef idx="1">
-            <a:schemeClr val="accent3"/>
-          </a:fillRef>
-          <a:effectRef idx="0">
-            <a:schemeClr val="accent3"/>
-          </a:effectRef>
-          <a:fontRef idx="minor">
-            <a:schemeClr val="lt1"/>
-          </a:fontRef>
-        </p:style>
-        <p:txBody>
-          <a:bodyPr rtlCol="0" anchor="ctr"/>
-          <a:lstStyle/>
-          <a:p>
-            <a:pPr algn="ctr"/>
-            <a:endParaRPr lang="en-US" dirty="0"/>
-          </a:p>
-        </p:txBody>
-      </p:sp>
-      <p:sp>
-        <p:nvSpPr>
-          <p:cNvPr id="9" name="Oval 8"/>
-          <p:cNvSpPr/>
-          <p:nvPr/>
-        </p:nvSpPr>
-        <p:spPr>
-          <a:xfrm>
-            <a:off x="16046450" y="12807950"/>
-            <a:ext cx="15011400" cy="11734800"/>
-          </a:xfrm>
-          <a:prstGeom prst="ellipse">
-            <a:avLst/>
-          </a:prstGeom>
-          <a:solidFill>
-            <a:schemeClr val="accent5">
-              <a:alpha val="45000"/>
-            </a:schemeClr>
-          </a:solidFill>
-        </p:spPr>
-        <p:style>
-          <a:lnRef idx="2">
-            <a:schemeClr val="accent5">
-              <a:shade val="50000"/>
-            </a:schemeClr>
-          </a:lnRef>
-          <a:fillRef idx="1">
-            <a:schemeClr val="accent5"/>
-          </a:fillRef>
-          <a:effectRef idx="0">
-            <a:schemeClr val="accent5"/>
-          </a:effectRef>
-          <a:fontRef idx="minor">
-            <a:schemeClr val="lt1"/>
-          </a:fontRef>
-        </p:style>
-        <p:txBody>
-          <a:bodyPr rtlCol="0" anchor="ctr"/>
-          <a:lstStyle/>
-          <a:p>
-            <a:pPr algn="just"/>
-            <a:r>
-              <a:rPr lang="en-US" sz="4000" b="1" u="sng" dirty="0" smtClean="0">
-                <a:latin typeface="Arial" pitchFamily="34" charset="0"/>
-                <a:cs typeface="Arial" pitchFamily="34" charset="0"/>
-              </a:rPr>
-              <a:t>Semantic Prescriptions</a:t>
-            </a:r>
-            <a:r>
-              <a:rPr lang="en-US" sz="4000" b="1" dirty="0" smtClean="0">
-                <a:latin typeface="Arial" pitchFamily="34" charset="0"/>
-                <a:cs typeface="Arial" pitchFamily="34" charset="0"/>
-              </a:rPr>
-              <a:t> </a:t>
-            </a:r>
-            <a:r>
-              <a:rPr lang="en-US" sz="4000" dirty="0" smtClean="0">
-                <a:latin typeface="Arial" pitchFamily="34" charset="0"/>
-                <a:cs typeface="Arial" pitchFamily="34" charset="0"/>
-              </a:rPr>
-              <a:t>are </a:t>
-            </a:r>
-            <a:r>
-              <a:rPr lang="en-US" sz="4000" b="1" dirty="0" smtClean="0">
-                <a:solidFill>
-                  <a:schemeClr val="accent2">
-                    <a:lumMod val="75000"/>
-                  </a:schemeClr>
-                </a:solidFill>
-                <a:latin typeface="Arial" pitchFamily="34" charset="0"/>
-                <a:cs typeface="Arial" pitchFamily="34" charset="0"/>
-              </a:rPr>
-              <a:t>intelligent</a:t>
-            </a:r>
-            <a:r>
-              <a:rPr lang="en-US" sz="4000" dirty="0" smtClean="0">
-                <a:latin typeface="Arial" pitchFamily="34" charset="0"/>
-                <a:cs typeface="Arial" pitchFamily="34" charset="0"/>
-              </a:rPr>
-              <a:t> e-prescription documents enriched by drug-related meta-data thereby know about their content and the possible interactions. They provide:</a:t>
-            </a:r>
-          </a:p>
-          <a:p>
-            <a:pPr algn="just"/>
-            <a:endParaRPr lang="en-US" sz="4000" dirty="0">
-              <a:latin typeface="Arial" pitchFamily="34" charset="0"/>
-              <a:cs typeface="Arial" pitchFamily="34" charset="0"/>
-            </a:endParaRPr>
-          </a:p>
-          <a:p>
-            <a:pPr algn="just"/>
-            <a:endParaRPr lang="en-US" sz="4000" dirty="0" smtClean="0">
-              <a:latin typeface="Arial" pitchFamily="34" charset="0"/>
-              <a:cs typeface="Arial" pitchFamily="34" charset="0"/>
-            </a:endParaRPr>
-          </a:p>
-          <a:p>
-            <a:pPr algn="just"/>
-            <a:endParaRPr lang="en-US" sz="4000" dirty="0">
-              <a:latin typeface="Arial" pitchFamily="34" charset="0"/>
-              <a:cs typeface="Arial" pitchFamily="34" charset="0"/>
-            </a:endParaRPr>
-          </a:p>
-          <a:p>
-            <a:pPr algn="just"/>
-            <a:endParaRPr lang="en-US" sz="4000" dirty="0" smtClean="0">
-              <a:latin typeface="Arial" pitchFamily="34" charset="0"/>
-              <a:cs typeface="Arial" pitchFamily="34" charset="0"/>
-            </a:endParaRPr>
-          </a:p>
-          <a:p>
-            <a:pPr algn="just"/>
-            <a:endParaRPr lang="en-US" sz="4000" dirty="0">
-              <a:latin typeface="Arial" pitchFamily="34" charset="0"/>
-              <a:cs typeface="Arial" pitchFamily="34" charset="0"/>
-            </a:endParaRPr>
-          </a:p>
-          <a:p>
-            <a:pPr algn="just"/>
-            <a:endParaRPr lang="en-US" sz="4000" dirty="0" smtClean="0">
-              <a:latin typeface="Arial" pitchFamily="34" charset="0"/>
-              <a:cs typeface="Arial" pitchFamily="34" charset="0"/>
-            </a:endParaRPr>
-          </a:p>
-          <a:p>
-            <a:pPr algn="just"/>
-            <a:endParaRPr lang="en-US" sz="4000" dirty="0">
-              <a:latin typeface="Arial" pitchFamily="34" charset="0"/>
-              <a:cs typeface="Arial" pitchFamily="34" charset="0"/>
-            </a:endParaRPr>
-          </a:p>
-          <a:p>
-            <a:pPr algn="just"/>
-            <a:endParaRPr lang="en-US" sz="4000" dirty="0">
-              <a:latin typeface="Arial" pitchFamily="34" charset="0"/>
-              <a:cs typeface="Arial" pitchFamily="34" charset="0"/>
-            </a:endParaRPr>
-          </a:p>
-        </p:txBody>
-      </p:sp>
-      <p:sp>
-        <p:nvSpPr>
-          <p:cNvPr id="10" name="Oval 9"/>
-          <p:cNvSpPr/>
-          <p:nvPr/>
-        </p:nvSpPr>
-        <p:spPr>
-          <a:xfrm>
-            <a:off x="2482850" y="20123150"/>
-            <a:ext cx="13639800" cy="13182600"/>
-          </a:xfrm>
-          <a:prstGeom prst="ellipse">
-            <a:avLst/>
-          </a:prstGeom>
-        </p:spPr>
-        <p:style>
-          <a:lnRef idx="2">
-            <a:schemeClr val="accent2">
-              <a:shade val="50000"/>
-            </a:schemeClr>
-          </a:lnRef>
-          <a:fillRef idx="1">
-            <a:schemeClr val="accent2"/>
-          </a:fillRef>
-          <a:effectRef idx="0">
-            <a:schemeClr val="accent2"/>
-          </a:effectRef>
-          <a:fontRef idx="minor">
-            <a:schemeClr val="lt1"/>
-          </a:fontRef>
-        </p:style>
-        <p:txBody>
-          <a:bodyPr rtlCol="0" anchor="ctr"/>
-          <a:lstStyle/>
-          <a:p>
-            <a:pPr algn="ctr"/>
-            <a:endParaRPr lang="en-US"/>
-          </a:p>
-        </p:txBody>
-      </p:sp>
-      <p:cxnSp>
-        <p:nvCxnSpPr>
-          <p:cNvPr id="15" name="Straight Connector 14"/>
-          <p:cNvCxnSpPr>
-            <a:stCxn id="9" idx="3"/>
-            <a:endCxn id="10" idx="6"/>
-          </p:cNvCxnSpPr>
-          <p:nvPr/>
-        </p:nvCxnSpPr>
-        <p:spPr>
-          <a:xfrm flipH="1">
-            <a:off x="16122650" y="22824230"/>
-            <a:ext cx="2122170" cy="3890220"/>
-          </a:xfrm>
-          <a:prstGeom prst="line">
-            <a:avLst/>
-          </a:prstGeom>
-          <a:ln w="127000">
-            <a:solidFill>
-              <a:schemeClr val="tx1"/>
-            </a:solidFill>
-          </a:ln>
-        </p:spPr>
-        <p:style>
-          <a:lnRef idx="1">
-            <a:schemeClr val="accent1"/>
-          </a:lnRef>
-          <a:fillRef idx="0">
-            <a:schemeClr val="accent1"/>
-          </a:fillRef>
-          <a:effectRef idx="0">
-            <a:schemeClr val="accent1"/>
-          </a:effectRef>
-          <a:fontRef idx="minor">
-            <a:schemeClr val="tx1"/>
-          </a:fontRef>
-        </p:style>
-      </p:cxnSp>
-      <p:cxnSp>
-        <p:nvCxnSpPr>
-          <p:cNvPr id="17" name="Straight Connector 16"/>
-          <p:cNvCxnSpPr>
-            <a:endCxn id="11" idx="2"/>
-          </p:cNvCxnSpPr>
-          <p:nvPr/>
-        </p:nvCxnSpPr>
-        <p:spPr>
-          <a:xfrm>
-            <a:off x="14522450" y="30486350"/>
-            <a:ext cx="2362200" cy="2324100"/>
-          </a:xfrm>
-          <a:prstGeom prst="line">
-            <a:avLst/>
-          </a:prstGeom>
-          <a:ln w="127000">
-            <a:solidFill>
-              <a:schemeClr val="tx1"/>
-            </a:solidFill>
-          </a:ln>
-        </p:spPr>
-        <p:style>
-          <a:lnRef idx="1">
-            <a:schemeClr val="accent1"/>
-          </a:lnRef>
-          <a:fillRef idx="0">
-            <a:schemeClr val="accent1"/>
-          </a:fillRef>
-          <a:effectRef idx="0">
-            <a:schemeClr val="accent1"/>
-          </a:effectRef>
-          <a:fontRef idx="minor">
-            <a:schemeClr val="tx1"/>
-          </a:fontRef>
-        </p:style>
-      </p:cxnSp>
-      <p:pic>
-        <p:nvPicPr>
-          <p:cNvPr id="57" name="Picture 56" descr="screenshot1.jpg"/>
-          <p:cNvPicPr>
-            <a:picLocks noChangeAspect="1"/>
-          </p:cNvPicPr>
-          <p:nvPr/>
-        </p:nvPicPr>
-        <p:blipFill>
-          <a:blip r:embed="rId4" cstate="print"/>
-          <a:stretch>
-            <a:fillRect/>
-          </a:stretch>
-        </p:blipFill>
-        <p:spPr>
-          <a:xfrm>
-            <a:off x="2863850" y="20378536"/>
-            <a:ext cx="13059001" cy="12774814"/>
-          </a:xfrm>
-          <a:prstGeom prst="ellipse">
-            <a:avLst/>
-          </a:prstGeom>
-          <a:ln w="63500" cap="rnd">
-            <a:solidFill>
-              <a:srgbClr val="333333"/>
-            </a:solidFill>
-          </a:ln>
-          <a:effectLst>
-            <a:outerShdw blurRad="381000" dist="292100" dir="5400000" sx="-80000" sy="-18000" rotWithShape="0">
-              <a:srgbClr val="000000">
-                <a:alpha val="22000"/>
-              </a:srgbClr>
-            </a:outerShdw>
-          </a:effectLst>
-          <a:scene3d>
-            <a:camera prst="orthographicFront"/>
-            <a:lightRig rig="contrasting" dir="t">
-              <a:rot lat="0" lon="0" rev="3000000"/>
-            </a:lightRig>
-          </a:scene3d>
-          <a:sp3d contourW="7620">
-            <a:bevelT w="95250" h="31750"/>
-            <a:contourClr>
-              <a:srgbClr val="333333"/>
-            </a:contourClr>
-          </a:sp3d>
-        </p:spPr>
-      </p:pic>
-      <p:sp>
-        <p:nvSpPr>
-          <p:cNvPr id="67" name="Rectangle 66"/>
-          <p:cNvSpPr/>
-          <p:nvPr/>
-        </p:nvSpPr>
-        <p:spPr>
-          <a:xfrm>
-            <a:off x="0" y="41687750"/>
-            <a:ext cx="32397700" cy="5111750"/>
-          </a:xfrm>
-          <a:prstGeom prst="rect">
-            <a:avLst/>
-          </a:prstGeom>
-        </p:spPr>
-        <p:style>
-          <a:lnRef idx="2">
-            <a:schemeClr val="accent1">
-              <a:shade val="50000"/>
-            </a:schemeClr>
-          </a:lnRef>
-          <a:fillRef idx="1">
-            <a:schemeClr val="accent1"/>
-          </a:fillRef>
-          <a:effectRef idx="0">
-            <a:schemeClr val="accent1"/>
-          </a:effectRef>
-          <a:fontRef idx="minor">
-            <a:schemeClr val="lt1"/>
-          </a:fontRef>
-        </p:style>
-        <p:txBody>
-          <a:bodyPr rtlCol="0" anchor="ctr"/>
-          <a:lstStyle/>
-          <a:p>
-            <a:pPr algn="ctr"/>
-            <a:endParaRPr lang="en-US" dirty="0"/>
-          </a:p>
-        </p:txBody>
-      </p:sp>
-      <p:pic>
-        <p:nvPicPr>
-          <p:cNvPr id="71" name="Picture 2" descr="http://piperreport.com/wp-content/uploads/2012/04/Electronic-Prescribing.jpg"/>
+          <p:cNvPr id="18" name="Picture 2" descr="http://piperreport.com/wp-content/uploads/2012/04/Electronic-Prescribing.jpg"/>
           <p:cNvPicPr>
             <a:picLocks noChangeAspect="1" noChangeArrowheads="1"/>
           </p:cNvPicPr>
           <p:nvPr/>
         </p:nvPicPr>
         <p:blipFill>
-          <a:blip r:embed="rId5" cstate="print"/>
+          <a:blip r:embed="rId11" cstate="print"/>
           <a:srcRect/>
           <a:stretch>
             <a:fillRect/>
@@ -3600,7 +4287,7 @@
         </p:blipFill>
         <p:spPr bwMode="auto">
           <a:xfrm>
-            <a:off x="5997575" y="4654550"/>
+            <a:off x="5684837" y="3044467"/>
             <a:ext cx="6467475" cy="4295775"/>
           </a:xfrm>
           <a:prstGeom prst="ellipse">
@@ -3616,8 +4303,8 @@
       </p:pic>
       <p:pic>
         <p:nvPicPr>
-          <p:cNvPr id="72" name="Picture 6" descr="plendil">
-            <a:hlinkClick r:id="rId6"/>
+          <p:cNvPr id="19" name="Picture 6" descr="plendil">
+            <a:hlinkClick r:id="rId12"/>
           </p:cNvPr>
           <p:cNvPicPr>
             <a:picLocks noChangeAspect="1" noChangeArrowheads="1"/>
@@ -3625,7 +4312,7 @@
           <p:nvPr/>
         </p:nvPicPr>
         <p:blipFill>
-          <a:blip r:embed="rId7" cstate="print"/>
+          <a:blip r:embed="rId13" cstate="print"/>
           <a:srcRect l="3030" t="3809" r="6061" b="8579"/>
           <a:stretch>
             <a:fillRect/>
@@ -3633,7 +4320,7 @@
         </p:blipFill>
         <p:spPr bwMode="auto">
           <a:xfrm>
-            <a:off x="5988050" y="7397750"/>
+            <a:off x="5675312" y="5787667"/>
             <a:ext cx="2057400" cy="1577340"/>
           </a:xfrm>
           <a:prstGeom prst="rect">
@@ -3650,13 +4337,13 @@
       </p:pic>
       <p:sp>
         <p:nvSpPr>
-          <p:cNvPr id="74" name="Rectangle 73"/>
+          <p:cNvPr id="20" name="Rectangle 19"/>
           <p:cNvSpPr/>
           <p:nvPr/>
         </p:nvSpPr>
         <p:spPr>
           <a:xfrm>
-            <a:off x="10864850" y="5873750"/>
+            <a:off x="10552112" y="4263667"/>
             <a:ext cx="1151277" cy="1569660"/>
           </a:xfrm>
           <a:prstGeom prst="rect">
@@ -3727,13 +4414,150 @@
       </p:sp>
       <p:sp>
         <p:nvSpPr>
-          <p:cNvPr id="75" name="Rectangle 74"/>
+          <p:cNvPr id="21" name="TextBox 20"/>
+          <p:cNvSpPr txBox="1"/>
+          <p:nvPr/>
+        </p:nvSpPr>
+        <p:spPr>
+          <a:xfrm>
+            <a:off x="5456237" y="1802437"/>
+            <a:ext cx="4095993" cy="784830"/>
+          </a:xfrm>
+          <a:prstGeom prst="rect">
+            <a:avLst/>
+          </a:prstGeom>
+          <a:noFill/>
+        </p:spPr>
+        <p:txBody>
+          <a:bodyPr wrap="none" rtlCol="0">
+            <a:spAutoFit/>
+          </a:bodyPr>
+          <a:lstStyle/>
+          <a:p>
+            <a:r>
+              <a:rPr lang="en-US" sz="4500" dirty="0" smtClean="0">
+                <a:latin typeface="Arial" pitchFamily="34" charset="0"/>
+                <a:cs typeface="Arial" pitchFamily="34" charset="0"/>
+              </a:rPr>
+              <a:t>E-Prescriptions</a:t>
+            </a:r>
+            <a:endParaRPr lang="en-US" sz="4500" dirty="0">
+              <a:latin typeface="Arial" pitchFamily="34" charset="0"/>
+              <a:cs typeface="Arial" pitchFamily="34" charset="0"/>
+            </a:endParaRPr>
+          </a:p>
+        </p:txBody>
+      </p:sp>
+      <p:pic>
+        <p:nvPicPr>
+          <p:cNvPr id="22" name="Picture 21" descr="lod_cloud.png"/>
+          <p:cNvPicPr>
+            <a:picLocks noChangeAspect="1"/>
+          </p:cNvPicPr>
+          <p:nvPr/>
+        </p:nvPicPr>
+        <p:blipFill>
+          <a:blip r:embed="rId14" cstate="print"/>
+          <a:stretch>
+            <a:fillRect/>
+          </a:stretch>
+        </p:blipFill>
+        <p:spPr>
+          <a:xfrm>
+            <a:off x="3617912" y="9216667"/>
+            <a:ext cx="7517461" cy="5155556"/>
+          </a:xfrm>
+          <a:prstGeom prst="ellipse">
+            <a:avLst/>
+          </a:prstGeom>
+          <a:ln>
+            <a:noFill/>
+          </a:ln>
+          <a:effectLst>
+            <a:softEdge rad="112500"/>
+          </a:effectLst>
+        </p:spPr>
+      </p:pic>
+      <p:cxnSp>
+        <p:nvCxnSpPr>
+          <p:cNvPr id="23" name="Elbow Connector 12"/>
+          <p:cNvCxnSpPr/>
+          <p:nvPr/>
+        </p:nvCxnSpPr>
+        <p:spPr>
+          <a:xfrm flipV="1">
+            <a:off x="7742237" y="7300121"/>
+            <a:ext cx="228600" cy="1828798"/>
+          </a:xfrm>
+          <a:prstGeom prst="straightConnector1">
+            <a:avLst/>
+          </a:prstGeom>
+          <a:ln w="127000">
+            <a:solidFill>
+              <a:schemeClr val="tx1"/>
+            </a:solidFill>
+          </a:ln>
+        </p:spPr>
+        <p:style>
+          <a:lnRef idx="1">
+            <a:schemeClr val="accent1"/>
+          </a:lnRef>
+          <a:fillRef idx="0">
+            <a:schemeClr val="accent1"/>
+          </a:fillRef>
+          <a:effectRef idx="0">
+            <a:schemeClr val="accent1"/>
+          </a:effectRef>
+          <a:fontRef idx="minor">
+            <a:schemeClr val="tx1"/>
+          </a:fontRef>
+        </p:style>
+      </p:cxnSp>
+      <p:sp>
+        <p:nvSpPr>
+          <p:cNvPr id="24" name="TextBox 23"/>
+          <p:cNvSpPr txBox="1"/>
+          <p:nvPr/>
+        </p:nvSpPr>
+        <p:spPr>
+          <a:xfrm>
+            <a:off x="3856037" y="14626867"/>
+            <a:ext cx="6244017" cy="784830"/>
+          </a:xfrm>
+          <a:prstGeom prst="rect">
+            <a:avLst/>
+          </a:prstGeom>
+          <a:noFill/>
+        </p:spPr>
+        <p:txBody>
+          <a:bodyPr wrap="none" rtlCol="0">
+            <a:spAutoFit/>
+          </a:bodyPr>
+          <a:lstStyle/>
+          <a:p>
+            <a:r>
+              <a:rPr lang="en-US" sz="4500" dirty="0" smtClean="0">
+                <a:latin typeface="Arial" pitchFamily="34" charset="0"/>
+                <a:cs typeface="Arial" pitchFamily="34" charset="0"/>
+              </a:rPr>
+              <a:t>Linked Open Drug Data</a:t>
+            </a:r>
+            <a:endParaRPr lang="en-US" sz="4500" dirty="0">
+              <a:latin typeface="Arial" pitchFamily="34" charset="0"/>
+              <a:cs typeface="Arial" pitchFamily="34" charset="0"/>
+            </a:endParaRPr>
+          </a:p>
+        </p:txBody>
+      </p:sp>
+      <p:sp>
+        <p:nvSpPr>
+          <p:cNvPr id="25" name="Rectangle 24"/>
           <p:cNvSpPr/>
           <p:nvPr/>
         </p:nvSpPr>
         <p:spPr>
           <a:xfrm>
-            <a:off x="6521450" y="7397750"/>
+            <a:off x="6218237" y="5711467"/>
             <a:ext cx="862737" cy="1569660"/>
           </a:xfrm>
           <a:prstGeom prst="rect">
@@ -3844,16 +4668,50 @@
           </a:p>
         </p:txBody>
       </p:sp>
-      <p:sp>
-        <p:nvSpPr>
-          <p:cNvPr id="76" name="TextBox 75"/>
+      <p:pic>
+        <p:nvPicPr>
+          <p:cNvPr id="37" name="Picture 36" descr="screenshot1.jpg"/>
+          <p:cNvPicPr>
+            <a:picLocks noChangeAspect="1"/>
+          </p:cNvPicPr>
+          <p:nvPr/>
+        </p:nvPicPr>
+        <p:blipFill>
+          <a:blip r:embed="rId15" cstate="print"/>
+          <a:stretch>
+            <a:fillRect/>
+          </a:stretch>
+        </p:blipFill>
+        <p:spPr>
+          <a:xfrm>
+            <a:off x="2560637" y="21016119"/>
+            <a:ext cx="11760200" cy="8978900"/>
+          </a:xfrm>
+          <a:prstGeom prst="rect">
+            <a:avLst/>
+          </a:prstGeom>
+          <a:ln>
+            <a:noFill/>
+          </a:ln>
+          <a:effectLst>
+            <a:outerShdw blurRad="190500" algn="tl" rotWithShape="0">
+              <a:srgbClr val="000000">
+                <a:alpha val="70000"/>
+              </a:srgbClr>
+            </a:outerShdw>
+          </a:effectLst>
+        </p:spPr>
+      </p:pic>
+      <p:sp>
+        <p:nvSpPr>
+          <p:cNvPr id="42" name="TextBox 41"/>
           <p:cNvSpPr txBox="1"/>
           <p:nvPr/>
         </p:nvSpPr>
         <p:spPr>
           <a:xfrm>
-            <a:off x="6673850" y="3663950"/>
-            <a:ext cx="4095993" cy="784830"/>
+            <a:off x="4618037" y="30541119"/>
+            <a:ext cx="7419788" cy="784830"/>
           </a:xfrm>
           <a:prstGeom prst="rect">
             <a:avLst/>
@@ -3867,13 +4725,35 @@
           <a:lstStyle/>
           <a:p>
             <a:r>
-              <a:rPr lang="en-US" sz="4500" dirty="0" smtClean="0">
+              <a:rPr lang="en-US" sz="4500" b="1" dirty="0" smtClean="0">
+                <a:solidFill>
+                  <a:schemeClr val="accent1">
+                    <a:lumMod val="50000"/>
+                  </a:schemeClr>
+                </a:solidFill>
                 <a:latin typeface="Arial" pitchFamily="34" charset="0"/>
                 <a:cs typeface="Arial" pitchFamily="34" charset="0"/>
               </a:rPr>
-              <a:t>E-Prescriptions</a:t>
+              <a:t>Pharmer</a:t>
+            </a:r>
+            <a:r>
+              <a:rPr lang="en-US" sz="4500" dirty="0" smtClean="0">
+                <a:solidFill>
+                  <a:schemeClr val="accent1">
+                    <a:lumMod val="50000"/>
+                  </a:schemeClr>
+                </a:solidFill>
+                <a:latin typeface="Arial" pitchFamily="34" charset="0"/>
+                <a:cs typeface="Arial" pitchFamily="34" charset="0"/>
+              </a:rPr>
+              <a:t> Prescription Writer</a:t>
             </a:r>
             <a:endParaRPr lang="en-US" sz="4500" dirty="0">
+              <a:solidFill>
+                <a:schemeClr val="accent1">
+                  <a:lumMod val="50000"/>
+                </a:schemeClr>
+              </a:solidFill>
               <a:latin typeface="Arial" pitchFamily="34" charset="0"/>
               <a:cs typeface="Arial" pitchFamily="34" charset="0"/>
             </a:endParaRPr>
@@ -3882,22 +4762,24 @@
       </p:sp>
       <p:sp>
         <p:nvSpPr>
-          <p:cNvPr id="91" name="Oval 90"/>
+          <p:cNvPr id="43" name="Cloud Callout 42"/>
           <p:cNvSpPr/>
           <p:nvPr/>
         </p:nvSpPr>
         <p:spPr>
-          <a:xfrm>
-            <a:off x="3854450" y="11588750"/>
-            <a:ext cx="7924800" cy="5334000"/>
-          </a:xfrm>
-          <a:prstGeom prst="ellipse">
-            <a:avLst/>
+          <a:xfrm rot="10800000">
+            <a:off x="1798636" y="31988919"/>
+            <a:ext cx="13792200" cy="5257800"/>
+          </a:xfrm>
+          <a:prstGeom prst="cloudCallout">
+            <a:avLst>
+              <a:gd name="adj1" fmla="val 20202"/>
+              <a:gd name="adj2" fmla="val 61466"/>
+            </a:avLst>
           </a:prstGeom>
           <a:solidFill>
-            <a:schemeClr val="accent2">
-              <a:lumMod val="20000"/>
-              <a:lumOff val="80000"/>
+            <a:schemeClr val="accent1">
+              <a:alpha val="26000"/>
             </a:schemeClr>
           </a:solidFill>
         </p:spPr>
@@ -3926,53 +4808,557 @@
           </a:p>
         </p:txBody>
       </p:sp>
-      <p:pic>
-        <p:nvPicPr>
-          <p:cNvPr id="90" name="Picture 89" descr="lod_cloud.png"/>
-          <p:cNvPicPr>
-            <a:picLocks noChangeAspect="1"/>
-          </p:cNvPicPr>
+      <p:sp>
+        <p:nvSpPr>
+          <p:cNvPr id="44" name="Rectangle 43"/>
+          <p:cNvSpPr/>
           <p:nvPr/>
-        </p:nvPicPr>
-        <p:blipFill>
-          <a:blip r:embed="rId8" cstate="print"/>
-          <a:stretch>
-            <a:fillRect/>
-          </a:stretch>
-        </p:blipFill>
-        <p:spPr>
-          <a:xfrm>
-            <a:off x="4083050" y="11741150"/>
-            <a:ext cx="7517461" cy="5155556"/>
+        </p:nvSpPr>
+        <p:spPr>
+          <a:xfrm>
+            <a:off x="2179637" y="33436719"/>
+            <a:ext cx="13639800" cy="2862322"/>
+          </a:xfrm>
+          <a:prstGeom prst="rect">
+            <a:avLst/>
+          </a:prstGeom>
+        </p:spPr>
+        <p:txBody>
+          <a:bodyPr wrap="square">
+            <a:spAutoFit/>
+          </a:bodyPr>
+          <a:lstStyle/>
+          <a:p>
+            <a:pPr lvl="1">
+              <a:buSzPct val="200000"/>
+              <a:buBlip>
+                <a:blip r:embed="rId10"/>
+              </a:buBlip>
+            </a:pPr>
+            <a:r>
+              <a:rPr lang="en-US" sz="4500" dirty="0">
+                <a:latin typeface="Arial" pitchFamily="34" charset="0"/>
+                <a:cs typeface="Arial" pitchFamily="34" charset="0"/>
+              </a:rPr>
+              <a:t> </a:t>
+            </a:r>
+            <a:r>
+              <a:rPr lang="en-US" sz="4500" dirty="0" smtClean="0">
+                <a:latin typeface="Arial" pitchFamily="34" charset="0"/>
+                <a:cs typeface="Arial" pitchFamily="34" charset="0"/>
+              </a:rPr>
+              <a:t>Providing Different Semantic Views.</a:t>
+            </a:r>
+          </a:p>
+          <a:p>
+            <a:pPr lvl="1">
+              <a:buSzPct val="200000"/>
+              <a:buBlip>
+                <a:blip r:embed="rId10"/>
+              </a:buBlip>
+            </a:pPr>
+            <a:r>
+              <a:rPr lang="en-US" sz="4500" dirty="0" smtClean="0">
+                <a:latin typeface="Arial" pitchFamily="34" charset="0"/>
+                <a:cs typeface="Arial" pitchFamily="34" charset="0"/>
+              </a:rPr>
+              <a:t> Real-time Drug Tagging.</a:t>
+            </a:r>
+          </a:p>
+          <a:p>
+            <a:pPr lvl="1">
+              <a:buSzPct val="200000"/>
+              <a:buBlip>
+                <a:blip r:embed="rId10"/>
+              </a:buBlip>
+            </a:pPr>
+            <a:r>
+              <a:rPr lang="en-US" sz="4500" dirty="0" smtClean="0">
+                <a:latin typeface="Arial" pitchFamily="34" charset="0"/>
+                <a:cs typeface="Arial" pitchFamily="34" charset="0"/>
+              </a:rPr>
+              <a:t> Drug Suggestion.</a:t>
+            </a:r>
+          </a:p>
+          <a:p>
+            <a:pPr lvl="1">
+              <a:buSzPct val="200000"/>
+              <a:buBlip>
+                <a:blip r:embed="rId10"/>
+              </a:buBlip>
+            </a:pPr>
+            <a:r>
+              <a:rPr lang="en-US" sz="4500" dirty="0" smtClean="0">
+                <a:latin typeface="Arial" pitchFamily="34" charset="0"/>
+                <a:cs typeface="Arial" pitchFamily="34" charset="0"/>
+              </a:rPr>
+              <a:t> Automatic Drug Annotation.</a:t>
+            </a:r>
+          </a:p>
+        </p:txBody>
+      </p:sp>
+      <p:sp>
+        <p:nvSpPr>
+          <p:cNvPr id="45" name="Oval 44"/>
+          <p:cNvSpPr/>
+          <p:nvPr/>
+        </p:nvSpPr>
+        <p:spPr>
+          <a:xfrm>
+            <a:off x="13990637" y="11822470"/>
+            <a:ext cx="15011400" cy="11734800"/>
           </a:xfrm>
           <a:prstGeom prst="ellipse">
             <a:avLst/>
           </a:prstGeom>
-          <a:ln>
-            <a:noFill/>
-          </a:ln>
+          <a:solidFill>
+            <a:schemeClr val="accent5">
+              <a:alpha val="45000"/>
+            </a:schemeClr>
+          </a:solidFill>
+        </p:spPr>
+        <p:style>
+          <a:lnRef idx="2">
+            <a:schemeClr val="accent5">
+              <a:shade val="50000"/>
+            </a:schemeClr>
+          </a:lnRef>
+          <a:fillRef idx="1">
+            <a:schemeClr val="accent5"/>
+          </a:fillRef>
+          <a:effectRef idx="0">
+            <a:schemeClr val="accent5"/>
+          </a:effectRef>
+          <a:fontRef idx="minor">
+            <a:schemeClr val="lt1"/>
+          </a:fontRef>
+        </p:style>
+        <p:txBody>
+          <a:bodyPr rtlCol="0" anchor="ctr"/>
+          <a:lstStyle/>
+          <a:p>
+            <a:pPr algn="just"/>
+            <a:r>
+              <a:rPr lang="en-US" sz="4000" b="1" u="sng" dirty="0" smtClean="0">
+                <a:latin typeface="Arial" pitchFamily="34" charset="0"/>
+                <a:cs typeface="Arial" pitchFamily="34" charset="0"/>
+              </a:rPr>
+              <a:t>Semantic Prescriptions</a:t>
+            </a:r>
+            <a:r>
+              <a:rPr lang="en-US" sz="4000" b="1" dirty="0" smtClean="0">
+                <a:latin typeface="Arial" pitchFamily="34" charset="0"/>
+                <a:cs typeface="Arial" pitchFamily="34" charset="0"/>
+              </a:rPr>
+              <a:t> </a:t>
+            </a:r>
+            <a:r>
+              <a:rPr lang="en-US" sz="4000" dirty="0" smtClean="0">
+                <a:latin typeface="Arial" pitchFamily="34" charset="0"/>
+                <a:cs typeface="Arial" pitchFamily="34" charset="0"/>
+              </a:rPr>
+              <a:t>are </a:t>
+            </a:r>
+            <a:r>
+              <a:rPr lang="en-US" sz="4000" b="1" dirty="0" smtClean="0">
+                <a:solidFill>
+                  <a:schemeClr val="accent2">
+                    <a:lumMod val="75000"/>
+                  </a:schemeClr>
+                </a:solidFill>
+                <a:latin typeface="Arial" pitchFamily="34" charset="0"/>
+                <a:cs typeface="Arial" pitchFamily="34" charset="0"/>
+              </a:rPr>
+              <a:t>intelligent</a:t>
+            </a:r>
+            <a:r>
+              <a:rPr lang="en-US" sz="4000" dirty="0" smtClean="0">
+                <a:latin typeface="Arial" pitchFamily="34" charset="0"/>
+                <a:cs typeface="Arial" pitchFamily="34" charset="0"/>
+              </a:rPr>
+              <a:t> e-prescription documents enriched by drug-related meta-data thereby know about their content and the possible interactions. They provide:</a:t>
+            </a:r>
+          </a:p>
+          <a:p>
+            <a:pPr algn="just"/>
+            <a:endParaRPr lang="en-US" sz="4000" dirty="0">
+              <a:latin typeface="Arial" pitchFamily="34" charset="0"/>
+              <a:cs typeface="Arial" pitchFamily="34" charset="0"/>
+            </a:endParaRPr>
+          </a:p>
+          <a:p>
+            <a:pPr algn="just"/>
+            <a:endParaRPr lang="en-US" sz="4000" dirty="0" smtClean="0">
+              <a:latin typeface="Arial" pitchFamily="34" charset="0"/>
+              <a:cs typeface="Arial" pitchFamily="34" charset="0"/>
+            </a:endParaRPr>
+          </a:p>
+          <a:p>
+            <a:pPr algn="just"/>
+            <a:endParaRPr lang="en-US" sz="4000" dirty="0">
+              <a:latin typeface="Arial" pitchFamily="34" charset="0"/>
+              <a:cs typeface="Arial" pitchFamily="34" charset="0"/>
+            </a:endParaRPr>
+          </a:p>
+          <a:p>
+            <a:pPr algn="just"/>
+            <a:endParaRPr lang="en-US" sz="4000" dirty="0" smtClean="0">
+              <a:latin typeface="Arial" pitchFamily="34" charset="0"/>
+              <a:cs typeface="Arial" pitchFamily="34" charset="0"/>
+            </a:endParaRPr>
+          </a:p>
+          <a:p>
+            <a:pPr algn="just"/>
+            <a:endParaRPr lang="en-US" sz="4000" dirty="0">
+              <a:latin typeface="Arial" pitchFamily="34" charset="0"/>
+              <a:cs typeface="Arial" pitchFamily="34" charset="0"/>
+            </a:endParaRPr>
+          </a:p>
+          <a:p>
+            <a:pPr algn="just"/>
+            <a:endParaRPr lang="en-US" sz="4000" dirty="0" smtClean="0">
+              <a:latin typeface="Arial" pitchFamily="34" charset="0"/>
+              <a:cs typeface="Arial" pitchFamily="34" charset="0"/>
+            </a:endParaRPr>
+          </a:p>
+          <a:p>
+            <a:pPr algn="just"/>
+            <a:endParaRPr lang="en-US" sz="4000" dirty="0">
+              <a:latin typeface="Arial" pitchFamily="34" charset="0"/>
+              <a:cs typeface="Arial" pitchFamily="34" charset="0"/>
+            </a:endParaRPr>
+          </a:p>
+          <a:p>
+            <a:pPr algn="just"/>
+            <a:endParaRPr lang="en-US" sz="4000" dirty="0">
+              <a:latin typeface="Arial" pitchFamily="34" charset="0"/>
+              <a:cs typeface="Arial" pitchFamily="34" charset="0"/>
+            </a:endParaRPr>
+          </a:p>
+        </p:txBody>
+      </p:sp>
+      <p:sp>
+        <p:nvSpPr>
+          <p:cNvPr id="46" name="Rectangle 45"/>
+          <p:cNvSpPr/>
+          <p:nvPr/>
+        </p:nvSpPr>
+        <p:spPr>
+          <a:xfrm>
+            <a:off x="11095037" y="10348119"/>
+            <a:ext cx="21564600" cy="1169551"/>
+          </a:xfrm>
+          <a:prstGeom prst="rect">
+            <a:avLst/>
+          </a:prstGeom>
           <a:effectLst>
-            <a:softEdge rad="112500"/>
+            <a:outerShdw blurRad="50800" dist="38100" dir="2700000" algn="tl" rotWithShape="0">
+              <a:prstClr val="black">
+                <a:alpha val="40000"/>
+              </a:prstClr>
+            </a:outerShdw>
           </a:effectLst>
         </p:spPr>
-      </p:pic>
+        <p:txBody>
+          <a:bodyPr wrap="square">
+            <a:spAutoFit/>
+          </a:bodyPr>
+          <a:lstStyle/>
+          <a:p>
+            <a:pPr algn="ctr"/>
+            <a:r>
+              <a:rPr lang="en-US" sz="7000" dirty="0" smtClean="0">
+                <a:solidFill>
+                  <a:schemeClr val="accent2">
+                    <a:lumMod val="50000"/>
+                  </a:schemeClr>
+                </a:solidFill>
+                <a:latin typeface="Segoe UI Semibold" pitchFamily="34" charset="0"/>
+                <a:ea typeface="Arial Unicode MS" pitchFamily="34" charset="-128"/>
+                <a:cs typeface="Arial" pitchFamily="34" charset="0"/>
+              </a:rPr>
+              <a:t>Semantic Medical Prescriptions</a:t>
+            </a:r>
+            <a:endParaRPr lang="en-US" sz="7000" dirty="0">
+              <a:solidFill>
+                <a:schemeClr val="accent2">
+                  <a:lumMod val="50000"/>
+                </a:schemeClr>
+              </a:solidFill>
+              <a:latin typeface="Segoe UI Semibold" pitchFamily="34" charset="0"/>
+              <a:ea typeface="Arial Unicode MS" pitchFamily="34" charset="-128"/>
+              <a:cs typeface="Arial" pitchFamily="34" charset="0"/>
+            </a:endParaRPr>
+          </a:p>
+        </p:txBody>
+      </p:sp>
+      <p:sp>
+        <p:nvSpPr>
+          <p:cNvPr id="47" name="Rectangle 46"/>
+          <p:cNvSpPr/>
+          <p:nvPr/>
+        </p:nvSpPr>
+        <p:spPr>
+          <a:xfrm>
+            <a:off x="15057437" y="17004070"/>
+            <a:ext cx="13335000" cy="1323439"/>
+          </a:xfrm>
+          <a:prstGeom prst="rect">
+            <a:avLst/>
+          </a:prstGeom>
+        </p:spPr>
+        <p:txBody>
+          <a:bodyPr wrap="square">
+            <a:spAutoFit/>
+          </a:bodyPr>
+          <a:lstStyle/>
+          <a:p>
+            <a:pPr>
+              <a:buSzPct val="200000"/>
+              <a:buBlip>
+                <a:blip r:embed="rId10"/>
+              </a:buBlip>
+            </a:pPr>
+            <a:r>
+              <a:rPr lang="en-US" sz="4000" dirty="0" smtClean="0">
+                <a:latin typeface="Segoe UI Semibold" pitchFamily="34" charset="0"/>
+                <a:cs typeface="Arial" pitchFamily="34" charset="0"/>
+              </a:rPr>
+              <a:t> Persistent connection to up-to-date drug information</a:t>
+            </a:r>
+          </a:p>
+          <a:p>
+            <a:pPr>
+              <a:buSzPct val="200000"/>
+            </a:pPr>
+            <a:r>
+              <a:rPr lang="en-US" sz="4000" dirty="0">
+                <a:latin typeface="Segoe UI Semibold" pitchFamily="34" charset="0"/>
+                <a:cs typeface="Arial" pitchFamily="34" charset="0"/>
+              </a:rPr>
+              <a:t> </a:t>
+            </a:r>
+            <a:r>
+              <a:rPr lang="en-US" sz="4000" dirty="0" smtClean="0">
+                <a:latin typeface="Segoe UI Semibold" pitchFamily="34" charset="0"/>
+                <a:cs typeface="Arial" pitchFamily="34" charset="0"/>
+              </a:rPr>
+              <a:t>    coming from multiple dynamic data sources.</a:t>
+            </a:r>
+          </a:p>
+        </p:txBody>
+      </p:sp>
+      <p:sp>
+        <p:nvSpPr>
+          <p:cNvPr id="48" name="Rectangle 47"/>
+          <p:cNvSpPr/>
+          <p:nvPr/>
+        </p:nvSpPr>
+        <p:spPr>
+          <a:xfrm>
+            <a:off x="15133637" y="18505984"/>
+            <a:ext cx="13487400" cy="707886"/>
+          </a:xfrm>
+          <a:prstGeom prst="rect">
+            <a:avLst/>
+          </a:prstGeom>
+        </p:spPr>
+        <p:txBody>
+          <a:bodyPr wrap="square">
+            <a:spAutoFit/>
+          </a:bodyPr>
+          <a:lstStyle/>
+          <a:p>
+            <a:pPr>
+              <a:buSzPct val="200000"/>
+              <a:buBlip>
+                <a:blip r:embed="rId10"/>
+              </a:buBlip>
+            </a:pPr>
+            <a:r>
+              <a:rPr lang="en-US" sz="4000" dirty="0" smtClean="0">
+                <a:latin typeface="Arial" pitchFamily="34" charset="0"/>
+                <a:cs typeface="Arial" pitchFamily="34" charset="0"/>
+              </a:rPr>
+              <a:t> </a:t>
+            </a:r>
+            <a:r>
+              <a:rPr lang="en-US" sz="4000" dirty="0" smtClean="0">
+                <a:latin typeface="Segoe UI Semibold" pitchFamily="34" charset="0"/>
+                <a:cs typeface="Arial" pitchFamily="34" charset="0"/>
+              </a:rPr>
+              <a:t>Drug interactions prevention</a:t>
+            </a:r>
+            <a:r>
+              <a:rPr lang="en-US" sz="4000" dirty="0" smtClean="0">
+                <a:latin typeface="Arial" pitchFamily="34" charset="0"/>
+                <a:cs typeface="Arial" pitchFamily="34" charset="0"/>
+                <a:sym typeface="Wingdings" pitchFamily="2" charset="2"/>
+              </a:rPr>
+              <a:t> </a:t>
+            </a:r>
+            <a:r>
+              <a:rPr lang="en-US" sz="3500" b="1" dirty="0" smtClean="0">
+                <a:latin typeface="Times New Roman" pitchFamily="18" charset="0"/>
+                <a:cs typeface="Times New Roman" pitchFamily="18" charset="0"/>
+                <a:sym typeface="Wingdings" pitchFamily="2" charset="2"/>
+              </a:rPr>
+              <a:t>Error free prescriptions.</a:t>
+            </a:r>
+          </a:p>
+        </p:txBody>
+      </p:sp>
+      <p:sp>
+        <p:nvSpPr>
+          <p:cNvPr id="49" name="Rectangle 48"/>
+          <p:cNvSpPr/>
+          <p:nvPr/>
+        </p:nvSpPr>
+        <p:spPr>
+          <a:xfrm>
+            <a:off x="15209837" y="19490631"/>
+            <a:ext cx="12954000" cy="1323439"/>
+          </a:xfrm>
+          <a:prstGeom prst="rect">
+            <a:avLst/>
+          </a:prstGeom>
+        </p:spPr>
+        <p:txBody>
+          <a:bodyPr wrap="square">
+            <a:spAutoFit/>
+          </a:bodyPr>
+          <a:lstStyle/>
+          <a:p>
+            <a:pPr>
+              <a:buSzPct val="200000"/>
+              <a:buBlip>
+                <a:blip r:embed="rId10"/>
+              </a:buBlip>
+            </a:pPr>
+            <a:r>
+              <a:rPr lang="en-US" sz="4000" dirty="0" smtClean="0">
+                <a:latin typeface="Segoe UI Semibold" pitchFamily="34" charset="0"/>
+                <a:cs typeface="Arial" pitchFamily="34" charset="0"/>
+                <a:sym typeface="Wingdings" pitchFamily="2" charset="2"/>
+              </a:rPr>
+              <a:t> C</a:t>
+            </a:r>
+            <a:r>
+              <a:rPr lang="en-US" sz="4000" dirty="0" smtClean="0">
+                <a:latin typeface="Segoe UI Semibold" pitchFamily="34" charset="0"/>
+                <a:cs typeface="Arial" pitchFamily="34" charset="0"/>
+              </a:rPr>
+              <a:t>onnection of physicians, pharmacists, patients,</a:t>
+            </a:r>
+          </a:p>
+          <a:p>
+            <a:pPr>
+              <a:buSzPct val="200000"/>
+            </a:pPr>
+            <a:r>
+              <a:rPr lang="en-US" sz="4000" dirty="0" smtClean="0">
+                <a:latin typeface="Segoe UI Semibold" pitchFamily="34" charset="0"/>
+                <a:cs typeface="Arial" pitchFamily="34" charset="0"/>
+              </a:rPr>
+              <a:t>     pharmaceutical researchers and drug companies</a:t>
+            </a:r>
+            <a:endParaRPr lang="en-US" sz="4000" dirty="0" smtClean="0">
+              <a:latin typeface="Segoe UI Semibold" pitchFamily="34" charset="0"/>
+            </a:endParaRPr>
+          </a:p>
+        </p:txBody>
+      </p:sp>
+      <p:sp>
+        <p:nvSpPr>
+          <p:cNvPr id="50" name="Rectangle 49"/>
+          <p:cNvSpPr/>
+          <p:nvPr/>
+        </p:nvSpPr>
+        <p:spPr>
+          <a:xfrm>
+            <a:off x="16657637" y="21118870"/>
+            <a:ext cx="9677400" cy="707886"/>
+          </a:xfrm>
+          <a:prstGeom prst="rect">
+            <a:avLst/>
+          </a:prstGeom>
+        </p:spPr>
+        <p:txBody>
+          <a:bodyPr wrap="square">
+            <a:spAutoFit/>
+          </a:bodyPr>
+          <a:lstStyle/>
+          <a:p>
+            <a:pPr>
+              <a:buSzPct val="200000"/>
+              <a:buBlip>
+                <a:blip r:embed="rId10"/>
+              </a:buBlip>
+            </a:pPr>
+            <a:r>
+              <a:rPr lang="en-US" sz="4000" dirty="0" smtClean="0">
+                <a:latin typeface="Segoe UI Semibold" pitchFamily="34" charset="0"/>
+                <a:cs typeface="Arial" pitchFamily="34" charset="0"/>
+                <a:sym typeface="Wingdings" pitchFamily="2" charset="2"/>
+              </a:rPr>
+              <a:t> Machine understandable prescription.</a:t>
+            </a:r>
+          </a:p>
+        </p:txBody>
+      </p:sp>
+      <p:sp>
+        <p:nvSpPr>
+          <p:cNvPr id="51" name="Rectangle 50"/>
+          <p:cNvSpPr/>
+          <p:nvPr/>
+        </p:nvSpPr>
+        <p:spPr>
+          <a:xfrm>
+            <a:off x="19308404" y="22239784"/>
+            <a:ext cx="5197833" cy="707886"/>
+          </a:xfrm>
+          <a:prstGeom prst="rect">
+            <a:avLst/>
+          </a:prstGeom>
+        </p:spPr>
+        <p:txBody>
+          <a:bodyPr wrap="none">
+            <a:spAutoFit/>
+          </a:bodyPr>
+          <a:lstStyle/>
+          <a:p>
+            <a:pPr>
+              <a:buSzPct val="200000"/>
+              <a:buBlip>
+                <a:blip r:embed="rId10"/>
+              </a:buBlip>
+            </a:pPr>
+            <a:r>
+              <a:rPr lang="en-US" sz="4000" dirty="0" smtClean="0">
+                <a:latin typeface="Segoe UI Semibold" pitchFamily="34" charset="0"/>
+                <a:cs typeface="Arial" pitchFamily="34" charset="0"/>
+                <a:sym typeface="Wingdings" pitchFamily="2" charset="2"/>
+              </a:rPr>
+              <a:t> Patient awareness.</a:t>
+            </a:r>
+          </a:p>
+        </p:txBody>
+      </p:sp>
       <p:cxnSp>
         <p:nvCxnSpPr>
-          <p:cNvPr id="92" name="Elbow Connector 12"/>
-          <p:cNvCxnSpPr>
-            <a:endCxn id="8" idx="4"/>
-          </p:cNvCxnSpPr>
+          <p:cNvPr id="53" name="Straight Connector 52"/>
+          <p:cNvCxnSpPr/>
           <p:nvPr/>
         </p:nvCxnSpPr>
         <p:spPr>
-          <a:xfrm flipV="1">
-            <a:off x="8426450" y="9074150"/>
-            <a:ext cx="800100" cy="2514600"/>
-          </a:xfrm>
-          <a:prstGeom prst="straightConnector1">
+          <a:xfrm>
+            <a:off x="12314237" y="8443119"/>
+            <a:ext cx="3810000" cy="5029200"/>
+          </a:xfrm>
+          <a:prstGeom prst="line">
             <a:avLst/>
           </a:prstGeom>
-          <a:ln w="127000">
+          <a:ln w="44450">
             <a:solidFill>
               <a:schemeClr val="tx1"/>
             </a:solidFill>
@@ -3993,60 +5379,23 @@
           </a:fontRef>
         </p:style>
       </p:cxnSp>
-      <p:sp>
-        <p:nvSpPr>
-          <p:cNvPr id="94" name="TextBox 93"/>
-          <p:cNvSpPr txBox="1"/>
-          <p:nvPr/>
-        </p:nvSpPr>
-        <p:spPr>
-          <a:xfrm>
-            <a:off x="4692650" y="17204720"/>
-            <a:ext cx="6244017" cy="784830"/>
-          </a:xfrm>
-          <a:prstGeom prst="rect">
-            <a:avLst/>
-          </a:prstGeom>
-          <a:noFill/>
-        </p:spPr>
-        <p:txBody>
-          <a:bodyPr wrap="none" rtlCol="0">
-            <a:spAutoFit/>
-          </a:bodyPr>
-          <a:lstStyle/>
-          <a:p>
-            <a:r>
-              <a:rPr lang="en-US" sz="4500" dirty="0" smtClean="0">
-                <a:latin typeface="Arial" pitchFamily="34" charset="0"/>
-                <a:cs typeface="Arial" pitchFamily="34" charset="0"/>
-              </a:rPr>
-              <a:t>Linked Open Drug Data</a:t>
-            </a:r>
-            <a:endParaRPr lang="en-US" sz="4500" dirty="0">
-              <a:latin typeface="Arial" pitchFamily="34" charset="0"/>
-              <a:cs typeface="Arial" pitchFamily="34" charset="0"/>
-            </a:endParaRPr>
-          </a:p>
-        </p:txBody>
-      </p:sp>
       <p:cxnSp>
         <p:nvCxnSpPr>
-          <p:cNvPr id="95" name="Elbow Connector 12"/>
+          <p:cNvPr id="55" name="Straight Connector 54"/>
           <p:cNvCxnSpPr>
-            <a:stCxn id="99" idx="3"/>
-            <a:endCxn id="9" idx="1"/>
+            <a:stCxn id="35" idx="3"/>
           </p:cNvCxnSpPr>
           <p:nvPr/>
         </p:nvCxnSpPr>
         <p:spPr>
-          <a:xfrm>
-            <a:off x="12652451" y="11713580"/>
-            <a:ext cx="5592369" cy="2812890"/>
-          </a:xfrm>
-          <a:prstGeom prst="straightConnector1">
+          <a:xfrm flipV="1">
+            <a:off x="14524037" y="22997320"/>
+            <a:ext cx="3581400" cy="2476499"/>
+          </a:xfrm>
+          <a:prstGeom prst="line">
             <a:avLst/>
           </a:prstGeom>
-          <a:ln w="127000">
+          <a:ln w="44450">
             <a:solidFill>
               <a:schemeClr val="tx1"/>
             </a:solidFill>
@@ -4067,1011 +5416,6 @@
           </a:fontRef>
         </p:style>
       </p:cxnSp>
-      <p:sp>
-        <p:nvSpPr>
-          <p:cNvPr id="98" name="TextBox 97"/>
-          <p:cNvSpPr txBox="1"/>
-          <p:nvPr/>
-        </p:nvSpPr>
-        <p:spPr>
-          <a:xfrm>
-            <a:off x="5530850" y="33762950"/>
-            <a:ext cx="7419788" cy="784830"/>
-          </a:xfrm>
-          <a:prstGeom prst="rect">
-            <a:avLst/>
-          </a:prstGeom>
-          <a:noFill/>
-        </p:spPr>
-        <p:txBody>
-          <a:bodyPr wrap="none" rtlCol="0">
-            <a:spAutoFit/>
-          </a:bodyPr>
-          <a:lstStyle/>
-          <a:p>
-            <a:r>
-              <a:rPr lang="en-US" sz="4500" b="1" dirty="0" smtClean="0">
-                <a:solidFill>
-                  <a:schemeClr val="accent1">
-                    <a:lumMod val="50000"/>
-                  </a:schemeClr>
-                </a:solidFill>
-                <a:latin typeface="Arial" pitchFamily="34" charset="0"/>
-                <a:cs typeface="Arial" pitchFamily="34" charset="0"/>
-              </a:rPr>
-              <a:t>Pharmer</a:t>
-            </a:r>
-            <a:r>
-              <a:rPr lang="en-US" sz="4500" dirty="0" smtClean="0">
-                <a:solidFill>
-                  <a:schemeClr val="accent1">
-                    <a:lumMod val="50000"/>
-                  </a:schemeClr>
-                </a:solidFill>
-                <a:latin typeface="Arial" pitchFamily="34" charset="0"/>
-                <a:cs typeface="Arial" pitchFamily="34" charset="0"/>
-              </a:rPr>
-              <a:t> Prescription Writer</a:t>
-            </a:r>
-            <a:endParaRPr lang="en-US" sz="4500" dirty="0">
-              <a:solidFill>
-                <a:schemeClr val="accent1">
-                  <a:lumMod val="50000"/>
-                </a:schemeClr>
-              </a:solidFill>
-              <a:latin typeface="Arial" pitchFamily="34" charset="0"/>
-              <a:cs typeface="Arial" pitchFamily="34" charset="0"/>
-            </a:endParaRPr>
-          </a:p>
-        </p:txBody>
-      </p:sp>
-      <p:sp>
-        <p:nvSpPr>
-          <p:cNvPr id="99" name="Rectangle 98"/>
-          <p:cNvSpPr/>
-          <p:nvPr/>
-        </p:nvSpPr>
-        <p:spPr>
-          <a:xfrm rot="751615">
-            <a:off x="4395693" y="2934967"/>
-            <a:ext cx="8356221" cy="15744775"/>
-          </a:xfrm>
-          <a:prstGeom prst="rect">
-            <a:avLst/>
-          </a:prstGeom>
-          <a:solidFill>
-            <a:schemeClr val="accent1">
-              <a:alpha val="10000"/>
-            </a:schemeClr>
-          </a:solidFill>
-          <a:ln>
-            <a:prstDash val="sysDash"/>
-          </a:ln>
-        </p:spPr>
-        <p:style>
-          <a:lnRef idx="2">
-            <a:schemeClr val="accent1">
-              <a:shade val="50000"/>
-            </a:schemeClr>
-          </a:lnRef>
-          <a:fillRef idx="1">
-            <a:schemeClr val="accent1"/>
-          </a:fillRef>
-          <a:effectRef idx="0">
-            <a:schemeClr val="accent1"/>
-          </a:effectRef>
-          <a:fontRef idx="minor">
-            <a:schemeClr val="lt1"/>
-          </a:fontRef>
-        </p:style>
-        <p:txBody>
-          <a:bodyPr rtlCol="0" anchor="ctr"/>
-          <a:lstStyle/>
-          <a:p>
-            <a:pPr algn="ctr"/>
-            <a:endParaRPr lang="en-US"/>
-          </a:p>
-        </p:txBody>
-      </p:sp>
-      <p:sp>
-        <p:nvSpPr>
-          <p:cNvPr id="6" name="Rectangle 5"/>
-          <p:cNvSpPr/>
-          <p:nvPr/>
-        </p:nvSpPr>
-        <p:spPr>
-          <a:xfrm>
-            <a:off x="12541250" y="11257399"/>
-            <a:ext cx="21564600" cy="1169551"/>
-          </a:xfrm>
-          <a:prstGeom prst="rect">
-            <a:avLst/>
-          </a:prstGeom>
-          <a:effectLst>
-            <a:outerShdw blurRad="50800" dist="38100" dir="2700000" algn="tl" rotWithShape="0">
-              <a:prstClr val="black">
-                <a:alpha val="40000"/>
-              </a:prstClr>
-            </a:outerShdw>
-          </a:effectLst>
-        </p:spPr>
-        <p:txBody>
-          <a:bodyPr wrap="square">
-            <a:spAutoFit/>
-          </a:bodyPr>
-          <a:lstStyle/>
-          <a:p>
-            <a:pPr algn="ctr"/>
-            <a:r>
-              <a:rPr lang="en-US" sz="7000" dirty="0" smtClean="0">
-                <a:solidFill>
-                  <a:schemeClr val="accent2">
-                    <a:lumMod val="50000"/>
-                  </a:schemeClr>
-                </a:solidFill>
-                <a:latin typeface="Segoe UI Semibold" pitchFamily="34" charset="0"/>
-                <a:ea typeface="Arial Unicode MS" pitchFamily="34" charset="-128"/>
-                <a:cs typeface="Arial" pitchFamily="34" charset="0"/>
-              </a:rPr>
-              <a:t>Semantic Medical Prescriptions</a:t>
-            </a:r>
-            <a:endParaRPr lang="en-US" sz="7000" dirty="0">
-              <a:solidFill>
-                <a:schemeClr val="accent2">
-                  <a:lumMod val="50000"/>
-                </a:schemeClr>
-              </a:solidFill>
-              <a:latin typeface="Segoe UI Semibold" pitchFamily="34" charset="0"/>
-              <a:ea typeface="Arial Unicode MS" pitchFamily="34" charset="-128"/>
-              <a:cs typeface="Arial" pitchFamily="34" charset="0"/>
-            </a:endParaRPr>
-          </a:p>
-        </p:txBody>
-      </p:sp>
-      <p:sp>
-        <p:nvSpPr>
-          <p:cNvPr id="107" name="TextBox 106"/>
-          <p:cNvSpPr txBox="1"/>
-          <p:nvPr/>
-        </p:nvSpPr>
-        <p:spPr>
-          <a:xfrm>
-            <a:off x="-641350" y="35058350"/>
-            <a:ext cx="15468600" cy="2400657"/>
-          </a:xfrm>
-          <a:prstGeom prst="rect">
-            <a:avLst/>
-          </a:prstGeom>
-          <a:noFill/>
-        </p:spPr>
-        <p:txBody>
-          <a:bodyPr wrap="square" rtlCol="0">
-            <a:spAutoFit/>
-          </a:bodyPr>
-          <a:lstStyle/>
-          <a:p>
-            <a:pPr>
-              <a:buSzPct val="200000"/>
-              <a:buBlip>
-                <a:blip r:embed="rId3"/>
-              </a:buBlip>
-            </a:pPr>
-            <a:endParaRPr lang="en-US" sz="3000" dirty="0" smtClean="0">
-              <a:latin typeface="Arial" pitchFamily="34" charset="0"/>
-              <a:cs typeface="Arial" pitchFamily="34" charset="0"/>
-            </a:endParaRPr>
-          </a:p>
-          <a:p>
-            <a:pPr>
-              <a:buSzPct val="200000"/>
-              <a:buBlip>
-                <a:blip r:embed="rId3"/>
-              </a:buBlip>
-            </a:pPr>
-            <a:endParaRPr lang="en-US" sz="3000" dirty="0" smtClean="0">
-              <a:latin typeface="Arial" pitchFamily="34" charset="0"/>
-              <a:cs typeface="Arial" pitchFamily="34" charset="0"/>
-              <a:sym typeface="Wingdings" pitchFamily="2" charset="2"/>
-            </a:endParaRPr>
-          </a:p>
-          <a:p>
-            <a:pPr>
-              <a:buSzPct val="200000"/>
-              <a:buBlip>
-                <a:blip r:embed="rId3"/>
-              </a:buBlip>
-            </a:pPr>
-            <a:endParaRPr lang="en-US" sz="3000" dirty="0" smtClean="0">
-              <a:latin typeface="Arial" pitchFamily="34" charset="0"/>
-              <a:cs typeface="Arial" pitchFamily="34" charset="0"/>
-              <a:sym typeface="Wingdings" pitchFamily="2" charset="2"/>
-            </a:endParaRPr>
-          </a:p>
-          <a:p>
-            <a:pPr>
-              <a:buSzPct val="200000"/>
-              <a:buBlip>
-                <a:blip r:embed="rId3"/>
-              </a:buBlip>
-            </a:pPr>
-            <a:endParaRPr lang="en-US" sz="3000" dirty="0" smtClean="0">
-              <a:latin typeface="Arial" pitchFamily="34" charset="0"/>
-              <a:cs typeface="Arial" pitchFamily="34" charset="0"/>
-              <a:sym typeface="Wingdings" pitchFamily="2" charset="2"/>
-            </a:endParaRPr>
-          </a:p>
-          <a:p>
-            <a:endParaRPr lang="en-US" sz="3000" dirty="0"/>
-          </a:p>
-        </p:txBody>
-      </p:sp>
-      <p:sp>
-        <p:nvSpPr>
-          <p:cNvPr id="108" name="Rectangle 107"/>
-          <p:cNvSpPr/>
-          <p:nvPr/>
-        </p:nvSpPr>
-        <p:spPr>
-          <a:xfrm>
-            <a:off x="17113250" y="17989550"/>
-            <a:ext cx="13335000" cy="1323439"/>
-          </a:xfrm>
-          <a:prstGeom prst="rect">
-            <a:avLst/>
-          </a:prstGeom>
-        </p:spPr>
-        <p:txBody>
-          <a:bodyPr wrap="square">
-            <a:spAutoFit/>
-          </a:bodyPr>
-          <a:lstStyle/>
-          <a:p>
-            <a:pPr>
-              <a:buSzPct val="200000"/>
-              <a:buBlip>
-                <a:blip r:embed="rId3"/>
-              </a:buBlip>
-            </a:pPr>
-            <a:r>
-              <a:rPr lang="en-US" sz="4000" dirty="0" smtClean="0">
-                <a:latin typeface="Segoe UI Semibold" pitchFamily="34" charset="0"/>
-                <a:cs typeface="Arial" pitchFamily="34" charset="0"/>
-              </a:rPr>
-              <a:t> Persistent connection to up-to-date drug information</a:t>
-            </a:r>
-          </a:p>
-          <a:p>
-            <a:pPr>
-              <a:buSzPct val="200000"/>
-            </a:pPr>
-            <a:r>
-              <a:rPr lang="en-US" sz="4000" dirty="0">
-                <a:latin typeface="Segoe UI Semibold" pitchFamily="34" charset="0"/>
-                <a:cs typeface="Arial" pitchFamily="34" charset="0"/>
-              </a:rPr>
-              <a:t> </a:t>
-            </a:r>
-            <a:r>
-              <a:rPr lang="en-US" sz="4000" dirty="0" smtClean="0">
-                <a:latin typeface="Segoe UI Semibold" pitchFamily="34" charset="0"/>
-                <a:cs typeface="Arial" pitchFamily="34" charset="0"/>
-              </a:rPr>
-              <a:t>    coming from multiple dynamic data sources.</a:t>
-            </a:r>
-          </a:p>
-        </p:txBody>
-      </p:sp>
-      <p:sp>
-        <p:nvSpPr>
-          <p:cNvPr id="109" name="Rectangle 108"/>
-          <p:cNvSpPr/>
-          <p:nvPr/>
-        </p:nvSpPr>
-        <p:spPr>
-          <a:xfrm>
-            <a:off x="17189450" y="19491464"/>
-            <a:ext cx="13487400" cy="707886"/>
-          </a:xfrm>
-          <a:prstGeom prst="rect">
-            <a:avLst/>
-          </a:prstGeom>
-        </p:spPr>
-        <p:txBody>
-          <a:bodyPr wrap="square">
-            <a:spAutoFit/>
-          </a:bodyPr>
-          <a:lstStyle/>
-          <a:p>
-            <a:pPr>
-              <a:buSzPct val="200000"/>
-              <a:buBlip>
-                <a:blip r:embed="rId3"/>
-              </a:buBlip>
-            </a:pPr>
-            <a:r>
-              <a:rPr lang="en-US" sz="4000" dirty="0" smtClean="0">
-                <a:latin typeface="Arial" pitchFamily="34" charset="0"/>
-                <a:cs typeface="Arial" pitchFamily="34" charset="0"/>
-              </a:rPr>
-              <a:t> </a:t>
-            </a:r>
-            <a:r>
-              <a:rPr lang="en-US" sz="4000" dirty="0" smtClean="0">
-                <a:latin typeface="Segoe UI Semibold" pitchFamily="34" charset="0"/>
-                <a:cs typeface="Arial" pitchFamily="34" charset="0"/>
-              </a:rPr>
-              <a:t>Drug interactions prevention</a:t>
-            </a:r>
-            <a:r>
-              <a:rPr lang="en-US" sz="4000" dirty="0" smtClean="0">
-                <a:latin typeface="Arial" pitchFamily="34" charset="0"/>
-                <a:cs typeface="Arial" pitchFamily="34" charset="0"/>
-                <a:sym typeface="Wingdings" pitchFamily="2" charset="2"/>
-              </a:rPr>
-              <a:t> </a:t>
-            </a:r>
-            <a:r>
-              <a:rPr lang="en-US" sz="3500" b="1" dirty="0" smtClean="0">
-                <a:latin typeface="Times New Roman" pitchFamily="18" charset="0"/>
-                <a:cs typeface="Times New Roman" pitchFamily="18" charset="0"/>
-                <a:sym typeface="Wingdings" pitchFamily="2" charset="2"/>
-              </a:rPr>
-              <a:t>Error free prescriptions.</a:t>
-            </a:r>
-          </a:p>
-        </p:txBody>
-      </p:sp>
-      <p:sp>
-        <p:nvSpPr>
-          <p:cNvPr id="110" name="Rectangle 109"/>
-          <p:cNvSpPr/>
-          <p:nvPr/>
-        </p:nvSpPr>
-        <p:spPr>
-          <a:xfrm>
-            <a:off x="17265650" y="20476111"/>
-            <a:ext cx="12954000" cy="1323439"/>
-          </a:xfrm>
-          <a:prstGeom prst="rect">
-            <a:avLst/>
-          </a:prstGeom>
-        </p:spPr>
-        <p:txBody>
-          <a:bodyPr wrap="square">
-            <a:spAutoFit/>
-          </a:bodyPr>
-          <a:lstStyle/>
-          <a:p>
-            <a:pPr>
-              <a:buSzPct val="200000"/>
-              <a:buBlip>
-                <a:blip r:embed="rId3"/>
-              </a:buBlip>
-            </a:pPr>
-            <a:r>
-              <a:rPr lang="en-US" sz="4000" dirty="0" smtClean="0">
-                <a:latin typeface="Segoe UI Semibold" pitchFamily="34" charset="0"/>
-                <a:cs typeface="Arial" pitchFamily="34" charset="0"/>
-                <a:sym typeface="Wingdings" pitchFamily="2" charset="2"/>
-              </a:rPr>
-              <a:t> C</a:t>
-            </a:r>
-            <a:r>
-              <a:rPr lang="en-US" sz="4000" dirty="0" smtClean="0">
-                <a:latin typeface="Segoe UI Semibold" pitchFamily="34" charset="0"/>
-                <a:cs typeface="Arial" pitchFamily="34" charset="0"/>
-              </a:rPr>
-              <a:t>onnection of physicians, pharmacists, patients,</a:t>
-            </a:r>
-          </a:p>
-          <a:p>
-            <a:pPr>
-              <a:buSzPct val="200000"/>
-            </a:pPr>
-            <a:r>
-              <a:rPr lang="en-US" sz="4000" dirty="0" smtClean="0">
-                <a:latin typeface="Segoe UI Semibold" pitchFamily="34" charset="0"/>
-                <a:cs typeface="Arial" pitchFamily="34" charset="0"/>
-              </a:rPr>
-              <a:t>     pharmaceutical researchers and drug companies</a:t>
-            </a:r>
-            <a:endParaRPr lang="en-US" sz="4000" dirty="0" smtClean="0">
-              <a:latin typeface="Segoe UI Semibold" pitchFamily="34" charset="0"/>
-            </a:endParaRPr>
-          </a:p>
-        </p:txBody>
-      </p:sp>
-      <p:sp>
-        <p:nvSpPr>
-          <p:cNvPr id="111" name="Rectangle 110"/>
-          <p:cNvSpPr/>
-          <p:nvPr/>
-        </p:nvSpPr>
-        <p:spPr>
-          <a:xfrm>
-            <a:off x="18713450" y="22104350"/>
-            <a:ext cx="9677400" cy="707886"/>
-          </a:xfrm>
-          <a:prstGeom prst="rect">
-            <a:avLst/>
-          </a:prstGeom>
-        </p:spPr>
-        <p:txBody>
-          <a:bodyPr wrap="square">
-            <a:spAutoFit/>
-          </a:bodyPr>
-          <a:lstStyle/>
-          <a:p>
-            <a:pPr>
-              <a:buSzPct val="200000"/>
-              <a:buBlip>
-                <a:blip r:embed="rId3"/>
-              </a:buBlip>
-            </a:pPr>
-            <a:r>
-              <a:rPr lang="en-US" sz="4000" dirty="0" smtClean="0">
-                <a:latin typeface="Segoe UI Semibold" pitchFamily="34" charset="0"/>
-                <a:cs typeface="Arial" pitchFamily="34" charset="0"/>
-                <a:sym typeface="Wingdings" pitchFamily="2" charset="2"/>
-              </a:rPr>
-              <a:t> Machine understandable prescription.</a:t>
-            </a:r>
-          </a:p>
-        </p:txBody>
-      </p:sp>
-      <p:sp>
-        <p:nvSpPr>
-          <p:cNvPr id="112" name="Rectangle 111"/>
-          <p:cNvSpPr/>
-          <p:nvPr/>
-        </p:nvSpPr>
-        <p:spPr>
-          <a:xfrm>
-            <a:off x="21364217" y="23225264"/>
-            <a:ext cx="5197833" cy="707886"/>
-          </a:xfrm>
-          <a:prstGeom prst="rect">
-            <a:avLst/>
-          </a:prstGeom>
-        </p:spPr>
-        <p:txBody>
-          <a:bodyPr wrap="none">
-            <a:spAutoFit/>
-          </a:bodyPr>
-          <a:lstStyle/>
-          <a:p>
-            <a:pPr>
-              <a:buSzPct val="200000"/>
-              <a:buBlip>
-                <a:blip r:embed="rId3"/>
-              </a:buBlip>
-            </a:pPr>
-            <a:r>
-              <a:rPr lang="en-US" sz="4000" dirty="0" smtClean="0">
-                <a:latin typeface="Segoe UI Semibold" pitchFamily="34" charset="0"/>
-                <a:cs typeface="Arial" pitchFamily="34" charset="0"/>
-                <a:sym typeface="Wingdings" pitchFamily="2" charset="2"/>
-              </a:rPr>
-              <a:t> Patient awareness.</a:t>
-            </a:r>
-          </a:p>
-        </p:txBody>
-      </p:sp>
-      <p:pic>
-        <p:nvPicPr>
-          <p:cNvPr id="121" name="Picture 120" descr="23  uni_logo.tif"/>
-          <p:cNvPicPr>
-            <a:picLocks noChangeAspect="1"/>
-          </p:cNvPicPr>
-          <p:nvPr/>
-        </p:nvPicPr>
-        <p:blipFill>
-          <a:blip r:embed="rId9" cstate="print"/>
-          <a:stretch>
-            <a:fillRect/>
-          </a:stretch>
-        </p:blipFill>
-        <p:spPr>
-          <a:xfrm>
-            <a:off x="26229855" y="45954951"/>
-            <a:ext cx="6123395" cy="838200"/>
-          </a:xfrm>
-          <a:prstGeom prst="rect">
-            <a:avLst/>
-          </a:prstGeom>
-        </p:spPr>
-      </p:pic>
-      <p:pic>
-        <p:nvPicPr>
-          <p:cNvPr id="11270" name="Picture 6" descr="http://www.bitili.com/pharmer/img/ali.png"/>
-          <p:cNvPicPr>
-            <a:picLocks noChangeAspect="1" noChangeArrowheads="1"/>
-          </p:cNvPicPr>
-          <p:nvPr/>
-        </p:nvPicPr>
-        <p:blipFill>
-          <a:blip r:embed="rId10" cstate="print"/>
-          <a:srcRect/>
-          <a:stretch>
-            <a:fillRect/>
-          </a:stretch>
-        </p:blipFill>
-        <p:spPr bwMode="auto">
-          <a:xfrm>
-            <a:off x="1187450" y="42261869"/>
-            <a:ext cx="1600200" cy="1600200"/>
-          </a:xfrm>
-          <a:prstGeom prst="rect">
-            <a:avLst/>
-          </a:prstGeom>
-          <a:noFill/>
-        </p:spPr>
-      </p:pic>
-      <p:pic>
-        <p:nvPicPr>
-          <p:cNvPr id="11272" name="Picture 8" descr="http://www.bitili.com/pharmer/img/bita.png"/>
-          <p:cNvPicPr>
-            <a:picLocks noChangeAspect="1" noChangeArrowheads="1"/>
-          </p:cNvPicPr>
-          <p:nvPr/>
-        </p:nvPicPr>
-        <p:blipFill>
-          <a:blip r:embed="rId11" cstate="print"/>
-          <a:srcRect/>
-          <a:stretch>
-            <a:fillRect/>
-          </a:stretch>
-        </p:blipFill>
-        <p:spPr bwMode="auto">
-          <a:xfrm>
-            <a:off x="9340850" y="42261869"/>
-            <a:ext cx="1828800" cy="1828800"/>
-          </a:xfrm>
-          <a:prstGeom prst="rect">
-            <a:avLst/>
-          </a:prstGeom>
-          <a:noFill/>
-        </p:spPr>
-      </p:pic>
-      <p:sp>
-        <p:nvSpPr>
-          <p:cNvPr id="124" name="TextBox 123"/>
-          <p:cNvSpPr txBox="1"/>
-          <p:nvPr/>
-        </p:nvSpPr>
-        <p:spPr>
-          <a:xfrm>
-            <a:off x="2787650" y="42414269"/>
-            <a:ext cx="5240602" cy="2092881"/>
-          </a:xfrm>
-          <a:prstGeom prst="rect">
-            <a:avLst/>
-          </a:prstGeom>
-          <a:noFill/>
-        </p:spPr>
-        <p:txBody>
-          <a:bodyPr wrap="none" rtlCol="0">
-            <a:spAutoFit/>
-          </a:bodyPr>
-          <a:lstStyle/>
-          <a:p>
-            <a:r>
-              <a:rPr lang="en-US" sz="4000" b="1" dirty="0" smtClean="0"/>
-              <a:t>Ali Khalili</a:t>
-            </a:r>
-          </a:p>
-          <a:p>
-            <a:r>
-              <a:rPr lang="en-US" sz="3000" dirty="0" smtClean="0"/>
-              <a:t>AKSW Research group</a:t>
-            </a:r>
-          </a:p>
-          <a:p>
-            <a:r>
-              <a:rPr lang="en-US" sz="3000" dirty="0" smtClean="0"/>
-              <a:t>Institute of Informatics</a:t>
-            </a:r>
-          </a:p>
-          <a:p>
-            <a:r>
-              <a:rPr lang="en-US" sz="3000" dirty="0" smtClean="0">
-                <a:solidFill>
-                  <a:schemeClr val="bg1">
-                    <a:lumMod val="95000"/>
-                  </a:schemeClr>
-                </a:solidFill>
-              </a:rPr>
-              <a:t>khalili@informatik.uni-leipzig.de</a:t>
-            </a:r>
-            <a:endParaRPr lang="en-US" sz="3000" dirty="0">
-              <a:solidFill>
-                <a:schemeClr val="bg1">
-                  <a:lumMod val="95000"/>
-                </a:schemeClr>
-              </a:solidFill>
-            </a:endParaRPr>
-          </a:p>
-        </p:txBody>
-      </p:sp>
-      <p:sp>
-        <p:nvSpPr>
-          <p:cNvPr id="125" name="TextBox 124"/>
-          <p:cNvSpPr txBox="1"/>
-          <p:nvPr/>
-        </p:nvSpPr>
-        <p:spPr>
-          <a:xfrm>
-            <a:off x="11093449" y="42338069"/>
-            <a:ext cx="7008778" cy="2554545"/>
-          </a:xfrm>
-          <a:prstGeom prst="rect">
-            <a:avLst/>
-          </a:prstGeom>
-          <a:noFill/>
-        </p:spPr>
-        <p:txBody>
-          <a:bodyPr wrap="none" rtlCol="0">
-            <a:spAutoFit/>
-          </a:bodyPr>
-          <a:lstStyle/>
-          <a:p>
-            <a:r>
-              <a:rPr lang="en-US" sz="4000" b="1" dirty="0" smtClean="0"/>
-              <a:t>Bita Sedaghati</a:t>
-            </a:r>
-          </a:p>
-          <a:p>
-            <a:r>
-              <a:rPr lang="en-US" sz="3000" dirty="0" smtClean="0"/>
-              <a:t>Pharmaceutical Technology Research Group</a:t>
-            </a:r>
-          </a:p>
-          <a:p>
-            <a:r>
-              <a:rPr lang="en-US" sz="3000" dirty="0" smtClean="0"/>
-              <a:t>Institute of Pharmacy</a:t>
-            </a:r>
-          </a:p>
-          <a:p>
-            <a:r>
-              <a:rPr lang="en-US" sz="3000" dirty="0" smtClean="0">
-                <a:solidFill>
-                  <a:schemeClr val="bg1">
-                    <a:lumMod val="95000"/>
-                  </a:schemeClr>
-                </a:solidFill>
-              </a:rPr>
-              <a:t>bita.sedaghati@uni-leipzig.de</a:t>
-            </a:r>
-            <a:endParaRPr lang="en-US" sz="3200" dirty="0" smtClean="0"/>
-          </a:p>
-          <a:p>
-            <a:endParaRPr lang="en-US" sz="3000" dirty="0">
-              <a:solidFill>
-                <a:schemeClr val="bg1">
-                  <a:lumMod val="95000"/>
-                </a:schemeClr>
-              </a:solidFill>
-            </a:endParaRPr>
-          </a:p>
-        </p:txBody>
-      </p:sp>
-      <p:pic>
-        <p:nvPicPr>
-          <p:cNvPr id="11274" name="Picture 10" descr="QRCode"/>
-          <p:cNvPicPr>
-            <a:picLocks noChangeAspect="1" noChangeArrowheads="1"/>
-          </p:cNvPicPr>
-          <p:nvPr/>
-        </p:nvPicPr>
-        <p:blipFill>
-          <a:blip r:embed="rId12" cstate="print"/>
-          <a:srcRect/>
-          <a:stretch>
-            <a:fillRect/>
-          </a:stretch>
-        </p:blipFill>
-        <p:spPr bwMode="auto">
-          <a:xfrm>
-            <a:off x="27628850" y="42144950"/>
-            <a:ext cx="3505200" cy="3505200"/>
-          </a:xfrm>
-          <a:prstGeom prst="rect">
-            <a:avLst/>
-          </a:prstGeom>
-          <a:ln w="38100" cap="sq">
-            <a:solidFill>
-              <a:srgbClr val="000000"/>
-            </a:solidFill>
-            <a:prstDash val="solid"/>
-            <a:miter lim="800000"/>
-          </a:ln>
-          <a:effectLst>
-            <a:outerShdw blurRad="50800" dist="38100" dir="2700000" algn="tl" rotWithShape="0">
-              <a:srgbClr val="000000">
-                <a:alpha val="43000"/>
-              </a:srgbClr>
-            </a:outerShdw>
-          </a:effectLst>
-        </p:spPr>
-      </p:pic>
-      <p:pic>
-        <p:nvPicPr>
-          <p:cNvPr id="1028" name="Picture 4"/>
-          <p:cNvPicPr>
-            <a:picLocks noChangeAspect="1" noChangeArrowheads="1"/>
-          </p:cNvPicPr>
-          <p:nvPr/>
-        </p:nvPicPr>
-        <p:blipFill>
-          <a:blip r:embed="rId13" cstate="print"/>
-          <a:srcRect/>
-          <a:stretch>
-            <a:fillRect/>
-          </a:stretch>
-        </p:blipFill>
-        <p:spPr bwMode="auto">
-          <a:xfrm>
-            <a:off x="16884650" y="25838150"/>
-            <a:ext cx="13944600" cy="13944600"/>
-          </a:xfrm>
-          <a:prstGeom prst="ellipse">
-            <a:avLst/>
-          </a:prstGeom>
-          <a:ln>
-            <a:noFill/>
-          </a:ln>
-          <a:effectLst>
-            <a:softEdge rad="112500"/>
-          </a:effectLst>
-        </p:spPr>
-      </p:pic>
-      <p:sp>
-        <p:nvSpPr>
-          <p:cNvPr id="130" name="Cloud Callout 129"/>
-          <p:cNvSpPr/>
-          <p:nvPr/>
-        </p:nvSpPr>
-        <p:spPr>
-          <a:xfrm rot="10800000">
-            <a:off x="2330450" y="34905950"/>
-            <a:ext cx="13563601" cy="4800600"/>
-          </a:xfrm>
-          <a:prstGeom prst="cloudCallout">
-            <a:avLst>
-              <a:gd name="adj1" fmla="val 16058"/>
-              <a:gd name="adj2" fmla="val 52046"/>
-            </a:avLst>
-          </a:prstGeom>
-          <a:solidFill>
-            <a:schemeClr val="accent1">
-              <a:alpha val="26000"/>
-            </a:schemeClr>
-          </a:solidFill>
-        </p:spPr>
-        <p:style>
-          <a:lnRef idx="2">
-            <a:schemeClr val="accent1">
-              <a:shade val="50000"/>
-            </a:schemeClr>
-          </a:lnRef>
-          <a:fillRef idx="1">
-            <a:schemeClr val="accent1"/>
-          </a:fillRef>
-          <a:effectRef idx="0">
-            <a:schemeClr val="accent1"/>
-          </a:effectRef>
-          <a:fontRef idx="minor">
-            <a:schemeClr val="lt1"/>
-          </a:fontRef>
-        </p:style>
-        <p:txBody>
-          <a:bodyPr rtlCol="0" anchor="ctr"/>
-          <a:lstStyle/>
-          <a:p>
-            <a:pPr algn="ctr"/>
-            <a:endParaRPr lang="en-US"/>
-          </a:p>
-        </p:txBody>
-      </p:sp>
-      <p:sp>
-        <p:nvSpPr>
-          <p:cNvPr id="128" name="Rectangle 127"/>
-          <p:cNvSpPr/>
-          <p:nvPr/>
-        </p:nvSpPr>
-        <p:spPr>
-          <a:xfrm>
-            <a:off x="2406650" y="36158428"/>
-            <a:ext cx="13639800" cy="2862322"/>
-          </a:xfrm>
-          <a:prstGeom prst="rect">
-            <a:avLst/>
-          </a:prstGeom>
-        </p:spPr>
-        <p:txBody>
-          <a:bodyPr wrap="square">
-            <a:spAutoFit/>
-          </a:bodyPr>
-          <a:lstStyle/>
-          <a:p>
-            <a:pPr lvl="1">
-              <a:buSzPct val="200000"/>
-              <a:buBlip>
-                <a:blip r:embed="rId3"/>
-              </a:buBlip>
-            </a:pPr>
-            <a:r>
-              <a:rPr lang="en-US" sz="4500" dirty="0">
-                <a:latin typeface="Arial" pitchFamily="34" charset="0"/>
-                <a:cs typeface="Arial" pitchFamily="34" charset="0"/>
-              </a:rPr>
-              <a:t> </a:t>
-            </a:r>
-            <a:r>
-              <a:rPr lang="en-US" sz="4500" dirty="0" smtClean="0">
-                <a:latin typeface="Arial" pitchFamily="34" charset="0"/>
-                <a:cs typeface="Arial" pitchFamily="34" charset="0"/>
-              </a:rPr>
-              <a:t>Providing Different Semantic Views.</a:t>
-            </a:r>
-          </a:p>
-          <a:p>
-            <a:pPr lvl="1">
-              <a:buSzPct val="200000"/>
-              <a:buBlip>
-                <a:blip r:embed="rId3"/>
-              </a:buBlip>
-            </a:pPr>
-            <a:r>
-              <a:rPr lang="en-US" sz="4500" dirty="0" smtClean="0">
-                <a:latin typeface="Arial" pitchFamily="34" charset="0"/>
-                <a:cs typeface="Arial" pitchFamily="34" charset="0"/>
-              </a:rPr>
-              <a:t> Real-time Drug Tagging.</a:t>
-            </a:r>
-          </a:p>
-          <a:p>
-            <a:pPr lvl="1">
-              <a:buSzPct val="200000"/>
-              <a:buBlip>
-                <a:blip r:embed="rId3"/>
-              </a:buBlip>
-            </a:pPr>
-            <a:r>
-              <a:rPr lang="en-US" sz="4500" dirty="0" smtClean="0">
-                <a:latin typeface="Arial" pitchFamily="34" charset="0"/>
-                <a:cs typeface="Arial" pitchFamily="34" charset="0"/>
-              </a:rPr>
-              <a:t> Drug Suggestion.</a:t>
-            </a:r>
-          </a:p>
-          <a:p>
-            <a:pPr lvl="1">
-              <a:buSzPct val="200000"/>
-              <a:buBlip>
-                <a:blip r:embed="rId3"/>
-              </a:buBlip>
-            </a:pPr>
-            <a:r>
-              <a:rPr lang="en-US" sz="4500" dirty="0" smtClean="0">
-                <a:latin typeface="Arial" pitchFamily="34" charset="0"/>
-                <a:cs typeface="Arial" pitchFamily="34" charset="0"/>
-              </a:rPr>
-              <a:t> Automatic Drug Annotation.</a:t>
-            </a:r>
-          </a:p>
-        </p:txBody>
-      </p:sp>
-      <p:sp>
-        <p:nvSpPr>
-          <p:cNvPr id="11" name="Oval 10"/>
-          <p:cNvSpPr/>
-          <p:nvPr/>
-        </p:nvSpPr>
-        <p:spPr>
-          <a:xfrm>
-            <a:off x="16884650" y="26371550"/>
-            <a:ext cx="13944600" cy="12877800"/>
-          </a:xfrm>
-          <a:prstGeom prst="ellipse">
-            <a:avLst/>
-          </a:prstGeom>
-          <a:noFill/>
-          <a:ln w="127000">
-            <a:solidFill>
-              <a:schemeClr val="tx2">
-                <a:lumMod val="60000"/>
-                <a:lumOff val="40000"/>
-              </a:schemeClr>
-            </a:solidFill>
-          </a:ln>
-        </p:spPr>
-        <p:style>
-          <a:lnRef idx="2">
-            <a:schemeClr val="accent4">
-              <a:shade val="50000"/>
-            </a:schemeClr>
-          </a:lnRef>
-          <a:fillRef idx="1">
-            <a:schemeClr val="accent4"/>
-          </a:fillRef>
-          <a:effectRef idx="0">
-            <a:schemeClr val="accent4"/>
-          </a:effectRef>
-          <a:fontRef idx="minor">
-            <a:schemeClr val="lt1"/>
-          </a:fontRef>
-        </p:style>
-        <p:txBody>
-          <a:bodyPr rtlCol="0" anchor="ctr"/>
-          <a:lstStyle/>
-          <a:p>
-            <a:pPr algn="ctr"/>
-            <a:endParaRPr lang="en-US"/>
-          </a:p>
-        </p:txBody>
-      </p:sp>
-      <p:pic>
-        <p:nvPicPr>
-          <p:cNvPr id="42" name="Picture 41" descr="AKSW_Logo_rgb.jpg"/>
-          <p:cNvPicPr>
-            <a:picLocks noChangeAspect="1"/>
-          </p:cNvPicPr>
-          <p:nvPr/>
-        </p:nvPicPr>
-        <p:blipFill>
-          <a:blip r:embed="rId14" cstate="print"/>
-          <a:srcRect b="35570"/>
-          <a:stretch>
-            <a:fillRect/>
-          </a:stretch>
-        </p:blipFill>
-        <p:spPr>
-          <a:xfrm>
-            <a:off x="21075650" y="42373550"/>
-            <a:ext cx="4343400" cy="1219200"/>
-          </a:xfrm>
-          <a:prstGeom prst="rect">
-            <a:avLst/>
-          </a:prstGeom>
-          <a:ln>
-            <a:noFill/>
-          </a:ln>
-          <a:effectLst>
-            <a:softEdge rad="112500"/>
-          </a:effectLst>
-        </p:spPr>
-      </p:pic>
-      <p:sp>
-        <p:nvSpPr>
-          <p:cNvPr id="43" name="Rectangle 42"/>
-          <p:cNvSpPr/>
-          <p:nvPr/>
-        </p:nvSpPr>
-        <p:spPr>
-          <a:xfrm>
-            <a:off x="21035233" y="43668950"/>
-            <a:ext cx="4612417" cy="707886"/>
-          </a:xfrm>
-          <a:prstGeom prst="rect">
-            <a:avLst/>
-          </a:prstGeom>
-        </p:spPr>
-        <p:txBody>
-          <a:bodyPr wrap="none">
-            <a:spAutoFit/>
-          </a:bodyPr>
-          <a:lstStyle/>
-          <a:p>
-            <a:r>
-              <a:rPr lang="en-US" sz="4000" dirty="0" smtClean="0"/>
-              <a:t>http://www.aksw.org</a:t>
-            </a:r>
-            <a:endParaRPr lang="en-US" sz="4000" dirty="0"/>
-          </a:p>
-        </p:txBody>
-      </p:sp>
     </p:spTree>
   </p:cSld>
   <p:clrMapOvr>
@@ -5361,4 +5705,287 @@
   <a:objectDefaults/>
   <a:extraClrSchemeLst/>
 </a:theme>
+</file>
+
+<file path=ppt/theme/theme2.xml><?xml version="1.0" encoding="utf-8"?>
+<a:theme xmlns:a="http://schemas.openxmlformats.org/drawingml/2006/main" name="Office Theme">
+  <a:themeElements>
+    <a:clrScheme name="Office">
+      <a:dk1>
+        <a:sysClr val="windowText" lastClr="000000"/>
+      </a:dk1>
+      <a:lt1>
+        <a:sysClr val="window" lastClr="FFFFFF"/>
+      </a:lt1>
+      <a:dk2>
+        <a:srgbClr val="1F497D"/>
+      </a:dk2>
+      <a:lt2>
+        <a:srgbClr val="EEECE1"/>
+      </a:lt2>
+      <a:accent1>
+        <a:srgbClr val="4F81BD"/>
+      </a:accent1>
+      <a:accent2>
+        <a:srgbClr val="C0504D"/>
+      </a:accent2>
+      <a:accent3>
+        <a:srgbClr val="9BBB59"/>
+      </a:accent3>
+      <a:accent4>
+        <a:srgbClr val="8064A2"/>
+      </a:accent4>
+      <a:accent5>
+        <a:srgbClr val="4BACC6"/>
+      </a:accent5>
+      <a:accent6>
+        <a:srgbClr val="F79646"/>
+      </a:accent6>
+      <a:hlink>
+        <a:srgbClr val="0000FF"/>
+      </a:hlink>
+      <a:folHlink>
+        <a:srgbClr val="800080"/>
+      </a:folHlink>
+    </a:clrScheme>
+    <a:fontScheme name="Office">
+      <a:majorFont>
+        <a:latin typeface="Calibri"/>
+        <a:ea typeface=""/>
+        <a:cs typeface=""/>
+        <a:font script="Jpan" typeface="ＭＳ Ｐゴシック"/>
+        <a:font script="Hang" typeface="맑은 고딕"/>
+        <a:font script="Hans" typeface="宋体"/>
+        <a:font script="Hant" typeface="新細明體"/>
+        <a:font script="Arab" typeface="Times New Roman"/>
+        <a:font script="Hebr" typeface="Times New Roman"/>
+        <a:font script="Thai" typeface="Angsana New"/>
+        <a:font script="Ethi" typeface="Nyala"/>
+        <a:font script="Beng" typeface="Vrinda"/>
+        <a:font script="Gujr" typeface="Shruti"/>
+        <a:font script="Khmr" typeface="MoolBoran"/>
+        <a:font script="Knda" typeface="Tunga"/>
+        <a:font script="Guru" typeface="Raavi"/>
+        <a:font script="Cans" typeface="Euphemia"/>
+        <a:font script="Cher" typeface="Plantagenet Cherokee"/>
+        <a:font script="Yiii" typeface="Microsoft Yi Baiti"/>
+        <a:font script="Tibt" typeface="Microsoft Himalaya"/>
+        <a:font script="Thaa" typeface="MV Boli"/>
+        <a:font script="Deva" typeface="Mangal"/>
+        <a:font script="Telu" typeface="Gautami"/>
+        <a:font script="Taml" typeface="Latha"/>
+        <a:font script="Syrc" typeface="Estrangelo Edessa"/>
+        <a:font script="Orya" typeface="Kalinga"/>
+        <a:font script="Mlym" typeface="Kartika"/>
+        <a:font script="Laoo" typeface="DokChampa"/>
+        <a:font script="Sinh" typeface="Iskoola Pota"/>
+        <a:font script="Mong" typeface="Mongolian Baiti"/>
+        <a:font script="Viet" typeface="Times New Roman"/>
+        <a:font script="Uigh" typeface="Microsoft Uighur"/>
+      </a:majorFont>
+      <a:minorFont>
+        <a:latin typeface="Calibri"/>
+        <a:ea typeface=""/>
+        <a:cs typeface=""/>
+        <a:font script="Jpan" typeface="ＭＳ Ｐゴシック"/>
+        <a:font script="Hang" typeface="맑은 고딕"/>
+        <a:font script="Hans" typeface="宋体"/>
+        <a:font script="Hant" typeface="新細明體"/>
+        <a:font script="Arab" typeface="Arial"/>
+        <a:font script="Hebr" typeface="Arial"/>
+        <a:font script="Thai" typeface="Cordia New"/>
+        <a:font script="Ethi" typeface="Nyala"/>
+        <a:font script="Beng" typeface="Vrinda"/>
+        <a:font script="Gujr" typeface="Shruti"/>
+        <a:font script="Khmr" typeface="DaunPenh"/>
+        <a:font script="Knda" typeface="Tunga"/>
+        <a:font script="Guru" typeface="Raavi"/>
+        <a:font script="Cans" typeface="Euphemia"/>
+        <a:font script="Cher" typeface="Plantagenet Cherokee"/>
+        <a:font script="Yiii" typeface="Microsoft Yi Baiti"/>
+        <a:font script="Tibt" typeface="Microsoft Himalaya"/>
+        <a:font script="Thaa" typeface="MV Boli"/>
+        <a:font script="Deva" typeface="Mangal"/>
+        <a:font script="Telu" typeface="Gautami"/>
+        <a:font script="Taml" typeface="Latha"/>
+        <a:font script="Syrc" typeface="Estrangelo Edessa"/>
+        <a:font script="Orya" typeface="Kalinga"/>
+        <a:font script="Mlym" typeface="Kartika"/>
+        <a:font script="Laoo" typeface="DokChampa"/>
+        <a:font script="Sinh" typeface="Iskoola Pota"/>
+        <a:font script="Mong" typeface="Mongolian Baiti"/>
+        <a:font script="Viet" typeface="Arial"/>
+        <a:font script="Uigh" typeface="Microsoft Uighur"/>
+      </a:minorFont>
+    </a:fontScheme>
+    <a:fmtScheme name="Office">
+      <a:fillStyleLst>
+        <a:solidFill>
+          <a:schemeClr val="phClr"/>
+        </a:solidFill>
+        <a:gradFill rotWithShape="1">
+          <a:gsLst>
+            <a:gs pos="0">
+              <a:schemeClr val="phClr">
+                <a:tint val="50000"/>
+                <a:satMod val="300000"/>
+              </a:schemeClr>
+            </a:gs>
+            <a:gs pos="35000">
+              <a:schemeClr val="phClr">
+                <a:tint val="37000"/>
+                <a:satMod val="300000"/>
+              </a:schemeClr>
+            </a:gs>
+            <a:gs pos="100000">
+              <a:schemeClr val="phClr">
+                <a:tint val="15000"/>
+                <a:satMod val="350000"/>
+              </a:schemeClr>
+            </a:gs>
+          </a:gsLst>
+          <a:lin ang="16200000" scaled="1"/>
+        </a:gradFill>
+        <a:gradFill rotWithShape="1">
+          <a:gsLst>
+            <a:gs pos="0">
+              <a:schemeClr val="phClr">
+                <a:shade val="51000"/>
+                <a:satMod val="130000"/>
+              </a:schemeClr>
+            </a:gs>
+            <a:gs pos="80000">
+              <a:schemeClr val="phClr">
+                <a:shade val="93000"/>
+                <a:satMod val="130000"/>
+              </a:schemeClr>
+            </a:gs>
+            <a:gs pos="100000">
+              <a:schemeClr val="phClr">
+                <a:shade val="94000"/>
+                <a:satMod val="135000"/>
+              </a:schemeClr>
+            </a:gs>
+          </a:gsLst>
+          <a:lin ang="16200000" scaled="0"/>
+        </a:gradFill>
+      </a:fillStyleLst>
+      <a:lnStyleLst>
+        <a:ln w="9525" cap="flat" cmpd="sng" algn="ctr">
+          <a:solidFill>
+            <a:schemeClr val="phClr">
+              <a:shade val="95000"/>
+              <a:satMod val="105000"/>
+            </a:schemeClr>
+          </a:solidFill>
+          <a:prstDash val="solid"/>
+        </a:ln>
+        <a:ln w="25400" cap="flat" cmpd="sng" algn="ctr">
+          <a:solidFill>
+            <a:schemeClr val="phClr"/>
+          </a:solidFill>
+          <a:prstDash val="solid"/>
+        </a:ln>
+        <a:ln w="38100" cap="flat" cmpd="sng" algn="ctr">
+          <a:solidFill>
+            <a:schemeClr val="phClr"/>
+          </a:solidFill>
+          <a:prstDash val="solid"/>
+        </a:ln>
+      </a:lnStyleLst>
+      <a:effectStyleLst>
+        <a:effectStyle>
+          <a:effectLst>
+            <a:outerShdw blurRad="40000" dist="20000" dir="5400000" rotWithShape="0">
+              <a:srgbClr val="000000">
+                <a:alpha val="38000"/>
+              </a:srgbClr>
+            </a:outerShdw>
+          </a:effectLst>
+        </a:effectStyle>
+        <a:effectStyle>
+          <a:effectLst>
+            <a:outerShdw blurRad="40000" dist="23000" dir="5400000" rotWithShape="0">
+              <a:srgbClr val="000000">
+                <a:alpha val="35000"/>
+              </a:srgbClr>
+            </a:outerShdw>
+          </a:effectLst>
+        </a:effectStyle>
+        <a:effectStyle>
+          <a:effectLst>
+            <a:outerShdw blurRad="40000" dist="23000" dir="5400000" rotWithShape="0">
+              <a:srgbClr val="000000">
+                <a:alpha val="35000"/>
+              </a:srgbClr>
+            </a:outerShdw>
+          </a:effectLst>
+          <a:scene3d>
+            <a:camera prst="orthographicFront">
+              <a:rot lat="0" lon="0" rev="0"/>
+            </a:camera>
+            <a:lightRig rig="threePt" dir="t">
+              <a:rot lat="0" lon="0" rev="1200000"/>
+            </a:lightRig>
+          </a:scene3d>
+          <a:sp3d>
+            <a:bevelT w="63500" h="25400"/>
+          </a:sp3d>
+        </a:effectStyle>
+      </a:effectStyleLst>
+      <a:bgFillStyleLst>
+        <a:solidFill>
+          <a:schemeClr val="phClr"/>
+        </a:solidFill>
+        <a:gradFill rotWithShape="1">
+          <a:gsLst>
+            <a:gs pos="0">
+              <a:schemeClr val="phClr">
+                <a:tint val="40000"/>
+                <a:satMod val="350000"/>
+              </a:schemeClr>
+            </a:gs>
+            <a:gs pos="40000">
+              <a:schemeClr val="phClr">
+                <a:tint val="45000"/>
+                <a:shade val="99000"/>
+                <a:satMod val="350000"/>
+              </a:schemeClr>
+            </a:gs>
+            <a:gs pos="100000">
+              <a:schemeClr val="phClr">
+                <a:shade val="20000"/>
+                <a:satMod val="255000"/>
+              </a:schemeClr>
+            </a:gs>
+          </a:gsLst>
+          <a:path path="circle">
+            <a:fillToRect l="50000" t="-80000" r="50000" b="180000"/>
+          </a:path>
+        </a:gradFill>
+        <a:gradFill rotWithShape="1">
+          <a:gsLst>
+            <a:gs pos="0">
+              <a:schemeClr val="phClr">
+                <a:tint val="80000"/>
+                <a:satMod val="300000"/>
+              </a:schemeClr>
+            </a:gs>
+            <a:gs pos="100000">
+              <a:schemeClr val="phClr">
+                <a:shade val="30000"/>
+                <a:satMod val="200000"/>
+              </a:schemeClr>
+            </a:gs>
+          </a:gsLst>
+          <a:path path="circle">
+            <a:fillToRect l="50000" t="50000" r="50000" b="50000"/>
+          </a:path>
+        </a:gradFill>
+      </a:bgFillStyleLst>
+    </a:fmtScheme>
+  </a:themeElements>
+  <a:objectDefaults/>
+  <a:extraClrSchemeLst/>
+</a:theme>
 </file>
--- a/poster.pptx
+++ b/poster.pptx
@@ -3502,7 +3502,7 @@
         </p:blipFill>
         <p:spPr bwMode="auto">
           <a:xfrm>
-            <a:off x="15209837" y="23987919"/>
+            <a:off x="15743237" y="22159119"/>
             <a:ext cx="13944600" cy="13944600"/>
           </a:xfrm>
           <a:prstGeom prst="ellipse">
@@ -3516,6 +3516,113 @@
           </a:effectLst>
         </p:spPr>
       </p:pic>
+      <p:sp>
+        <p:nvSpPr>
+          <p:cNvPr id="59" name="TextBox 58"/>
+          <p:cNvSpPr txBox="1"/>
+          <p:nvPr/>
+        </p:nvSpPr>
+        <p:spPr>
+          <a:xfrm>
+            <a:off x="16657637" y="34883299"/>
+            <a:ext cx="12573000" cy="3277820"/>
+          </a:xfrm>
+          <a:prstGeom prst="rect">
+            <a:avLst/>
+          </a:prstGeom>
+          <a:noFill/>
+        </p:spPr>
+        <p:txBody>
+          <a:bodyPr wrap="square" rtlCol="0">
+            <a:spAutoFit/>
+          </a:bodyPr>
+          <a:lstStyle/>
+          <a:p>
+            <a:pPr marL="457200" indent="-457200">
+              <a:buFont typeface="+mj-lt"/>
+              <a:buAutoNum type="arabicPeriod"/>
+            </a:pPr>
+            <a:r>
+              <a:rPr lang="en-US" sz="2300" dirty="0" smtClean="0">
+                <a:latin typeface="Arial" pitchFamily="34" charset="0"/>
+                <a:cs typeface="Arial" pitchFamily="34" charset="0"/>
+              </a:rPr>
+              <a:t>The physician diagnoses the disease and writes the corresponding semantic prescription using the Pharmer. The patient's medication history is available to the physician as well.</a:t>
+            </a:r>
+          </a:p>
+          <a:p>
+            <a:pPr marL="457200" indent="-457200">
+              <a:buFont typeface="+mj-lt"/>
+              <a:buAutoNum type="arabicPeriod"/>
+            </a:pPr>
+            <a:r>
+              <a:rPr lang="en-US" sz="2300" dirty="0" smtClean="0">
+                <a:latin typeface="Arial" pitchFamily="34" charset="0"/>
+                <a:cs typeface="Arial" pitchFamily="34" charset="0"/>
+              </a:rPr>
+              <a:t>Pharmer utilizes the Linked Open Data as its integrated information source.</a:t>
+            </a:r>
+          </a:p>
+          <a:p>
+            <a:pPr marL="457200" indent="-457200">
+              <a:buFont typeface="+mj-lt"/>
+              <a:buAutoNum type="arabicPeriod"/>
+            </a:pPr>
+            <a:r>
+              <a:rPr lang="en-US" sz="2300" dirty="0" smtClean="0">
+                <a:latin typeface="Arial" pitchFamily="34" charset="0"/>
+                <a:cs typeface="Arial" pitchFamily="34" charset="0"/>
+              </a:rPr>
+              <a:t>The researcher can analyze the stored semantic prescriptions data.</a:t>
+            </a:r>
+          </a:p>
+          <a:p>
+            <a:pPr marL="457200" indent="-457200">
+              <a:buFont typeface="+mj-lt"/>
+              <a:buAutoNum type="arabicPeriod"/>
+            </a:pPr>
+            <a:r>
+              <a:rPr lang="en-US" sz="2300" dirty="0" smtClean="0">
+                <a:latin typeface="Arial" pitchFamily="34" charset="0"/>
+                <a:cs typeface="Arial" pitchFamily="34" charset="0"/>
+              </a:rPr>
+              <a:t>Drug companies utilize the Pharmer data store in order to balance their production and distribution according to the market taste and demand.</a:t>
+            </a:r>
+          </a:p>
+          <a:p>
+            <a:pPr marL="457200" indent="-457200">
+              <a:buFont typeface="+mj-lt"/>
+              <a:buAutoNum type="arabicPeriod"/>
+            </a:pPr>
+            <a:r>
+              <a:rPr lang="en-US" sz="2300" dirty="0" smtClean="0">
+                <a:latin typeface="Arial" pitchFamily="34" charset="0"/>
+                <a:cs typeface="Arial" pitchFamily="34" charset="0"/>
+              </a:rPr>
+              <a:t>The pharmacist verifies the prescription and hands in the medication to the patient.</a:t>
+            </a:r>
+          </a:p>
+          <a:p>
+            <a:pPr marL="457200" indent="-457200">
+              <a:buFont typeface="+mj-lt"/>
+              <a:buAutoNum type="arabicPeriod"/>
+            </a:pPr>
+            <a:r>
+              <a:rPr lang="en-US" sz="2300" dirty="0" smtClean="0">
+                <a:latin typeface="Arial" pitchFamily="34" charset="0"/>
+                <a:cs typeface="Arial" pitchFamily="34" charset="0"/>
+              </a:rPr>
+              <a:t>The patient inquires drug information and can contact the related physician and pharmacist.</a:t>
+            </a:r>
+          </a:p>
+          <a:p>
+            <a:endParaRPr lang="en-US" sz="2300" dirty="0">
+              <a:latin typeface="Arial" pitchFamily="34" charset="0"/>
+              <a:cs typeface="Arial" pitchFamily="34" charset="0"/>
+            </a:endParaRPr>
+          </a:p>
+        </p:txBody>
+      </p:sp>
       <p:sp>
         <p:nvSpPr>
           <p:cNvPr id="35" name="Rectangle 34"/>
@@ -5344,6 +5451,56 @@
           </a:p>
         </p:txBody>
       </p:sp>
+      <p:sp>
+        <p:nvSpPr>
+          <p:cNvPr id="61" name="Line Callout 1 (Border and Accent Bar) 60"/>
+          <p:cNvSpPr/>
+          <p:nvPr/>
+        </p:nvSpPr>
+        <p:spPr>
+          <a:xfrm>
+            <a:off x="16429037" y="34808319"/>
+            <a:ext cx="12649200" cy="3200400"/>
+          </a:xfrm>
+          <a:prstGeom prst="accentBorderCallout1">
+            <a:avLst>
+              <a:gd name="adj1" fmla="val -18643"/>
+              <a:gd name="adj2" fmla="val -1420"/>
+              <a:gd name="adj3" fmla="val -83875"/>
+              <a:gd name="adj4" fmla="val 20488"/>
+            </a:avLst>
+          </a:prstGeom>
+          <a:solidFill>
+            <a:schemeClr val="accent1">
+              <a:alpha val="6000"/>
+            </a:schemeClr>
+          </a:solidFill>
+        </p:spPr>
+        <p:style>
+          <a:lnRef idx="2">
+            <a:schemeClr val="accent1">
+              <a:shade val="50000"/>
+            </a:schemeClr>
+          </a:lnRef>
+          <a:fillRef idx="1">
+            <a:schemeClr val="accent1"/>
+          </a:fillRef>
+          <a:effectRef idx="0">
+            <a:schemeClr val="accent1"/>
+          </a:effectRef>
+          <a:fontRef idx="minor">
+            <a:schemeClr val="lt1"/>
+          </a:fontRef>
+        </p:style>
+        <p:txBody>
+          <a:bodyPr rtlCol="0" anchor="ctr"/>
+          <a:lstStyle/>
+          <a:p>
+            <a:pPr algn="ctr"/>
+            <a:endParaRPr lang="en-US"/>
+          </a:p>
+        </p:txBody>
+      </p:sp>
       <p:cxnSp>
         <p:nvCxnSpPr>
           <p:cNvPr id="53" name="Straight Connector 52"/>
@@ -5416,6 +5573,74 @@
           </a:fontRef>
         </p:style>
       </p:cxnSp>
+      <p:sp>
+        <p:nvSpPr>
+          <p:cNvPr id="62" name="TextBox 61"/>
+          <p:cNvSpPr txBox="1"/>
+          <p:nvPr/>
+        </p:nvSpPr>
+        <p:spPr>
+          <a:xfrm>
+            <a:off x="3793326" y="19522659"/>
+            <a:ext cx="8749511" cy="1569660"/>
+          </a:xfrm>
+          <a:prstGeom prst="rect">
+            <a:avLst/>
+          </a:prstGeom>
+          <a:noFill/>
+        </p:spPr>
+        <p:txBody>
+          <a:bodyPr wrap="none" rtlCol="0">
+            <a:spAutoFit/>
+          </a:bodyPr>
+          <a:lstStyle/>
+          <a:p>
+            <a:r>
+              <a:rPr lang="en-US" sz="9600" dirty="0" smtClean="0">
+                <a:ln w="18415" cmpd="sng">
+                  <a:solidFill>
+                    <a:srgbClr val="FFFFFF"/>
+                  </a:solidFill>
+                  <a:prstDash val="solid"/>
+                </a:ln>
+                <a:solidFill>
+                  <a:srgbClr val="FFFFFF"/>
+                </a:solidFill>
+                <a:effectLst>
+                  <a:outerShdw blurRad="63500" dir="3600000" algn="tl" rotWithShape="0">
+                    <a:srgbClr val="000000">
+                      <a:alpha val="70000"/>
+                    </a:srgbClr>
+                  </a:outerShdw>
+                </a:effectLst>
+                <a:latin typeface="Cordia New" pitchFamily="34" charset="-34"/>
+                <a:cs typeface="Cordia New" pitchFamily="34" charset="-34"/>
+              </a:rPr>
+              <a:t>http://bitili.com/pharmer</a:t>
+            </a:r>
+            <a:endParaRPr lang="en-US" sz="9600" dirty="0">
+              <a:ln w="18415" cmpd="sng">
+                <a:solidFill>
+                  <a:srgbClr val="FFFFFF"/>
+                </a:solidFill>
+                <a:prstDash val="solid"/>
+              </a:ln>
+              <a:solidFill>
+                <a:srgbClr val="FFFFFF"/>
+              </a:solidFill>
+              <a:effectLst>
+                <a:outerShdw blurRad="63500" dir="3600000" algn="tl" rotWithShape="0">
+                  <a:srgbClr val="000000">
+                    <a:alpha val="70000"/>
+                  </a:srgbClr>
+                </a:outerShdw>
+              </a:effectLst>
+              <a:latin typeface="Cordia New" pitchFamily="34" charset="-34"/>
+              <a:cs typeface="Cordia New" pitchFamily="34" charset="-34"/>
+            </a:endParaRPr>
+          </a:p>
+        </p:txBody>
+      </p:sp>
     </p:spTree>
   </p:cSld>
   <p:clrMapOvr>

--- a/poster.pptx
+++ b/poster.pptx
@@ -3686,8 +3686,8 @@
         </p:nvSpPr>
         <p:spPr>
           <a:xfrm rot="751615">
-            <a:off x="3650811" y="1554081"/>
-            <a:ext cx="8356221" cy="15694624"/>
+            <a:off x="3483488" y="2645787"/>
+            <a:ext cx="8356221" cy="15129593"/>
           </a:xfrm>
           <a:prstGeom prst="rect">
             <a:avLst/>
@@ -3734,7 +3734,7 @@
         </p:nvSpPr>
         <p:spPr>
           <a:xfrm>
-            <a:off x="3398837" y="9140467"/>
+            <a:off x="3170237" y="10225448"/>
             <a:ext cx="7924800" cy="5334000"/>
           </a:xfrm>
           <a:prstGeom prst="ellipse">
@@ -3780,7 +3780,7 @@
         </p:nvSpPr>
         <p:spPr>
           <a:xfrm>
-            <a:off x="5532437" y="2892067"/>
+            <a:off x="5303837" y="3977048"/>
             <a:ext cx="6781800" cy="4495800"/>
           </a:xfrm>
           <a:prstGeom prst="ellipse">
@@ -4394,7 +4394,7 @@
         </p:blipFill>
         <p:spPr bwMode="auto">
           <a:xfrm>
-            <a:off x="5684837" y="3044467"/>
+            <a:off x="5456237" y="4129448"/>
             <a:ext cx="6467475" cy="4295775"/>
           </a:xfrm>
           <a:prstGeom prst="ellipse">
@@ -4427,7 +4427,7 @@
         </p:blipFill>
         <p:spPr bwMode="auto">
           <a:xfrm>
-            <a:off x="5675312" y="5787667"/>
+            <a:off x="5446712" y="6872648"/>
             <a:ext cx="2057400" cy="1577340"/>
           </a:xfrm>
           <a:prstGeom prst="rect">
@@ -4450,7 +4450,7 @@
         </p:nvSpPr>
         <p:spPr>
           <a:xfrm>
-            <a:off x="10552112" y="4263667"/>
+            <a:off x="10323512" y="5348648"/>
             <a:ext cx="1151277" cy="1569660"/>
           </a:xfrm>
           <a:prstGeom prst="rect">
@@ -4527,7 +4527,7 @@
         </p:nvSpPr>
         <p:spPr>
           <a:xfrm>
-            <a:off x="5456237" y="1802437"/>
+            <a:off x="5227637" y="2887418"/>
             <a:ext cx="4095993" cy="784830"/>
           </a:xfrm>
           <a:prstGeom prst="rect">
@@ -4571,7 +4571,7 @@
         </p:blipFill>
         <p:spPr>
           <a:xfrm>
-            <a:off x="3617912" y="9216667"/>
+            <a:off x="3389312" y="10301648"/>
             <a:ext cx="7517461" cy="5155556"/>
           </a:xfrm>
           <a:prstGeom prst="ellipse">
@@ -4588,13 +4588,15 @@
       <p:cxnSp>
         <p:nvCxnSpPr>
           <p:cNvPr id="23" name="Elbow Connector 12"/>
-          <p:cNvCxnSpPr/>
+          <p:cNvCxnSpPr>
+            <a:endCxn id="18" idx="4"/>
+          </p:cNvCxnSpPr>
           <p:nvPr/>
         </p:nvCxnSpPr>
         <p:spPr>
           <a:xfrm flipV="1">
-            <a:off x="7742237" y="7300121"/>
-            <a:ext cx="228600" cy="1828798"/>
+            <a:off x="7513637" y="8425223"/>
+            <a:ext cx="1176338" cy="1788677"/>
           </a:xfrm>
           <a:prstGeom prst="straightConnector1">
             <a:avLst/>
@@ -4628,7 +4630,7 @@
         </p:nvSpPr>
         <p:spPr>
           <a:xfrm>
-            <a:off x="3856037" y="14626867"/>
+            <a:off x="3627437" y="15906070"/>
             <a:ext cx="6244017" cy="784830"/>
           </a:xfrm>
           <a:prstGeom prst="rect">
@@ -4664,7 +4666,7 @@
         </p:nvSpPr>
         <p:spPr>
           <a:xfrm>
-            <a:off x="6218237" y="5711467"/>
+            <a:off x="5989637" y="6796448"/>
             <a:ext cx="862737" cy="1569660"/>
           </a:xfrm>
           <a:prstGeom prst="rect">
@@ -5152,7 +5154,7 @@
         </p:nvSpPr>
         <p:spPr>
           <a:xfrm>
-            <a:off x="11095037" y="10348119"/>
+            <a:off x="11628437" y="10702568"/>
             <a:ext cx="21564600" cy="1169551"/>
           </a:xfrm>
           <a:prstGeom prst="rect">
@@ -5509,8 +5511,8 @@
         </p:nvCxnSpPr>
         <p:spPr>
           <a:xfrm>
-            <a:off x="12314237" y="8443119"/>
-            <a:ext cx="3810000" cy="5029200"/>
+            <a:off x="11933237" y="10424319"/>
+            <a:ext cx="4191000" cy="3048000"/>
           </a:xfrm>
           <a:prstGeom prst="line">
             <a:avLst/>
@@ -5638,6 +5640,371 @@
               <a:latin typeface="Cordia New" pitchFamily="34" charset="-34"/>
               <a:cs typeface="Cordia New" pitchFamily="34" charset="-34"/>
             </a:endParaRPr>
+          </a:p>
+        </p:txBody>
+      </p:sp>
+      <p:sp>
+        <p:nvSpPr>
+          <p:cNvPr id="63" name="Rectangle 62"/>
+          <p:cNvSpPr/>
+          <p:nvPr/>
+        </p:nvSpPr>
+        <p:spPr>
+          <a:xfrm rot="16947380">
+            <a:off x="9502771" y="5784084"/>
+            <a:ext cx="8390066" cy="1292662"/>
+          </a:xfrm>
+          <a:prstGeom prst="rect">
+            <a:avLst/>
+          </a:prstGeom>
+        </p:spPr>
+        <p:txBody>
+          <a:bodyPr wrap="square">
+            <a:spAutoFit/>
+          </a:bodyPr>
+          <a:lstStyle/>
+          <a:p>
+            <a:r>
+              <a:rPr lang="en-US" sz="3200" b="1" dirty="0" smtClean="0">
+                <a:solidFill>
+                  <a:schemeClr val="bg1">
+                    <a:lumMod val="50000"/>
+                  </a:schemeClr>
+                </a:solidFill>
+              </a:rPr>
+              <a:t>Linked Data</a:t>
+            </a:r>
+          </a:p>
+          <a:p>
+            <a:r>
+              <a:rPr lang="en-US" sz="2300" dirty="0" smtClean="0">
+                <a:solidFill>
+                  <a:schemeClr val="bg1">
+                    <a:lumMod val="65000"/>
+                  </a:schemeClr>
+                </a:solidFill>
+              </a:rPr>
+              <a:t>A recommended best practice for exposing, sharing, and connecting pieces of data, information, and knowledge on the Semantic Web.</a:t>
+            </a:r>
+          </a:p>
+        </p:txBody>
+      </p:sp>
+      <p:sp>
+        <p:nvSpPr>
+          <p:cNvPr id="64" name="Rectangle 63"/>
+          <p:cNvSpPr/>
+          <p:nvPr/>
+        </p:nvSpPr>
+        <p:spPr>
+          <a:xfrm rot="16947380">
+            <a:off x="-1994765" y="8247512"/>
+            <a:ext cx="9533846" cy="1292662"/>
+          </a:xfrm>
+          <a:prstGeom prst="rect">
+            <a:avLst/>
+          </a:prstGeom>
+        </p:spPr>
+        <p:txBody>
+          <a:bodyPr wrap="square">
+            <a:spAutoFit/>
+          </a:bodyPr>
+          <a:lstStyle/>
+          <a:p>
+            <a:r>
+              <a:rPr lang="en-US" sz="3200" b="1" dirty="0" smtClean="0">
+                <a:solidFill>
+                  <a:schemeClr val="bg1">
+                    <a:lumMod val="50000"/>
+                  </a:schemeClr>
+                </a:solidFill>
+              </a:rPr>
+              <a:t>Semantic Web</a:t>
+            </a:r>
+          </a:p>
+          <a:p>
+            <a:r>
+              <a:rPr lang="en-US" sz="2300" dirty="0">
+                <a:solidFill>
+                  <a:schemeClr val="bg1">
+                    <a:lumMod val="65000"/>
+                  </a:schemeClr>
+                </a:solidFill>
+              </a:rPr>
+              <a:t>A</a:t>
+            </a:r>
+            <a:r>
+              <a:rPr lang="en-US" sz="2300" dirty="0" smtClean="0">
+                <a:solidFill>
+                  <a:schemeClr val="bg1">
+                    <a:lumMod val="65000"/>
+                  </a:schemeClr>
+                </a:solidFill>
+              </a:rPr>
+              <a:t> collaborative movement aiming at converting the current web dominated by unstructured and semi-structured documents into a "web of data".</a:t>
+            </a:r>
+          </a:p>
+        </p:txBody>
+      </p:sp>
+      <p:sp>
+        <p:nvSpPr>
+          <p:cNvPr id="69" name="Rectangle 68"/>
+          <p:cNvSpPr/>
+          <p:nvPr/>
+        </p:nvSpPr>
+        <p:spPr>
+          <a:xfrm rot="16947380">
+            <a:off x="10862185" y="4228197"/>
+            <a:ext cx="11013065" cy="3062377"/>
+          </a:xfrm>
+          <a:prstGeom prst="rect">
+            <a:avLst/>
+          </a:prstGeom>
+        </p:spPr>
+        <p:txBody>
+          <a:bodyPr wrap="square">
+            <a:spAutoFit/>
+          </a:bodyPr>
+          <a:lstStyle/>
+          <a:p>
+            <a:r>
+              <a:rPr lang="en-US" sz="3200" b="1" dirty="0" smtClean="0">
+                <a:solidFill>
+                  <a:schemeClr val="bg1">
+                    <a:lumMod val="50000"/>
+                  </a:schemeClr>
+                </a:solidFill>
+              </a:rPr>
+              <a:t>Linked Open Data</a:t>
+            </a:r>
+          </a:p>
+          <a:p>
+            <a:r>
+              <a:rPr lang="en-US" sz="2300" b="1" dirty="0" smtClean="0">
+                <a:solidFill>
+                  <a:schemeClr val="accent6">
+                    <a:lumMod val="40000"/>
+                    <a:lumOff val="60000"/>
+                  </a:schemeClr>
+                </a:solidFill>
+              </a:rPr>
+              <a:t>★</a:t>
+            </a:r>
+            <a:r>
+              <a:rPr lang="en-US" sz="2300" b="1" dirty="0" smtClean="0">
+                <a:solidFill>
+                  <a:schemeClr val="bg1">
+                    <a:lumMod val="50000"/>
+                  </a:schemeClr>
+                </a:solidFill>
+              </a:rPr>
+              <a:t> </a:t>
+            </a:r>
+            <a:r>
+              <a:rPr lang="en-US" sz="2300" b="1" dirty="0" smtClean="0">
+                <a:solidFill>
+                  <a:schemeClr val="bg1">
+                    <a:lumMod val="75000"/>
+                  </a:schemeClr>
+                </a:solidFill>
+              </a:rPr>
+              <a:t>Make your stuff available on the Web (whatever format) under an open license</a:t>
+            </a:r>
+          </a:p>
+          <a:p>
+            <a:r>
+              <a:rPr lang="en-US" sz="2300" b="1" dirty="0" smtClean="0">
+                <a:solidFill>
+                  <a:schemeClr val="accent6">
+                    <a:lumMod val="40000"/>
+                    <a:lumOff val="60000"/>
+                  </a:schemeClr>
+                </a:solidFill>
+              </a:rPr>
+              <a:t>★★</a:t>
+            </a:r>
+            <a:r>
+              <a:rPr lang="en-US" sz="2300" b="1" dirty="0" smtClean="0">
+                <a:solidFill>
+                  <a:schemeClr val="bg1">
+                    <a:lumMod val="50000"/>
+                  </a:schemeClr>
+                </a:solidFill>
+              </a:rPr>
+              <a:t> </a:t>
+            </a:r>
+            <a:r>
+              <a:rPr lang="en-US" sz="2300" b="1" dirty="0" smtClean="0">
+                <a:solidFill>
+                  <a:schemeClr val="bg1">
+                    <a:lumMod val="75000"/>
+                  </a:schemeClr>
+                </a:solidFill>
+              </a:rPr>
+              <a:t>Make it available as structured data (e.g., Excel instead of image scan of a table)</a:t>
+            </a:r>
+          </a:p>
+          <a:p>
+            <a:r>
+              <a:rPr lang="en-US" sz="2300" b="1" dirty="0" smtClean="0">
+                <a:solidFill>
+                  <a:schemeClr val="accent6">
+                    <a:lumMod val="40000"/>
+                    <a:lumOff val="60000"/>
+                  </a:schemeClr>
+                </a:solidFill>
+              </a:rPr>
+              <a:t>★★★</a:t>
+            </a:r>
+            <a:r>
+              <a:rPr lang="en-US" sz="2300" b="1" dirty="0" smtClean="0">
+                <a:solidFill>
+                  <a:schemeClr val="bg1">
+                    <a:lumMod val="50000"/>
+                  </a:schemeClr>
+                </a:solidFill>
+              </a:rPr>
+              <a:t> </a:t>
+            </a:r>
+            <a:r>
+              <a:rPr lang="en-US" sz="2300" b="1" dirty="0" smtClean="0">
+                <a:solidFill>
+                  <a:schemeClr val="bg1">
+                    <a:lumMod val="75000"/>
+                  </a:schemeClr>
+                </a:solidFill>
+              </a:rPr>
+              <a:t>Use non-proprietary formats (e.g., CSV instead of Excel)</a:t>
+            </a:r>
+          </a:p>
+          <a:p>
+            <a:r>
+              <a:rPr lang="en-US" sz="2300" b="1" dirty="0" smtClean="0">
+                <a:solidFill>
+                  <a:schemeClr val="accent6">
+                    <a:lumMod val="40000"/>
+                    <a:lumOff val="60000"/>
+                  </a:schemeClr>
+                </a:solidFill>
+              </a:rPr>
+              <a:t>★★★★</a:t>
+            </a:r>
+            <a:r>
+              <a:rPr lang="en-US" sz="2300" b="1" dirty="0" smtClean="0">
+                <a:solidFill>
+                  <a:schemeClr val="bg1">
+                    <a:lumMod val="50000"/>
+                  </a:schemeClr>
+                </a:solidFill>
+              </a:rPr>
+              <a:t> </a:t>
+            </a:r>
+            <a:r>
+              <a:rPr lang="en-US" sz="2300" b="1" dirty="0" smtClean="0">
+                <a:solidFill>
+                  <a:schemeClr val="bg1">
+                    <a:lumMod val="75000"/>
+                  </a:schemeClr>
+                </a:solidFill>
+              </a:rPr>
+              <a:t>Use URIs to identify things, so that people can point at your stuff</a:t>
+            </a:r>
+          </a:p>
+          <a:p>
+            <a:r>
+              <a:rPr lang="en-US" sz="2300" b="1" dirty="0" smtClean="0">
+                <a:solidFill>
+                  <a:schemeClr val="accent6">
+                    <a:lumMod val="40000"/>
+                    <a:lumOff val="60000"/>
+                  </a:schemeClr>
+                </a:solidFill>
+              </a:rPr>
+              <a:t>★★★★★</a:t>
+            </a:r>
+            <a:r>
+              <a:rPr lang="en-US" sz="2300" b="1" dirty="0" smtClean="0">
+                <a:solidFill>
+                  <a:schemeClr val="bg1">
+                    <a:lumMod val="50000"/>
+                  </a:schemeClr>
+                </a:solidFill>
+              </a:rPr>
+              <a:t> </a:t>
+            </a:r>
+            <a:r>
+              <a:rPr lang="en-US" sz="2300" b="1" dirty="0" smtClean="0">
+                <a:solidFill>
+                  <a:schemeClr val="bg1">
+                    <a:lumMod val="75000"/>
+                  </a:schemeClr>
+                </a:solidFill>
+              </a:rPr>
+              <a:t>Link your data to other data to provide context</a:t>
+            </a:r>
+          </a:p>
+          <a:p>
+            <a:endParaRPr lang="en-US" sz="2300" dirty="0" smtClean="0">
+              <a:solidFill>
+                <a:schemeClr val="bg1">
+                  <a:lumMod val="50000"/>
+                </a:schemeClr>
+              </a:solidFill>
+            </a:endParaRPr>
+          </a:p>
+          <a:p>
+            <a:endParaRPr lang="en-US" sz="2300" dirty="0" smtClean="0">
+              <a:solidFill>
+                <a:schemeClr val="bg1">
+                  <a:lumMod val="65000"/>
+                </a:schemeClr>
+              </a:solidFill>
+            </a:endParaRPr>
+          </a:p>
+        </p:txBody>
+      </p:sp>
+      <p:sp>
+        <p:nvSpPr>
+          <p:cNvPr id="70" name="Rectangle 69"/>
+          <p:cNvSpPr/>
+          <p:nvPr/>
+        </p:nvSpPr>
+        <p:spPr>
+          <a:xfrm rot="16947380">
+            <a:off x="7858231" y="14598713"/>
+            <a:ext cx="8390066" cy="1646605"/>
+          </a:xfrm>
+          <a:prstGeom prst="rect">
+            <a:avLst/>
+          </a:prstGeom>
+        </p:spPr>
+        <p:txBody>
+          <a:bodyPr wrap="square">
+            <a:spAutoFit/>
+          </a:bodyPr>
+          <a:lstStyle/>
+          <a:p>
+            <a:r>
+              <a:rPr lang="en-US" sz="3200" b="1" dirty="0" smtClean="0">
+                <a:solidFill>
+                  <a:schemeClr val="bg1">
+                    <a:lumMod val="50000"/>
+                  </a:schemeClr>
+                </a:solidFill>
+              </a:rPr>
+              <a:t>Linked Open Drug Data</a:t>
+            </a:r>
+          </a:p>
+          <a:p>
+            <a:r>
+              <a:rPr lang="en-US" sz="2300" dirty="0" smtClean="0">
+                <a:solidFill>
+                  <a:schemeClr val="bg1">
+                    <a:lumMod val="65000"/>
+                  </a:schemeClr>
+                </a:solidFill>
+              </a:rPr>
+              <a:t>Linked Data representations of the drug-related data sets together with interesting scientific and business questions that can be answered once the data sets are connected.</a:t>
+            </a:r>
           </a:p>
         </p:txBody>
       </p:sp>

--- a/poster.pptx
+++ b/poster.pptx
@@ -192,6 +192,7 @@
           <a:p>
             <a:fld id="{6354BDD9-E806-4A8E-BA19-E409DF7CF83C}" type="datetimeFigureOut">
               <a:rPr lang="en-US" smtClean="0"/>
+              <a:pPr/>
               <a:t>11/30/2012</a:t>
             </a:fld>
             <a:endParaRPr lang="en-US"/>
@@ -353,6 +354,7 @@
           <a:p>
             <a:fld id="{09C5A09C-BC9A-48B6-9FDE-E3AF4955EE18}" type="slidenum">
               <a:rPr lang="en-US" smtClean="0"/>
+              <a:pPr/>
               <a:t>‹#›</a:t>
             </a:fld>
             <a:endParaRPr lang="en-US"/>
@@ -524,6 +526,7 @@
           <a:p>
             <a:fld id="{09C5A09C-BC9A-48B6-9FDE-E3AF4955EE18}" type="slidenum">
               <a:rPr lang="en-US" smtClean="0"/>
+              <a:pPr/>
               <a:t>1</a:t>
             </a:fld>
             <a:endParaRPr lang="en-US"/>
@@ -719,6 +722,7 @@
           <a:p>
             <a:fld id="{F0D5B36F-293B-473C-8DBA-B4E5C591472A}" type="datetimeFigureOut">
               <a:rPr lang="en-US" smtClean="0"/>
+              <a:pPr/>
               <a:t>11/30/2012</a:t>
             </a:fld>
             <a:endParaRPr lang="en-US"/>
@@ -761,6 +765,7 @@
           <a:p>
             <a:fld id="{8495C114-3D33-41E1-81BD-7B9ACCD1CF9B}" type="slidenum">
               <a:rPr lang="en-US" smtClean="0"/>
+              <a:pPr/>
               <a:t>‹#›</a:t>
             </a:fld>
             <a:endParaRPr lang="en-US"/>
@@ -884,6 +889,7 @@
           <a:p>
             <a:fld id="{F0D5B36F-293B-473C-8DBA-B4E5C591472A}" type="datetimeFigureOut">
               <a:rPr lang="en-US" smtClean="0"/>
+              <a:pPr/>
               <a:t>11/30/2012</a:t>
             </a:fld>
             <a:endParaRPr lang="en-US"/>
@@ -926,6 +932,7 @@
           <a:p>
             <a:fld id="{8495C114-3D33-41E1-81BD-7B9ACCD1CF9B}" type="slidenum">
               <a:rPr lang="en-US" smtClean="0"/>
+              <a:pPr/>
               <a:t>‹#›</a:t>
             </a:fld>
             <a:endParaRPr lang="en-US"/>
@@ -1059,6 +1066,7 @@
           <a:p>
             <a:fld id="{F0D5B36F-293B-473C-8DBA-B4E5C591472A}" type="datetimeFigureOut">
               <a:rPr lang="en-US" smtClean="0"/>
+              <a:pPr/>
               <a:t>11/30/2012</a:t>
             </a:fld>
             <a:endParaRPr lang="en-US"/>
@@ -1101,6 +1109,7 @@
           <a:p>
             <a:fld id="{8495C114-3D33-41E1-81BD-7B9ACCD1CF9B}" type="slidenum">
               <a:rPr lang="en-US" smtClean="0"/>
+              <a:pPr/>
               <a:t>‹#›</a:t>
             </a:fld>
             <a:endParaRPr lang="en-US"/>
@@ -1224,6 +1233,7 @@
           <a:p>
             <a:fld id="{F0D5B36F-293B-473C-8DBA-B4E5C591472A}" type="datetimeFigureOut">
               <a:rPr lang="en-US" smtClean="0"/>
+              <a:pPr/>
               <a:t>11/30/2012</a:t>
             </a:fld>
             <a:endParaRPr lang="en-US"/>
@@ -1266,6 +1276,7 @@
           <a:p>
             <a:fld id="{8495C114-3D33-41E1-81BD-7B9ACCD1CF9B}" type="slidenum">
               <a:rPr lang="en-US" smtClean="0"/>
+              <a:pPr/>
               <a:t>‹#›</a:t>
             </a:fld>
             <a:endParaRPr lang="en-US"/>
@@ -1465,6 +1476,7 @@
           <a:p>
             <a:fld id="{F0D5B36F-293B-473C-8DBA-B4E5C591472A}" type="datetimeFigureOut">
               <a:rPr lang="en-US" smtClean="0"/>
+              <a:pPr/>
               <a:t>11/30/2012</a:t>
             </a:fld>
             <a:endParaRPr lang="en-US"/>
@@ -1507,6 +1519,7 @@
           <a:p>
             <a:fld id="{8495C114-3D33-41E1-81BD-7B9ACCD1CF9B}" type="slidenum">
               <a:rPr lang="en-US" smtClean="0"/>
+              <a:pPr/>
               <a:t>‹#›</a:t>
             </a:fld>
             <a:endParaRPr lang="en-US"/>
@@ -1748,6 +1761,7 @@
           <a:p>
             <a:fld id="{F0D5B36F-293B-473C-8DBA-B4E5C591472A}" type="datetimeFigureOut">
               <a:rPr lang="en-US" smtClean="0"/>
+              <a:pPr/>
               <a:t>11/30/2012</a:t>
             </a:fld>
             <a:endParaRPr lang="en-US"/>
@@ -1790,6 +1804,7 @@
           <a:p>
             <a:fld id="{8495C114-3D33-41E1-81BD-7B9ACCD1CF9B}" type="slidenum">
               <a:rPr lang="en-US" smtClean="0"/>
+              <a:pPr/>
               <a:t>‹#›</a:t>
             </a:fld>
             <a:endParaRPr lang="en-US"/>
@@ -2170,6 +2185,7 @@
           <a:p>
             <a:fld id="{F0D5B36F-293B-473C-8DBA-B4E5C591472A}" type="datetimeFigureOut">
               <a:rPr lang="en-US" smtClean="0"/>
+              <a:pPr/>
               <a:t>11/30/2012</a:t>
             </a:fld>
             <a:endParaRPr lang="en-US"/>
@@ -2212,6 +2228,7 @@
           <a:p>
             <a:fld id="{8495C114-3D33-41E1-81BD-7B9ACCD1CF9B}" type="slidenum">
               <a:rPr lang="en-US" smtClean="0"/>
+              <a:pPr/>
               <a:t>‹#›</a:t>
             </a:fld>
             <a:endParaRPr lang="en-US"/>
@@ -2283,6 +2300,7 @@
           <a:p>
             <a:fld id="{F0D5B36F-293B-473C-8DBA-B4E5C591472A}" type="datetimeFigureOut">
               <a:rPr lang="en-US" smtClean="0"/>
+              <a:pPr/>
               <a:t>11/30/2012</a:t>
             </a:fld>
             <a:endParaRPr lang="en-US"/>
@@ -2325,6 +2343,7 @@
           <a:p>
             <a:fld id="{8495C114-3D33-41E1-81BD-7B9ACCD1CF9B}" type="slidenum">
               <a:rPr lang="en-US" smtClean="0"/>
+              <a:pPr/>
               <a:t>‹#›</a:t>
             </a:fld>
             <a:endParaRPr lang="en-US"/>
@@ -2373,6 +2392,7 @@
           <a:p>
             <a:fld id="{F0D5B36F-293B-473C-8DBA-B4E5C591472A}" type="datetimeFigureOut">
               <a:rPr lang="en-US" smtClean="0"/>
+              <a:pPr/>
               <a:t>11/30/2012</a:t>
             </a:fld>
             <a:endParaRPr lang="en-US"/>
@@ -2415,6 +2435,7 @@
           <a:p>
             <a:fld id="{8495C114-3D33-41E1-81BD-7B9ACCD1CF9B}" type="slidenum">
               <a:rPr lang="en-US" smtClean="0"/>
+              <a:pPr/>
               <a:t>‹#›</a:t>
             </a:fld>
             <a:endParaRPr lang="en-US"/>
@@ -2645,6 +2666,7 @@
           <a:p>
             <a:fld id="{F0D5B36F-293B-473C-8DBA-B4E5C591472A}" type="datetimeFigureOut">
               <a:rPr lang="en-US" smtClean="0"/>
+              <a:pPr/>
               <a:t>11/30/2012</a:t>
             </a:fld>
             <a:endParaRPr lang="en-US"/>
@@ -2687,6 +2709,7 @@
           <a:p>
             <a:fld id="{8495C114-3D33-41E1-81BD-7B9ACCD1CF9B}" type="slidenum">
               <a:rPr lang="en-US" smtClean="0"/>
+              <a:pPr/>
               <a:t>‹#›</a:t>
             </a:fld>
             <a:endParaRPr lang="en-US"/>
@@ -2893,6 +2916,7 @@
           <a:p>
             <a:fld id="{F0D5B36F-293B-473C-8DBA-B4E5C591472A}" type="datetimeFigureOut">
               <a:rPr lang="en-US" smtClean="0"/>
+              <a:pPr/>
               <a:t>11/30/2012</a:t>
             </a:fld>
             <a:endParaRPr lang="en-US"/>
@@ -2935,6 +2959,7 @@
           <a:p>
             <a:fld id="{8495C114-3D33-41E1-81BD-7B9ACCD1CF9B}" type="slidenum">
               <a:rPr lang="en-US" smtClean="0"/>
+              <a:pPr/>
               <a:t>‹#›</a:t>
             </a:fld>
             <a:endParaRPr lang="en-US"/>
@@ -3101,6 +3126,7 @@
           <a:p>
             <a:fld id="{F0D5B36F-293B-473C-8DBA-B4E5C591472A}" type="datetimeFigureOut">
               <a:rPr lang="en-US" smtClean="0"/>
+              <a:pPr/>
               <a:t>11/30/2012</a:t>
             </a:fld>
             <a:endParaRPr lang="en-US"/>
@@ -3179,6 +3205,7 @@
           <a:p>
             <a:fld id="{8495C114-3D33-41E1-81BD-7B9ACCD1CF9B}" type="slidenum">
               <a:rPr lang="en-US" smtClean="0"/>
+              <a:pPr/>
               <a:t>‹#›</a:t>
             </a:fld>
             <a:endParaRPr lang="en-US"/>
@@ -3893,7 +3920,7 @@
         </p:blipFill>
         <p:spPr bwMode="auto">
           <a:xfrm>
-            <a:off x="1036637" y="39532719"/>
+            <a:off x="1036637" y="39645174"/>
             <a:ext cx="1600200" cy="1600200"/>
           </a:xfrm>
           <a:prstGeom prst="rect">
@@ -3919,7 +3946,7 @@
         </p:blipFill>
         <p:spPr bwMode="auto">
           <a:xfrm>
-            <a:off x="9190037" y="39532719"/>
+            <a:off x="9190037" y="39645174"/>
             <a:ext cx="1828800" cy="1828800"/>
           </a:xfrm>
           <a:prstGeom prst="rect">
@@ -3936,7 +3963,7 @@
         </p:nvSpPr>
         <p:spPr>
           <a:xfrm>
-            <a:off x="2636837" y="39685119"/>
+            <a:off x="2636837" y="39797574"/>
             <a:ext cx="5240602" cy="2092881"/>
           </a:xfrm>
           <a:prstGeom prst="rect">
@@ -3996,7 +4023,7 @@
         </p:nvSpPr>
         <p:spPr>
           <a:xfrm>
-            <a:off x="10942636" y="39608919"/>
+            <a:off x="10942636" y="39721374"/>
             <a:ext cx="7008778" cy="2554545"/>
           </a:xfrm>
           <a:prstGeom prst="rect">
@@ -4186,89 +4213,6 @@
               <a:latin typeface="Arial Unicode MS" pitchFamily="34" charset="-128"/>
               <a:ea typeface="Arial Unicode MS" pitchFamily="34" charset="-128"/>
               <a:cs typeface="Arial Unicode MS" pitchFamily="34" charset="-128"/>
-            </a:endParaRPr>
-          </a:p>
-        </p:txBody>
-      </p:sp>
-      <p:sp>
-        <p:nvSpPr>
-          <p:cNvPr id="14" name="Rectangle 13"/>
-          <p:cNvSpPr/>
-          <p:nvPr/>
-        </p:nvSpPr>
-        <p:spPr>
-          <a:xfrm>
-            <a:off x="5303837" y="42047319"/>
-            <a:ext cx="8480424" cy="646331"/>
-          </a:xfrm>
-          <a:prstGeom prst="rect">
-            <a:avLst/>
-          </a:prstGeom>
-        </p:spPr>
-        <p:txBody>
-          <a:bodyPr wrap="square">
-            <a:spAutoFit/>
-          </a:bodyPr>
-          <a:lstStyle/>
-          <a:p>
-            <a:pPr algn="ctr"/>
-            <a:r>
-              <a:rPr lang="en-US" sz="3600" dirty="0" smtClean="0">
-                <a:solidFill>
-                  <a:schemeClr val="accent6">
-                    <a:lumMod val="60000"/>
-                    <a:lumOff val="40000"/>
-                  </a:schemeClr>
-                </a:solidFill>
-                <a:effectLst>
-                  <a:outerShdw blurRad="50800" dist="38100" dir="5400000" algn="t" rotWithShape="0">
-                    <a:prstClr val="black">
-                      <a:alpha val="40000"/>
-                    </a:prstClr>
-                  </a:outerShdw>
-                </a:effectLst>
-                <a:latin typeface="Arial Narrow" pitchFamily="34" charset="0"/>
-                <a:cs typeface="Arial" pitchFamily="34" charset="0"/>
-                <a:sym typeface="Wingdings"/>
-              </a:rPr>
-              <a:t></a:t>
-            </a:r>
-            <a:r>
-              <a:rPr lang="en-US" sz="3600" dirty="0" smtClean="0">
-                <a:solidFill>
-                  <a:schemeClr val="accent6">
-                    <a:lumMod val="60000"/>
-                    <a:lumOff val="40000"/>
-                  </a:schemeClr>
-                </a:solidFill>
-                <a:effectLst>
-                  <a:outerShdw blurRad="50800" dist="38100" dir="5400000" algn="t" rotWithShape="0">
-                    <a:prstClr val="black">
-                      <a:alpha val="40000"/>
-                    </a:prstClr>
-                  </a:outerShdw>
-                </a:effectLst>
-                <a:latin typeface="Arial Narrow" pitchFamily="34" charset="0"/>
-                <a:cs typeface="Arial" pitchFamily="34" charset="0"/>
-              </a:rPr>
-              <a:t>Printed by Universitätsrechenzentrum Leipzig</a:t>
-            </a:r>
-            <a:endParaRPr lang="en-US" sz="3600" dirty="0">
-              <a:solidFill>
-                <a:schemeClr val="accent6">
-                  <a:lumMod val="60000"/>
-                  <a:lumOff val="40000"/>
-                </a:schemeClr>
-              </a:solidFill>
-              <a:effectLst>
-                <a:outerShdw blurRad="50800" dist="38100" dir="5400000" algn="t" rotWithShape="0">
-                  <a:prstClr val="black">
-                    <a:alpha val="40000"/>
-                  </a:prstClr>
-                </a:outerShdw>
-              </a:effectLst>
-              <a:latin typeface="Arial Narrow" pitchFamily="34" charset="0"/>
-              <a:cs typeface="Arial" pitchFamily="34" charset="0"/>
             </a:endParaRPr>
           </a:p>
         </p:txBody>

--- a/poster.pptx
+++ b/poster.pptx
@@ -193,7 +193,7 @@
             <a:fld id="{6354BDD9-E806-4A8E-BA19-E409DF7CF83C}" type="datetimeFigureOut">
               <a:rPr lang="en-US" smtClean="0"/>
               <a:pPr/>
-              <a:t>11/30/2012</a:t>
+              <a:t>12/2/2012</a:t>
             </a:fld>
             <a:endParaRPr lang="en-US"/>
           </a:p>
@@ -723,7 +723,7 @@
             <a:fld id="{F0D5B36F-293B-473C-8DBA-B4E5C591472A}" type="datetimeFigureOut">
               <a:rPr lang="en-US" smtClean="0"/>
               <a:pPr/>
-              <a:t>11/30/2012</a:t>
+              <a:t>12/2/2012</a:t>
             </a:fld>
             <a:endParaRPr lang="en-US"/>
           </a:p>
@@ -890,7 +890,7 @@
             <a:fld id="{F0D5B36F-293B-473C-8DBA-B4E5C591472A}" type="datetimeFigureOut">
               <a:rPr lang="en-US" smtClean="0"/>
               <a:pPr/>
-              <a:t>11/30/2012</a:t>
+              <a:t>12/2/2012</a:t>
             </a:fld>
             <a:endParaRPr lang="en-US"/>
           </a:p>
@@ -1067,7 +1067,7 @@
             <a:fld id="{F0D5B36F-293B-473C-8DBA-B4E5C591472A}" type="datetimeFigureOut">
               <a:rPr lang="en-US" smtClean="0"/>
               <a:pPr/>
-              <a:t>11/30/2012</a:t>
+              <a:t>12/2/2012</a:t>
             </a:fld>
             <a:endParaRPr lang="en-US"/>
           </a:p>
@@ -1234,7 +1234,7 @@
             <a:fld id="{F0D5B36F-293B-473C-8DBA-B4E5C591472A}" type="datetimeFigureOut">
               <a:rPr lang="en-US" smtClean="0"/>
               <a:pPr/>
-              <a:t>11/30/2012</a:t>
+              <a:t>12/2/2012</a:t>
             </a:fld>
             <a:endParaRPr lang="en-US"/>
           </a:p>
@@ -1477,7 +1477,7 @@
             <a:fld id="{F0D5B36F-293B-473C-8DBA-B4E5C591472A}" type="datetimeFigureOut">
               <a:rPr lang="en-US" smtClean="0"/>
               <a:pPr/>
-              <a:t>11/30/2012</a:t>
+              <a:t>12/2/2012</a:t>
             </a:fld>
             <a:endParaRPr lang="en-US"/>
           </a:p>
@@ -1762,7 +1762,7 @@
             <a:fld id="{F0D5B36F-293B-473C-8DBA-B4E5C591472A}" type="datetimeFigureOut">
               <a:rPr lang="en-US" smtClean="0"/>
               <a:pPr/>
-              <a:t>11/30/2012</a:t>
+              <a:t>12/2/2012</a:t>
             </a:fld>
             <a:endParaRPr lang="en-US"/>
           </a:p>
@@ -2186,7 +2186,7 @@
             <a:fld id="{F0D5B36F-293B-473C-8DBA-B4E5C591472A}" type="datetimeFigureOut">
               <a:rPr lang="en-US" smtClean="0"/>
               <a:pPr/>
-              <a:t>11/30/2012</a:t>
+              <a:t>12/2/2012</a:t>
             </a:fld>
             <a:endParaRPr lang="en-US"/>
           </a:p>
@@ -2301,7 +2301,7 @@
             <a:fld id="{F0D5B36F-293B-473C-8DBA-B4E5C591472A}" type="datetimeFigureOut">
               <a:rPr lang="en-US" smtClean="0"/>
               <a:pPr/>
-              <a:t>11/30/2012</a:t>
+              <a:t>12/2/2012</a:t>
             </a:fld>
             <a:endParaRPr lang="en-US"/>
           </a:p>
@@ -2393,7 +2393,7 @@
             <a:fld id="{F0D5B36F-293B-473C-8DBA-B4E5C591472A}" type="datetimeFigureOut">
               <a:rPr lang="en-US" smtClean="0"/>
               <a:pPr/>
-              <a:t>11/30/2012</a:t>
+              <a:t>12/2/2012</a:t>
             </a:fld>
             <a:endParaRPr lang="en-US"/>
           </a:p>
@@ -2667,7 +2667,7 @@
             <a:fld id="{F0D5B36F-293B-473C-8DBA-B4E5C591472A}" type="datetimeFigureOut">
               <a:rPr lang="en-US" smtClean="0"/>
               <a:pPr/>
-              <a:t>11/30/2012</a:t>
+              <a:t>12/2/2012</a:t>
             </a:fld>
             <a:endParaRPr lang="en-US"/>
           </a:p>
@@ -2917,7 +2917,7 @@
             <a:fld id="{F0D5B36F-293B-473C-8DBA-B4E5C591472A}" type="datetimeFigureOut">
               <a:rPr lang="en-US" smtClean="0"/>
               <a:pPr/>
-              <a:t>11/30/2012</a:t>
+              <a:t>12/2/2012</a:t>
             </a:fld>
             <a:endParaRPr lang="en-US"/>
           </a:p>
@@ -3127,7 +3127,7 @@
             <a:fld id="{F0D5B36F-293B-473C-8DBA-B4E5C591472A}" type="datetimeFigureOut">
               <a:rPr lang="en-US" smtClean="0"/>
               <a:pPr/>
-              <a:t>11/30/2012</a:t>
+              <a:t>12/2/2012</a:t>
             </a:fld>
             <a:endParaRPr lang="en-US"/>
           </a:p>
@@ -3514,6 +3514,34 @@
       </p:grpSpPr>
       <p:pic>
         <p:nvPicPr>
+          <p:cNvPr id="2050" name="Picture 2" descr="http://www.alchealth.com/blog/wp-content/uploads/2012/07/Tablet-2.jpg"/>
+          <p:cNvPicPr>
+            <a:picLocks noChangeAspect="1" noChangeArrowheads="1"/>
+          </p:cNvPicPr>
+          <p:nvPr/>
+        </p:nvPicPr>
+        <p:blipFill>
+          <a:blip r:embed="rId4" cstate="print">
+            <a:lum bright="40000" contrast="-26000"/>
+          </a:blip>
+          <a:srcRect/>
+          <a:stretch>
+            <a:fillRect/>
+          </a:stretch>
+        </p:blipFill>
+        <p:spPr bwMode="auto">
+          <a:xfrm>
+            <a:off x="17019588" y="13453268"/>
+            <a:ext cx="8858249" cy="8858251"/>
+          </a:xfrm>
+          <a:prstGeom prst="rect">
+            <a:avLst/>
+          </a:prstGeom>
+          <a:noFill/>
+        </p:spPr>
+      </p:pic>
+      <p:pic>
+        <p:nvPicPr>
           <p:cNvPr id="36" name="Picture 4"/>
           <p:cNvPicPr>
             <a:picLocks noChangeAspect="1" noChangeArrowheads="1"/>
@@ -3521,7 +3549,7 @@
           <p:nvPr/>
         </p:nvPicPr>
         <p:blipFill>
-          <a:blip r:embed="rId4" cstate="print"/>
+          <a:blip r:embed="rId5" cstate="print"/>
           <a:srcRect/>
           <a:stretch>
             <a:fillRect/>
@@ -3853,6 +3881,11 @@
           <a:prstGeom prst="rect">
             <a:avLst/>
           </a:prstGeom>
+          <a:solidFill>
+            <a:schemeClr val="accent1">
+              <a:alpha val="88000"/>
+            </a:schemeClr>
+          </a:solidFill>
         </p:spPr>
         <p:style>
           <a:lnRef idx="2">
@@ -3888,7 +3921,7 @@
           <p:nvPr/>
         </p:nvPicPr>
         <p:blipFill>
-          <a:blip r:embed="rId5" cstate="print"/>
+          <a:blip r:embed="rId6" cstate="print"/>
           <a:stretch>
             <a:fillRect/>
           </a:stretch>
@@ -3906,32 +3939,6 @@
       <p:pic>
         <p:nvPicPr>
           <p:cNvPr id="6" name="Picture 6" descr="http://www.bitili.com/pharmer/img/ali.png"/>
-          <p:cNvPicPr>
-            <a:picLocks noChangeAspect="1" noChangeArrowheads="1"/>
-          </p:cNvPicPr>
-          <p:nvPr/>
-        </p:nvPicPr>
-        <p:blipFill>
-          <a:blip r:embed="rId6" cstate="print"/>
-          <a:srcRect/>
-          <a:stretch>
-            <a:fillRect/>
-          </a:stretch>
-        </p:blipFill>
-        <p:spPr bwMode="auto">
-          <a:xfrm>
-            <a:off x="1036637" y="39645174"/>
-            <a:ext cx="1600200" cy="1600200"/>
-          </a:xfrm>
-          <a:prstGeom prst="rect">
-            <a:avLst/>
-          </a:prstGeom>
-          <a:noFill/>
-        </p:spPr>
-      </p:pic>
-      <p:pic>
-        <p:nvPicPr>
-          <p:cNvPr id="7" name="Picture 8" descr="http://www.bitili.com/pharmer/img/bita.png"/>
           <p:cNvPicPr>
             <a:picLocks noChangeAspect="1" noChangeArrowheads="1"/>
           </p:cNvPicPr>
@@ -3946,6 +3953,32 @@
         </p:blipFill>
         <p:spPr bwMode="auto">
           <a:xfrm>
+            <a:off x="1036637" y="39645174"/>
+            <a:ext cx="1600200" cy="1600200"/>
+          </a:xfrm>
+          <a:prstGeom prst="rect">
+            <a:avLst/>
+          </a:prstGeom>
+          <a:noFill/>
+        </p:spPr>
+      </p:pic>
+      <p:pic>
+        <p:nvPicPr>
+          <p:cNvPr id="7" name="Picture 8" descr="http://www.bitili.com/pharmer/img/bita.png"/>
+          <p:cNvPicPr>
+            <a:picLocks noChangeAspect="1" noChangeArrowheads="1"/>
+          </p:cNvPicPr>
+          <p:nvPr/>
+        </p:nvPicPr>
+        <p:blipFill>
+          <a:blip r:embed="rId8" cstate="print"/>
+          <a:srcRect/>
+          <a:stretch>
+            <a:fillRect/>
+          </a:stretch>
+        </p:blipFill>
+        <p:spPr bwMode="auto">
+          <a:xfrm>
             <a:off x="9190037" y="39645174"/>
             <a:ext cx="1828800" cy="1828800"/>
           </a:xfrm>
@@ -4087,7 +4120,7 @@
           <p:nvPr/>
         </p:nvPicPr>
         <p:blipFill>
-          <a:blip r:embed="rId8" cstate="print"/>
+          <a:blip r:embed="rId9" cstate="print"/>
           <a:srcRect/>
           <a:stretch>
             <a:fillRect/>
@@ -4126,7 +4159,7 @@
           <p:nvPr/>
         </p:nvPicPr>
         <p:blipFill>
-          <a:blip r:embed="rId9" cstate="print"/>
+          <a:blip r:embed="rId10" cstate="print"/>
           <a:srcRect b="35570"/>
           <a:stretch>
             <a:fillRect/>
@@ -4226,7 +4259,7 @@
           <p:nvPr/>
         </p:nvPicPr>
         <p:blipFill>
-          <a:blip r:embed="rId10" cstate="print"/>
+          <a:blip r:embed="rId11" cstate="print"/>
           <a:stretch>
             <a:fillRect/>
           </a:stretch>
@@ -4249,8 +4282,8 @@
         </p:nvSpPr>
         <p:spPr>
           <a:xfrm rot="2613103">
-            <a:off x="21934316" y="3161662"/>
-            <a:ext cx="8472191" cy="2554545"/>
+            <a:off x="20473195" y="3439499"/>
+            <a:ext cx="10783721" cy="2554545"/>
           </a:xfrm>
           <a:prstGeom prst="rect">
             <a:avLst/>
@@ -4265,58 +4298,63 @@
         </p:spPr>
         <p:txBody>
           <a:bodyPr wrap="none">
+            <a:prstTxWarp prst="textWave1">
+              <a:avLst/>
+            </a:prstTxWarp>
             <a:spAutoFit/>
-            <a:scene3d>
-              <a:camera prst="orthographicFront"/>
-              <a:lightRig rig="flat" dir="tl">
-                <a:rot lat="0" lon="0" rev="6600000"/>
-              </a:lightRig>
-            </a:scene3d>
-            <a:sp3d extrusionH="25400" contourW="8890">
-              <a:bevelT w="38100" h="31750"/>
-              <a:contourClr>
-                <a:schemeClr val="accent2">
-                  <a:shade val="75000"/>
-                </a:schemeClr>
-              </a:contourClr>
-            </a:sp3d>
           </a:bodyPr>
           <a:lstStyle/>
           <a:p>
             <a:r>
-              <a:rPr lang="en-US" sz="16000" b="1" dirty="0" smtClean="0">
-                <a:ln w="11430"/>
+              <a:rPr lang="en-US" sz="4400" b="1" dirty="0" smtClean="0">
+                <a:ln w="18000">
+                  <a:solidFill>
+                    <a:schemeClr val="tx1">
+                      <a:alpha val="27000"/>
+                    </a:schemeClr>
+                  </a:solidFill>
+                  <a:prstDash val="solid"/>
+                  <a:miter lim="800000"/>
+                </a:ln>
                 <a:solidFill>
-                  <a:schemeClr val="accent6">
+                  <a:schemeClr val="accent2">
                     <a:lumMod val="75000"/>
                   </a:schemeClr>
                 </a:solidFill>
                 <a:effectLst>
-                  <a:outerShdw blurRad="50800" dist="39000" dir="5460000" algn="tl">
+                  <a:outerShdw blurRad="25500" dist="23000" dir="7020000" algn="tl">
                     <a:srgbClr val="000000">
-                      <a:alpha val="38000"/>
+                      <a:alpha val="50000"/>
                     </a:srgbClr>
                   </a:outerShdw>
                 </a:effectLst>
-                <a:latin typeface="Century Gothic" pitchFamily="34" charset="0"/>
-              </a:rPr>
-              <a:t>Pharmer</a:t>
-            </a:r>
-            <a:endParaRPr lang="en-US" sz="16000" b="1" dirty="0">
-              <a:ln w="11430"/>
+                <a:latin typeface="Times" pitchFamily="18" charset="0"/>
+              </a:rPr>
+              <a:t>PHARMER</a:t>
+            </a:r>
+            <a:endParaRPr lang="en-US" sz="4400" b="1" dirty="0">
+              <a:ln w="18000">
+                <a:solidFill>
+                  <a:schemeClr val="tx1">
+                    <a:alpha val="27000"/>
+                  </a:schemeClr>
+                </a:solidFill>
+                <a:prstDash val="solid"/>
+                <a:miter lim="800000"/>
+              </a:ln>
               <a:solidFill>
-                <a:schemeClr val="accent6">
+                <a:schemeClr val="accent2">
                   <a:lumMod val="75000"/>
                 </a:schemeClr>
               </a:solidFill>
               <a:effectLst>
-                <a:outerShdw blurRad="50800" dist="39000" dir="5460000" algn="tl">
+                <a:outerShdw blurRad="25500" dist="23000" dir="7020000" algn="tl">
                   <a:srgbClr val="000000">
-                    <a:alpha val="38000"/>
+                    <a:alpha val="50000"/>
                   </a:srgbClr>
                 </a:outerShdw>
               </a:effectLst>
-              <a:latin typeface="Century Gothic" pitchFamily="34" charset="0"/>
+              <a:latin typeface="Times" pitchFamily="18" charset="0"/>
             </a:endParaRPr>
           </a:p>
         </p:txBody>
@@ -4330,7 +4368,7 @@
           <p:nvPr/>
         </p:nvPicPr>
         <p:blipFill>
-          <a:blip r:embed="rId11" cstate="print"/>
+          <a:blip r:embed="rId12" cstate="print"/>
           <a:srcRect/>
           <a:stretch>
             <a:fillRect/>
@@ -4355,7 +4393,7 @@
       <p:pic>
         <p:nvPicPr>
           <p:cNvPr id="19" name="Picture 6" descr="plendil">
-            <a:hlinkClick r:id="rId12"/>
+            <a:hlinkClick r:id="rId13"/>
           </p:cNvPr>
           <p:cNvPicPr>
             <a:picLocks noChangeAspect="1" noChangeArrowheads="1"/>
@@ -4363,7 +4401,7 @@
           <p:nvPr/>
         </p:nvPicPr>
         <p:blipFill>
-          <a:blip r:embed="rId13" cstate="print"/>
+          <a:blip r:embed="rId14" cstate="print"/>
           <a:srcRect l="3030" t="3809" r="6061" b="8579"/>
           <a:stretch>
             <a:fillRect/>
@@ -4508,7 +4546,7 @@
           <p:nvPr/>
         </p:nvPicPr>
         <p:blipFill>
-          <a:blip r:embed="rId14" cstate="print"/>
+          <a:blip r:embed="rId15" cstate="print"/>
           <a:stretch>
             <a:fillRect/>
           </a:stretch>
@@ -4730,7 +4768,7 @@
           <p:nvPr/>
         </p:nvPicPr>
         <p:blipFill>
-          <a:blip r:embed="rId15" cstate="print"/>
+          <a:blip r:embed="rId16" cstate="print"/>
           <a:stretch>
             <a:fillRect/>
           </a:stretch>
@@ -4885,7 +4923,7 @@
             <a:pPr lvl="1">
               <a:buSzPct val="200000"/>
               <a:buBlip>
-                <a:blip r:embed="rId10"/>
+                <a:blip r:embed="rId11"/>
               </a:buBlip>
             </a:pPr>
             <a:r>
@@ -4907,7 +4945,7 @@
             <a:pPr lvl="1">
               <a:buSzPct val="200000"/>
               <a:buBlip>
-                <a:blip r:embed="rId10"/>
+                <a:blip r:embed="rId11"/>
               </a:buBlip>
             </a:pPr>
             <a:r>
@@ -4922,7 +4960,7 @@
             <a:pPr lvl="1">
               <a:buSzPct val="200000"/>
               <a:buBlip>
-                <a:blip r:embed="rId10"/>
+                <a:blip r:embed="rId11"/>
               </a:buBlip>
             </a:pPr>
             <a:r>
@@ -4937,7 +4975,7 @@
             <a:pPr lvl="1">
               <a:buSzPct val="200000"/>
               <a:buBlip>
-                <a:blip r:embed="rId10"/>
+                <a:blip r:embed="rId11"/>
               </a:buBlip>
             </a:pPr>
             <a:r>
@@ -4966,7 +5004,9 @@
           </a:prstGeom>
           <a:solidFill>
             <a:schemeClr val="accent5">
-              <a:alpha val="45000"/>
+              <a:lumMod val="20000"/>
+              <a:lumOff val="80000"/>
+              <a:alpha val="74000"/>
             </a:schemeClr>
           </a:solidFill>
         </p:spPr>
@@ -4993,24 +5033,15 @@
             <a:pPr algn="just"/>
             <a:r>
               <a:rPr lang="en-US" sz="4000" b="1" u="sng" dirty="0" smtClean="0">
+                <a:solidFill>
+                  <a:schemeClr val="accent2">
+                    <a:lumMod val="75000"/>
+                  </a:schemeClr>
+                </a:solidFill>
                 <a:latin typeface="Arial" pitchFamily="34" charset="0"/>
                 <a:cs typeface="Arial" pitchFamily="34" charset="0"/>
               </a:rPr>
               <a:t>Semantic Prescriptions</a:t>
-            </a:r>
-            <a:r>
-              <a:rPr lang="en-US" sz="4000" b="1" dirty="0" smtClean="0">
-                <a:latin typeface="Arial" pitchFamily="34" charset="0"/>
-                <a:cs typeface="Arial" pitchFamily="34" charset="0"/>
-              </a:rPr>
-              <a:t> </a:t>
-            </a:r>
-            <a:r>
-              <a:rPr lang="en-US" sz="4000" dirty="0" smtClean="0">
-                <a:latin typeface="Arial" pitchFamily="34" charset="0"/>
-                <a:cs typeface="Arial" pitchFamily="34" charset="0"/>
-              </a:rPr>
-              <a:t>are </a:t>
             </a:r>
             <a:r>
               <a:rPr lang="en-US" sz="4000" b="1" dirty="0" smtClean="0">
@@ -5022,10 +5053,39 @@
                 <a:latin typeface="Arial" pitchFamily="34" charset="0"/>
                 <a:cs typeface="Arial" pitchFamily="34" charset="0"/>
               </a:rPr>
+              <a:t> </a:t>
+            </a:r>
+            <a:r>
+              <a:rPr lang="en-US" sz="4000" dirty="0" smtClean="0">
+                <a:solidFill>
+                  <a:schemeClr val="accent2">
+                    <a:lumMod val="75000"/>
+                  </a:schemeClr>
+                </a:solidFill>
+                <a:latin typeface="Arial" pitchFamily="34" charset="0"/>
+                <a:cs typeface="Arial" pitchFamily="34" charset="0"/>
+              </a:rPr>
+              <a:t>are </a:t>
+            </a:r>
+            <a:r>
+              <a:rPr lang="en-US" sz="4000" b="1" dirty="0" smtClean="0">
+                <a:solidFill>
+                  <a:schemeClr val="accent5">
+                    <a:lumMod val="50000"/>
+                  </a:schemeClr>
+                </a:solidFill>
+                <a:latin typeface="Arial" pitchFamily="34" charset="0"/>
+                <a:cs typeface="Arial" pitchFamily="34" charset="0"/>
+              </a:rPr>
               <a:t>intelligent</a:t>
             </a:r>
             <a:r>
               <a:rPr lang="en-US" sz="4000" dirty="0" smtClean="0">
+                <a:solidFill>
+                  <a:schemeClr val="accent2">
+                    <a:lumMod val="75000"/>
+                  </a:schemeClr>
+                </a:solidFill>
                 <a:latin typeface="Arial" pitchFamily="34" charset="0"/>
                 <a:cs typeface="Arial" pitchFamily="34" charset="0"/>
               </a:rPr>
@@ -5153,8 +5213,8 @@
         </p:nvSpPr>
         <p:spPr>
           <a:xfrm>
-            <a:off x="15057437" y="17004070"/>
-            <a:ext cx="13335000" cy="1323439"/>
+            <a:off x="14219237" y="17004070"/>
+            <a:ext cx="15163800" cy="1323439"/>
           </a:xfrm>
           <a:prstGeom prst="rect">
             <a:avLst/>
@@ -5169,7 +5229,7 @@
             <a:pPr>
               <a:buSzPct val="200000"/>
               <a:buBlip>
-                <a:blip r:embed="rId10"/>
+                <a:blip r:embed="rId11"/>
               </a:buBlip>
             </a:pPr>
             <a:r>
@@ -5177,7 +5237,14 @@
                 <a:latin typeface="Segoe UI Semibold" pitchFamily="34" charset="0"/>
                 <a:cs typeface="Arial" pitchFamily="34" charset="0"/>
               </a:rPr>
-              <a:t> Persistent connection to up-to-date drug information</a:t>
+              <a:t> Persistent connection to up-to-date drug </a:t>
+            </a:r>
+            <a:r>
+              <a:rPr lang="en-US" sz="4000" dirty="0" smtClean="0">
+                <a:latin typeface="Segoe UI Semibold" pitchFamily="34" charset="0"/>
+                <a:cs typeface="Arial" pitchFamily="34" charset="0"/>
+              </a:rPr>
+              <a:t>information</a:t>
             </a:r>
           </a:p>
           <a:p>
@@ -5185,19 +5252,16 @@
               <a:buSzPct val="200000"/>
             </a:pPr>
             <a:r>
-              <a:rPr lang="en-US" sz="4000" dirty="0">
-                <a:latin typeface="Segoe UI Semibold" pitchFamily="34" charset="0"/>
-                <a:cs typeface="Arial" pitchFamily="34" charset="0"/>
-              </a:rPr>
-              <a:t> </a:t>
-            </a:r>
-            <a:r>
               <a:rPr lang="en-US" sz="4000" dirty="0" smtClean="0">
                 <a:latin typeface="Segoe UI Semibold" pitchFamily="34" charset="0"/>
                 <a:cs typeface="Arial" pitchFamily="34" charset="0"/>
               </a:rPr>
-              <a:t>    coming from multiple dynamic data sources.</a:t>
-            </a:r>
+              <a:t>     coming from multiple dynamic data sources.</a:t>
+            </a:r>
+            <a:endParaRPr lang="en-US" sz="4000" dirty="0" smtClean="0">
+              <a:latin typeface="Segoe UI Semibold" pitchFamily="34" charset="0"/>
+              <a:cs typeface="Arial" pitchFamily="34" charset="0"/>
+            </a:endParaRPr>
           </a:p>
         </p:txBody>
       </p:sp>
@@ -5209,7 +5273,7 @@
         </p:nvSpPr>
         <p:spPr>
           <a:xfrm>
-            <a:off x="15133637" y="18505984"/>
+            <a:off x="15133637" y="18425319"/>
             <a:ext cx="13487400" cy="707886"/>
           </a:xfrm>
           <a:prstGeom prst="rect">
@@ -5225,7 +5289,7 @@
             <a:pPr>
               <a:buSzPct val="200000"/>
               <a:buBlip>
-                <a:blip r:embed="rId10"/>
+                <a:blip r:embed="rId11"/>
               </a:buBlip>
             </a:pPr>
             <a:r>
@@ -5240,7 +5304,21 @@
                 <a:latin typeface="Segoe UI Semibold" pitchFamily="34" charset="0"/>
                 <a:cs typeface="Arial" pitchFamily="34" charset="0"/>
               </a:rPr>
-              <a:t>Drug interactions prevention</a:t>
+              <a:t>Drug </a:t>
+            </a:r>
+            <a:r>
+              <a:rPr lang="en-US" sz="4000" dirty="0" smtClean="0">
+                <a:latin typeface="Segoe UI Semibold" pitchFamily="34" charset="0"/>
+                <a:cs typeface="Arial" pitchFamily="34" charset="0"/>
+              </a:rPr>
+              <a:t>interaction </a:t>
+            </a:r>
+            <a:r>
+              <a:rPr lang="en-US" sz="4000" dirty="0" smtClean="0">
+                <a:latin typeface="Segoe UI Semibold" pitchFamily="34" charset="0"/>
+                <a:cs typeface="Arial" pitchFamily="34" charset="0"/>
+              </a:rPr>
+              <a:t>prevention</a:t>
             </a:r>
             <a:r>
               <a:rPr lang="en-US" sz="4000" dirty="0" smtClean="0">
@@ -5269,7 +5347,7 @@
         </p:nvSpPr>
         <p:spPr>
           <a:xfrm>
-            <a:off x="15209837" y="19490631"/>
+            <a:off x="15209837" y="19415919"/>
             <a:ext cx="12954000" cy="1323439"/>
           </a:xfrm>
           <a:prstGeom prst="rect">
@@ -5285,7 +5363,7 @@
             <a:pPr>
               <a:buSzPct val="200000"/>
               <a:buBlip>
-                <a:blip r:embed="rId10"/>
+                <a:blip r:embed="rId11"/>
               </a:buBlip>
             </a:pPr>
             <a:r>
@@ -5329,7 +5407,7 @@
         </p:nvSpPr>
         <p:spPr>
           <a:xfrm>
-            <a:off x="16657637" y="21118870"/>
+            <a:off x="16657637" y="20863719"/>
             <a:ext cx="9677400" cy="707886"/>
           </a:xfrm>
           <a:prstGeom prst="rect">
@@ -5345,7 +5423,7 @@
             <a:pPr>
               <a:buSzPct val="200000"/>
               <a:buBlip>
-                <a:blip r:embed="rId10"/>
+                <a:blip r:embed="rId11"/>
               </a:buBlip>
             </a:pPr>
             <a:r>
@@ -5367,7 +5445,7 @@
         </p:nvSpPr>
         <p:spPr>
           <a:xfrm>
-            <a:off x="19308404" y="22239784"/>
+            <a:off x="18867437" y="22518033"/>
             <a:ext cx="5197833" cy="707886"/>
           </a:xfrm>
           <a:prstGeom prst="rect">
@@ -5383,7 +5461,7 @@
             <a:pPr>
               <a:buSzPct val="200000"/>
               <a:buBlip>
-                <a:blip r:embed="rId10"/>
+                <a:blip r:embed="rId11"/>
               </a:buBlip>
             </a:pPr>
             <a:r>
@@ -5410,8 +5488,8 @@
           </a:xfrm>
           <a:prstGeom prst="accentBorderCallout1">
             <a:avLst>
-              <a:gd name="adj1" fmla="val -18643"/>
-              <a:gd name="adj2" fmla="val -1420"/>
+              <a:gd name="adj1" fmla="val -1976"/>
+              <a:gd name="adj2" fmla="val -215"/>
               <a:gd name="adj3" fmla="val -83875"/>
               <a:gd name="adj4" fmla="val 20488"/>
             </a:avLst>
@@ -5421,6 +5499,10 @@
               <a:alpha val="6000"/>
             </a:schemeClr>
           </a:solidFill>
+          <a:ln>
+            <a:prstDash val="sysDash"/>
+            <a:tailEnd type="arrow"/>
+          </a:ln>
         </p:spPr>
         <p:style>
           <a:lnRef idx="2">
@@ -5949,6 +6031,65 @@
               </a:rPr>
               <a:t>Linked Data representations of the drug-related data sets together with interesting scientific and business questions that can be answered once the data sets are connected.</a:t>
             </a:r>
+          </a:p>
+        </p:txBody>
+      </p:sp>
+      <p:sp>
+        <p:nvSpPr>
+          <p:cNvPr id="52" name="Rectangle 51"/>
+          <p:cNvSpPr/>
+          <p:nvPr/>
+        </p:nvSpPr>
+        <p:spPr>
+          <a:xfrm>
+            <a:off x="18181637" y="21701919"/>
+            <a:ext cx="6502999" cy="707886"/>
+          </a:xfrm>
+          <a:prstGeom prst="rect">
+            <a:avLst/>
+          </a:prstGeom>
+        </p:spPr>
+        <p:txBody>
+          <a:bodyPr wrap="none">
+            <a:spAutoFit/>
+          </a:bodyPr>
+          <a:lstStyle/>
+          <a:p>
+            <a:pPr>
+              <a:buSzPct val="200000"/>
+              <a:buBlip>
+                <a:blip r:embed="rId11"/>
+              </a:buBlip>
+            </a:pPr>
+            <a:r>
+              <a:rPr lang="en-US" sz="4000" dirty="0" smtClean="0">
+                <a:latin typeface="Segoe UI Semibold" pitchFamily="34" charset="0"/>
+                <a:cs typeface="Arial" pitchFamily="34" charset="0"/>
+                <a:sym typeface="Wingdings" pitchFamily="2" charset="2"/>
+              </a:rPr>
+              <a:t> </a:t>
+            </a:r>
+            <a:r>
+              <a:rPr lang="en-US" sz="4000" dirty="0" smtClean="0">
+                <a:latin typeface="Segoe UI Semibold" pitchFamily="34" charset="0"/>
+                <a:cs typeface="Arial" pitchFamily="34" charset="0"/>
+                <a:sym typeface="Wingdings" pitchFamily="2" charset="2"/>
+              </a:rPr>
+              <a:t>Shared decision making</a:t>
+            </a:r>
+            <a:r>
+              <a:rPr lang="en-US" sz="4000" dirty="0" smtClean="0">
+                <a:latin typeface="Segoe UI Semibold" pitchFamily="34" charset="0"/>
+                <a:cs typeface="Arial" pitchFamily="34" charset="0"/>
+                <a:sym typeface="Wingdings" pitchFamily="2" charset="2"/>
+              </a:rPr>
+              <a:t>.</a:t>
+            </a:r>
+            <a:endParaRPr lang="en-US" sz="4000" dirty="0" smtClean="0">
+              <a:latin typeface="Segoe UI Semibold" pitchFamily="34" charset="0"/>
+              <a:cs typeface="Arial" pitchFamily="34" charset="0"/>
+              <a:sym typeface="Wingdings" pitchFamily="2" charset="2"/>
+            </a:endParaRPr>
           </a:p>
         </p:txBody>
       </p:sp>
